--- a/Templates/Société Générale.pptx
+++ b/Templates/Société Générale.pptx
@@ -238,7 +238,7 @@
           <a:p>
             <a:fld id="{515CCE07-1711-4DC7-A7D8-7ED312C82FB8}" type="datetimeFigureOut">
               <a:rPr lang="fr-FR" smtClean="0"/>
-              <a:t>11/07/2022</a:t>
+              <a:t>15/07/2022</a:t>
             </a:fld>
             <a:endParaRPr lang="fr-FR"/>
           </a:p>
@@ -403,7 +403,7 @@
           <a:p>
             <a:fld id="{014ABEAC-8B63-4BD1-9569-A14EB8752A94}" type="datetimeFigureOut">
               <a:rPr lang="fr-FR" smtClean="0"/>
-              <a:t>11/07/2022</a:t>
+              <a:t>15/07/2022</a:t>
             </a:fld>
             <a:endParaRPr lang="fr-FR"/>
           </a:p>
@@ -1927,14 +1927,6 @@
               <a:t> et à l’échéance</a:t>
             </a:r>
             <a:r>
-              <a:rPr lang="fr-FR" sz="800" baseline="30000" dirty="0">
-                <a:solidFill>
-                  <a:schemeClr val="tx2"/>
-                </a:solidFill>
-              </a:rPr>
-              <a:t> </a:t>
-            </a:r>
-            <a:r>
               <a:rPr lang="fr-FR" sz="800" b="1" baseline="30000" dirty="0">
                 <a:solidFill>
                   <a:schemeClr val="tx2"/>
@@ -2098,7 +2090,7 @@
         <p:spPr>
           <a:xfrm>
             <a:off x="4175836" y="6069790"/>
-            <a:ext cx="3024000" cy="1754326"/>
+            <a:ext cx="3024000" cy="2616101"/>
           </a:xfrm>
           <a:prstGeom prst="rect">
             <a:avLst/>
@@ -2237,59 +2229,101 @@
               <a:t>issuer</a:t>
             </a:r>
             <a:r>
+              <a:rPr lang="fr-FR" sz="800" b="1" baseline="30000" dirty="0">
+                <a:solidFill>
+                  <a:srgbClr val="B9A049"/>
+                </a:solidFill>
+                <a:latin typeface="Futura PT" panose="020B0902020204020203" pitchFamily="34" charset="0"/>
+              </a:rPr>
+              <a:t>(2)</a:t>
+            </a:r>
+            <a:r>
               <a:rPr lang="fr-FR" sz="800" b="1" cap="all" dirty="0">
                 <a:solidFill>
                   <a:srgbClr val="B9A049"/>
                 </a:solidFill>
                 <a:latin typeface="Futura PT" panose="020B0902020204020203" pitchFamily="34" charset="0"/>
               </a:rPr>
+              <a:t>, </a:t>
+            </a:r>
+            <a:r>
+              <a:rPr lang="fr-FR" sz="800" cap="none" dirty="0">
+                <a:solidFill>
+                  <a:schemeClr val="tx2"/>
+                </a:solidFill>
+                <a:latin typeface="Proxima Nova Rg" panose="02000506030000020004" pitchFamily="2" charset="0"/>
+              </a:rPr>
+              <a:t>véhicule d’émission dédié de droit luxembourgeois, bénéficiant d’une garantie donnée par Société Générale</a:t>
+            </a:r>
+            <a:r>
+              <a:rPr lang="fr-FR" sz="800" cap="none" baseline="30000" dirty="0">
+                <a:solidFill>
+                  <a:schemeClr val="tx2"/>
+                </a:solidFill>
+                <a:latin typeface="Proxima Nova Rg" panose="02000506030000020004" pitchFamily="2" charset="0"/>
+              </a:rPr>
               <a:t> </a:t>
             </a:r>
             <a:r>
-              <a:rPr lang="fr-FR" sz="800" b="1" baseline="30000" dirty="0">
-                <a:solidFill>
-                  <a:srgbClr val="B9A049"/>
-                </a:solidFill>
-                <a:latin typeface="Futura PT" panose="020B0902020204020203" pitchFamily="34" charset="0"/>
-              </a:rPr>
-              <a:t>(3)</a:t>
-            </a:r>
-            <a:r>
-              <a:rPr lang="fr-FR" sz="800" b="1" cap="all" dirty="0">
-                <a:solidFill>
-                  <a:srgbClr val="B9A049"/>
-                </a:solidFill>
-                <a:latin typeface="Futura PT" panose="020B0902020204020203" pitchFamily="34" charset="0"/>
-              </a:rPr>
-              <a:t>, </a:t>
-            </a:r>
-            <a:r>
               <a:rPr lang="fr-FR" sz="800" cap="none" dirty="0">
                 <a:solidFill>
                   <a:schemeClr val="tx2"/>
                 </a:solidFill>
                 <a:latin typeface="Proxima Nova Rg" panose="02000506030000020004" pitchFamily="2" charset="0"/>
               </a:rPr>
-              <a:t>véhicule d’émission dédié de droit luxembourgeois, bénéficiant d’une garantie donnée par Société Générale</a:t>
-            </a:r>
-            <a:r>
-              <a:rPr lang="fr-FR" sz="800" cap="none" baseline="30000" dirty="0">
-                <a:solidFill>
-                  <a:schemeClr val="tx2"/>
-                </a:solidFill>
+              <a:t>de la formule de remboursement et du paiement des sommes dues par l’Émetteur au titre du produit. L’investisseur est par conséquent </a:t>
+            </a:r>
+            <a:r>
+              <a:rPr lang="fr-FR" sz="800" cap="none" dirty="0">
                 <a:latin typeface="Proxima Nova Rg" panose="02000506030000020004" pitchFamily="2" charset="0"/>
               </a:rPr>
-              <a:t> </a:t>
-            </a:r>
-            <a:r>
-              <a:rPr lang="fr-FR" sz="800" cap="none" dirty="0">
-                <a:solidFill>
-                  <a:schemeClr val="tx2"/>
-                </a:solidFill>
+              <a:t>soumis au risque de défaut de paiement et de faillite de l’Émetteur, SG ISSUER, ainsi que de défaut de paiement, faillite et de mise en résolution du Garant, Société Générale.</a:t>
+            </a:r>
+          </a:p>
+          <a:p>
+            <a:pPr marL="171450" indent="-171450" algn="just">
+              <a:buClr>
+                <a:srgbClr val="04202E"/>
+              </a:buClr>
+              <a:buSzPct val="100000"/>
+              <a:buFont typeface="Wingdings" panose="05000000000000000000" pitchFamily="2" charset="2"/>
+              <a:buChar char="§"/>
+            </a:pPr>
+            <a:endParaRPr lang="fr-FR" sz="800" dirty="0">
+              <a:latin typeface="Proxima Nova Rg" panose="02000506030000020004" pitchFamily="2" charset="0"/>
+            </a:endParaRPr>
+          </a:p>
+          <a:p>
+            <a:pPr marL="171450" indent="-171450" algn="just">
+              <a:buClr>
+                <a:srgbClr val="04202E"/>
+              </a:buClr>
+              <a:buSzPct val="100000"/>
+              <a:buFont typeface="Wingdings" panose="05000000000000000000" pitchFamily="2" charset="2"/>
+              <a:buChar char="§"/>
+            </a:pPr>
+            <a:r>
+              <a:rPr lang="fr-FR" sz="800" dirty="0">
                 <a:latin typeface="Proxima Nova Rg" panose="02000506030000020004" pitchFamily="2" charset="0"/>
               </a:rPr>
-              <a:t>de la formule de remboursement et du paiement des sommes dues par l’Émetteur au titre du produit. L’investisseur est par conséquent soumis au risque de défaut de paiement et de faillite de l’Émetteur, SG ISSUER, ainsi que de défaut de paiement, faillite et de mise en résolution du Garant, Société Générale.</a:t>
-            </a:r>
+              <a:t>L’assureur s’engage exclusivement sur le nombre d’unités de compte mais non sur leur valeur, qu’il ne garantit pas. Il est précisé que l’assureur d’une part, l’Émetteur et le Garant d’autre part sont des entités juridiques indépendantes. Ce document n’a pas été rédigé par l’assureur. </a:t>
+            </a:r>
+          </a:p>
+          <a:p>
+            <a:pPr marL="171450" indent="-171450" algn="just">
+              <a:buClr>
+                <a:srgbClr val="04202E"/>
+              </a:buClr>
+              <a:buSzPct val="100000"/>
+              <a:buFont typeface="Wingdings" panose="05000000000000000000" pitchFamily="2" charset="2"/>
+              <a:buChar char="§"/>
+            </a:pPr>
+            <a:endParaRPr lang="fr-FR" sz="800" cap="none" dirty="0">
+              <a:solidFill>
+                <a:schemeClr val="tx2"/>
+              </a:solidFill>
+              <a:latin typeface="Proxima Nova Rg" panose="02000506030000020004" pitchFamily="2" charset="0"/>
+            </a:endParaRPr>
           </a:p>
           <a:p>
             <a:pPr algn="just">
@@ -2462,7 +2496,7 @@
         <p:spPr bwMode="auto">
           <a:xfrm>
             <a:off x="359839" y="9765983"/>
-            <a:ext cx="6485461" cy="800219"/>
+            <a:ext cx="6485461" cy="600164"/>
           </a:xfrm>
           <a:prstGeom prst="rect">
             <a:avLst/>
@@ -2483,107 +2517,20 @@
           <a:p>
             <a:pPr algn="just" defTabSz="914400"/>
             <a:r>
-              <a:rPr lang="fr-FR" sz="650" baseline="30000" dirty="0">
-                <a:solidFill>
-                  <a:srgbClr val="04202E"/>
-                </a:solidFill>
+              <a:rPr lang="fr-FR" sz="650" dirty="0">
                 <a:latin typeface="Proxima Nova Rg" panose="02000506030000020004" pitchFamily="2" charset="0"/>
               </a:rPr>
-              <a:t>(1) </a:t>
-            </a:r>
-            <a:r>
-              <a:rPr lang="fr-FR" sz="650" dirty="0">
-                <a:solidFill>
-                  <a:srgbClr val="04202E"/>
-                </a:solidFill>
-                <a:latin typeface="Proxima Nova Rg" panose="02000506030000020004" pitchFamily="2" charset="0"/>
-              </a:rPr>
-              <a:t>L’investisseur prend un risque de perte en capital non mesurable a priori si les titres de créance sont revendus avant la date d’échéance ou de remboursement automatique anticipé. L’investisseur supporte le risque de défaut de paiement et/ou de faillite de l’Émetteur et/ou Garant, ainsi que de mise en résolution du Garant. Pour les autres risques de perte en capital, voir pages suivantes. </a:t>
+              <a:t>(1) L’investisseur prend un risque de perte en capital non mesurable a priori si les titres de créance sont revendus avant la date d’échéance ou de remboursement automatique anticipé. L’investisseur supporte le risque de défaut de paiement et/ou de faillite de l’Émetteur et/ou Garant, ainsi que de mise en résolution du Garant. Pour les autres risques de perte en capital, voir pages suivantes. </a:t>
             </a:r>
           </a:p>
           <a:p>
             <a:pPr algn="just" defTabSz="914400"/>
             <a:r>
-              <a:rPr lang="fr-FR" sz="650" baseline="30000" dirty="0">
-                <a:solidFill>
-                  <a:srgbClr val="04202E"/>
-                </a:solidFill>
+              <a:rPr lang="fr-FR" sz="650" dirty="0">
                 <a:latin typeface="Proxima Nova Rg" panose="02000506030000020004" pitchFamily="2" charset="0"/>
               </a:rPr>
-              <a:t>(2) </a:t>
-            </a:r>
-            <a:r>
-              <a:rPr lang="fr-FR" sz="650" dirty="0">
-                <a:solidFill>
-                  <a:srgbClr val="04202E"/>
-                </a:solidFill>
-                <a:latin typeface="Proxima Nova Rg" panose="02000506030000020004" pitchFamily="2" charset="0"/>
-              </a:rPr>
-              <a:t>L’assureur s’engage exclusivement sur le nombre d’unités de compte mais non sur leur valeur, qu’il ne garantit pas. Il est précisé que l’assureur d’une part, l’Émetteur et le Garant d’autre part sont des entités juridiques indépendantes. Ce document n’a pas été rédigé par l’assureur. </a:t>
-            </a:r>
-          </a:p>
-          <a:p>
-            <a:pPr algn="just" defTabSz="914400"/>
-            <a:r>
-              <a:rPr lang="fr-FR" sz="650" baseline="30000" dirty="0">
-                <a:solidFill>
-                  <a:srgbClr val="04202E"/>
-                </a:solidFill>
-                <a:latin typeface="Proxima Nova Rg" panose="02000506030000020004" pitchFamily="2" charset="0"/>
-              </a:rPr>
-              <a:t>(3) </a:t>
-            </a:r>
-            <a:r>
-              <a:rPr lang="fr-FR" sz="650" dirty="0">
-                <a:solidFill>
-                  <a:srgbClr val="04202E"/>
-                </a:solidFill>
-                <a:latin typeface="Proxima Nova Rg" panose="02000506030000020004" pitchFamily="2" charset="0"/>
-              </a:rPr>
-              <a:t>Filiale à 100% de Société Générale Luxembourg SA, elle-même filiale à 100% de Société Générale : Moody’s : A1 / Standard &amp; </a:t>
-            </a:r>
-            <a:r>
-              <a:rPr lang="fr-FR" sz="650" dirty="0" err="1">
-                <a:solidFill>
-                  <a:srgbClr val="04202E"/>
-                </a:solidFill>
-                <a:latin typeface="Proxima Nova Rg" panose="02000506030000020004" pitchFamily="2" charset="0"/>
-              </a:rPr>
-              <a:t>Poor’s</a:t>
-            </a:r>
-            <a:r>
-              <a:rPr lang="fr-FR" sz="650" dirty="0">
-                <a:solidFill>
-                  <a:srgbClr val="04202E"/>
-                </a:solidFill>
-                <a:latin typeface="Proxima Nova Rg" panose="02000506030000020004" pitchFamily="2" charset="0"/>
-              </a:rPr>
-              <a:t> : A. Notations en vigueur au moment de la rédaction de la présente brochure le </a:t>
-            </a:r>
-            <a:r>
-              <a:rPr lang="fr-FR" sz="650" dirty="0">
-                <a:solidFill>
-                  <a:schemeClr val="tx2"/>
-                </a:solidFill>
-                <a:latin typeface="Proxima Nova Rg" panose="02000506030000020004" pitchFamily="2" charset="0"/>
-              </a:rPr>
-              <a:t>&lt;DDR_MAJ&gt;. </a:t>
-            </a:r>
-            <a:r>
-              <a:rPr lang="fr-FR" sz="650" dirty="0">
-                <a:solidFill>
-                  <a:srgbClr val="04202E"/>
-                </a:solidFill>
-                <a:latin typeface="Proxima Nova Rg" panose="02000506030000020004" pitchFamily="2" charset="0"/>
-              </a:rPr>
-              <a:t>Ces notations peuvent être révisées à tout moment et ne sont pas une garantie de solvabilité de l’Émetteur ni du Garant. Elles ne sauraient constituer un argument de souscription au titres de créance.</a:t>
-            </a:r>
-            <a:endParaRPr lang="fr-FR" sz="650" dirty="0">
-              <a:solidFill>
-                <a:schemeClr val="tx2"/>
-              </a:solidFill>
-              <a:latin typeface="Proxima Nova Rg" panose="02000506030000020004" pitchFamily="2" charset="0"/>
-            </a:endParaRPr>
+              <a:t>(2) Filiale à 100% de Société Générale Luxembourg SA, elle-même filiale à 100% de Société Générale : Moody’s : A1 / Standard &amp; Poor’s : A. Notations en vigueur au moment de la rédaction de la présente brochure le &lt;DDR_MAJ&gt;. Ces notations peuvent être révisées à tout moment et ne sont pas une garantie de solvabilité de l’Émetteur ni du Garant. Elles ne sauraient constituer un argument de souscription au titres de créance.</a:t>
+            </a:r>
           </a:p>
         </p:txBody>
       </p:sp>
@@ -2664,7 +2611,7 @@
         <p:spPr bwMode="auto">
           <a:xfrm>
             <a:off x="361950" y="9765983"/>
-            <a:ext cx="6483350" cy="600164"/>
+            <a:ext cx="6483350" cy="700192"/>
           </a:xfrm>
           <a:prstGeom prst="rect">
             <a:avLst/>
@@ -2685,34 +2632,34 @@
           <a:p>
             <a:pPr marL="0" lvl="1" algn="just"/>
             <a:r>
-              <a:rPr lang="fr-FR" sz="650" baseline="30000" dirty="0">
+              <a:rPr lang="fr-FR" sz="650" dirty="0">
                 <a:solidFill>
                   <a:schemeClr val="tx2"/>
                 </a:solidFill>
                 <a:latin typeface="+mn-lt"/>
               </a:rPr>
-              <a:t>(1)</a:t>
-            </a:r>
-            <a:r>
-              <a:rPr lang="fr-FR" sz="650" dirty="0">
-                <a:solidFill>
-                  <a:schemeClr val="tx2"/>
-                </a:solidFill>
-                <a:latin typeface="+mn-lt"/>
-              </a:rPr>
-              <a:t> Veuillez vous référer au tableau récapitulant les principales caractéristiques financières en &lt;PAGE&gt; pour le détail des dates. </a:t>
+              <a:t>(1) Veuillez vous référer au tableau récapitulant les principales caractéristiques financières en &lt;PAGE&gt; pour le détail des dates. </a:t>
             </a:r>
           </a:p>
           <a:p>
             <a:pPr marL="0" lvl="1" algn="just"/>
             <a:r>
+              <a:rPr lang="fr-FR" sz="650" dirty="0">
+                <a:solidFill>
+                  <a:schemeClr val="tx2"/>
+                </a:solidFill>
+                <a:latin typeface="+mn-lt"/>
+              </a:rPr>
+              <a:t>(2) En prenant comme hypothèse 1,00% de frais de gestion du contrat d’assurance vie ou de capitalisation. TRA nets hors autres frais, fiscalité et prélèvements sociaux applicables au cadre d’investissement, et hors défaut de paiement et/ou faillite de l’Émetteur et du Garant de la formule et hors mise en résolution du Garant de la formule. Les TRA sont calculés à partir du &lt;2PDC&gt; jusqu’à la date de remboursement anticipé automatique éventuel</a:t>
+            </a:r>
+            <a:r>
               <a:rPr lang="fr-FR" sz="650" baseline="30000" dirty="0">
                 <a:solidFill>
                   <a:schemeClr val="tx2"/>
                 </a:solidFill>
                 <a:latin typeface="+mn-lt"/>
               </a:rPr>
-              <a:t>(2)</a:t>
+              <a:t>(1)</a:t>
             </a:r>
             <a:r>
               <a:rPr lang="fr-FR" sz="650" dirty="0">
@@ -2721,7 +2668,7 @@
                 </a:solidFill>
                 <a:latin typeface="+mn-lt"/>
               </a:rPr>
-              <a:t> En prenant comme hypothèse 1,00% de frais de gestion du contrat d’assurance vie ou de capitalisation. TRA nets hors autres frais, fiscalité et prélèvements sociaux applicables au cadre d’investissement, et hors défaut de paiement et/ou faillite de l’Émetteur et du Garant de la formule et hors mise en résolution du Garant de la formule. Les TRA sont calculés à partir du &lt;2PDC&gt; jusqu’à la date de remboursement anticipé automatique éventuel</a:t>
+              <a:t> ou d’échéance</a:t>
             </a:r>
             <a:r>
               <a:rPr lang="fr-FR" sz="650" baseline="30000" dirty="0">
@@ -2739,26 +2686,35 @@
                 </a:solidFill>
                 <a:latin typeface="+mn-lt"/>
               </a:rPr>
-              <a:t> ou d’échéance</a:t>
-            </a:r>
-            <a:r>
-              <a:rPr lang="fr-FR" sz="650" baseline="30000" dirty="0">
+              <a:t> selon les scénarios. Une sortie anticipée à l’initiative de l’investisseur se fera à un &lt;SJR3&gt; dépendant de l’évolution des paramètres de marché au moment de la sortie (&lt;SJR3&gt; &lt;SJR7&gt;, des taux d’intérêt, de la volatilité et des primes de risque de crédit notamment) et pourra donc entraîner un risque de perte en capital.</a:t>
+            </a:r>
+          </a:p>
+          <a:p>
+            <a:pPr marL="0" lvl="1" algn="just"/>
+            <a:r>
+              <a:rPr lang="fr-FR" sz="650" dirty="0">
                 <a:solidFill>
                   <a:schemeClr val="tx2"/>
                 </a:solidFill>
                 <a:latin typeface="+mn-lt"/>
               </a:rPr>
-              <a:t>(1)</a:t>
-            </a:r>
-            <a:r>
-              <a:rPr lang="fr-FR" sz="650" dirty="0">
+              <a:t>(3) Hors prise en compte des dividendes éventuels détachés par </a:t>
+            </a:r>
+            <a:r>
+              <a:rPr lang="it-IT" sz="650" dirty="0">
                 <a:solidFill>
                   <a:schemeClr val="tx2"/>
                 </a:solidFill>
                 <a:latin typeface="+mn-lt"/>
               </a:rPr>
-              <a:t> selon les scénarios. Une sortie anticipée à l’initiative de l’investisseur se fera à un &lt;SJR3&gt; dépendant de l’évolution des paramètres de marché au moment de la sortie (&lt;SJR3&gt; &lt;SJR7&gt;, des taux d’intérêt, de la volatilité et des primes de risque de crédit notamment) et pourra donc entraîner un risque de perte en capital.</a:t>
-            </a:r>
+              <a:t>&lt;SJR1&gt;</a:t>
+            </a:r>
+            <a:endParaRPr lang="fr-FR" sz="650" dirty="0">
+              <a:solidFill>
+                <a:schemeClr val="tx2"/>
+              </a:solidFill>
+              <a:latin typeface="+mn-lt"/>
+            </a:endParaRPr>
           </a:p>
         </p:txBody>
       </p:sp>
@@ -3529,7 +3485,7 @@
         <p:spPr>
           <a:xfrm>
             <a:off x="4008562" y="1524157"/>
-            <a:ext cx="3189159" cy="2416046"/>
+            <a:ext cx="3189159" cy="2539157"/>
           </a:xfrm>
           <a:prstGeom prst="rect">
             <a:avLst/>
@@ -3558,20 +3514,7 @@
             </a:pPr>
             <a:r>
               <a:rPr lang="fr-FR" sz="800" dirty="0"/>
-              <a:t>À la fin &lt;DU&gt; &lt;F0&gt; 1, à la date de constatation correspondante</a:t>
-            </a:r>
-            <a:r>
-              <a:rPr lang="fr-FR" sz="800" baseline="30000" dirty="0">
-                <a:solidFill>
-                  <a:schemeClr val="tx2"/>
-                </a:solidFill>
-                <a:latin typeface="Proxima Nova Rg" panose="02000506030000020004" pitchFamily="2" charset="0"/>
-              </a:rPr>
-              <a:t>(1)</a:t>
-            </a:r>
-            <a:r>
-              <a:rPr lang="fr-FR" sz="800" dirty="0"/>
-              <a:t>, &lt;SJR1&gt; clôture à un &lt;SJR3&gt; strictement supérieur à &lt;ABAC2&gt;. Le produit verse donc un coupon de &lt;CPN&gt; au titre du &lt;F0&gt;.</a:t>
+              <a:t>À la fin &lt;DU&gt; &lt;F0&gt; 1, à la date de constatation correspondante, &lt;SJR1&gt; clôture à un &lt;SJR3&gt; strictement supérieur à &lt;ABAC2&gt;. Le produit verse donc un coupon de &lt;CPN&gt; au titre du &lt;F0&gt;.</a:t>
             </a:r>
           </a:p>
           <a:p>
@@ -3604,7 +3547,7 @@
             </a:r>
             <a:r>
               <a:rPr lang="fr-FR" sz="800" dirty="0"/>
-              <a:t>, &lt;SJR1&gt; clôture à un &lt;SJR3&gt; strictement inférieur à &lt;ABAC2&gt;. Le mécanisme de remboursement anticipé automatique n’est donc pas activé et le produit ne verse aucun coupon&lt;Mémoire4&gt;.</a:t>
+              <a:t>, &lt;SJR1&gt; clôture à un &lt;SJR3&gt; strictement inférieur au seuil de versement du coupon. Le mécanisme de remboursement anticipé automatique n’est donc pas activé et le produit ne verse aucun coupon&lt;Mémoire4&gt;.</a:t>
             </a:r>
           </a:p>
           <a:p>
@@ -3655,16 +3598,13 @@
             </a:pPr>
             <a:r>
               <a:rPr lang="fr-FR" sz="800" dirty="0"/>
-              <a:t>Ce qui correspond à un Taux de Rendement Annuel net négatif de        </a:t>
+              <a:t>Ce qui correspond à un taux de rendement annuel net négatif de </a:t>
             </a:r>
             <a:r>
               <a:rPr lang="fr-FR" sz="800" dirty="0">
                 <a:solidFill>
                   <a:srgbClr val="000000"/>
                 </a:solidFill>
-                <a:highlight>
-                  <a:srgbClr val="00FFFF"/>
-                </a:highlight>
               </a:rPr>
               <a:t>&lt;TRA.D.P&gt;</a:t>
             </a:r>
@@ -3674,16 +3614,13 @@
             </a:r>
             <a:r>
               <a:rPr lang="fr-FR" sz="800" dirty="0"/>
-              <a:t>, contre un Taux de Rendement Annuel net négatif de </a:t>
+              <a:t>, contre un taux de rendement annuel net négatif de </a:t>
             </a:r>
             <a:r>
               <a:rPr lang="fr-FR" sz="800" dirty="0">
                 <a:solidFill>
                   <a:srgbClr val="000000"/>
                 </a:solidFill>
-                <a:highlight>
-                  <a:srgbClr val="00FFFF"/>
-                </a:highlight>
               </a:rPr>
               <a:t>&lt;TRA.D.A&gt;</a:t>
             </a:r>
@@ -3821,16 +3758,13 @@
               <a:rPr lang="fr-FR" sz="800" dirty="0">
                 <a:latin typeface="+mn-lt"/>
               </a:rPr>
-              <a:t>Ce qui correspond à un Taux de Rendement Annuel net de </a:t>
+              <a:t>Ce qui correspond à un taux de rendement annuel net de </a:t>
             </a:r>
             <a:r>
               <a:rPr lang="fr-FR" sz="800" dirty="0">
                 <a:solidFill>
                   <a:srgbClr val="000000"/>
                 </a:solidFill>
-                <a:highlight>
-                  <a:srgbClr val="00FFFF"/>
-                </a:highlight>
                 <a:latin typeface="+mn-lt"/>
               </a:rPr>
               <a:t>&lt;TRA.RM.P&gt;</a:t>
@@ -3857,16 +3791,13 @@
               <a:rPr lang="fr-FR" sz="800" dirty="0">
                 <a:latin typeface="+mn-lt"/>
               </a:rPr>
-              <a:t>contre un Taux de Rendement Annuel net de </a:t>
+              <a:t>contre un taux de rendement annuel net de </a:t>
             </a:r>
             <a:r>
               <a:rPr lang="fr-FR" sz="800" dirty="0">
                 <a:solidFill>
                   <a:srgbClr val="000000"/>
                 </a:solidFill>
-                <a:highlight>
-                  <a:srgbClr val="00FFFF"/>
-                </a:highlight>
                 <a:latin typeface="+mn-lt"/>
               </a:rPr>
               <a:t>&lt;TRA.M.SJ&gt;</a:t>
@@ -3973,7 +3904,7 @@
         <p:spPr>
           <a:xfrm>
             <a:off x="4008562" y="7334571"/>
-            <a:ext cx="3239378" cy="1631216"/>
+            <a:ext cx="3239378" cy="1754326"/>
           </a:xfrm>
           <a:prstGeom prst="rect">
             <a:avLst/>
@@ -4019,7 +3950,7 @@
                   <a:schemeClr val="tx2"/>
                 </a:solidFill>
               </a:rPr>
-              <a:t>, &lt;SJR1&gt; clôture à un &lt;SJR3&gt; supérieur à &lt;ABAC2&gt;. Le produit verse alors un coupon de &lt;CPN&gt; au titre de chaque &lt;F0&gt;.</a:t>
+              <a:t>, &lt;SJR1&gt; clôture à un &lt;SJR3&gt; supérieur au seuil de versement du coupon. Le produit verse alors un coupon de &lt;CPN&gt; au titre de chaque &lt;F0&gt;.</a:t>
             </a:r>
           </a:p>
           <a:p>
@@ -4050,7 +3981,7 @@
                   <a:schemeClr val="tx2"/>
                 </a:solidFill>
               </a:rPr>
-              <a:t>, &lt;SJR1&gt; clôture à un &lt;SJR3&gt; supérieur à &lt;ABAC&gt; (&lt;NSF&gt; dans cet exemple). Le produit est alors automatiquement remboursé par anticipation. L’investisseur récupère l’intégralité du capital initial majoré d’un coupon de &lt;CPN&gt; au titre du trimestre.</a:t>
+              <a:t>, &lt;SJR1&gt; clôture à un &lt;SJR3&gt; supérieur à &lt;ABAC&gt; (&lt;NSF&gt; dans cet exemple). Le produit est alors automatiquement remboursé par anticipation. L’investisseur récupère l’intégralité du capital initial majoré du coupon de &lt;CPN&gt;.</a:t>
             </a:r>
           </a:p>
           <a:p>
@@ -4065,29 +3996,51 @@
                   <a:srgbClr val="04202E"/>
                 </a:solidFill>
               </a:rPr>
-              <a:t>Ce qui correspond à un Taux de Rendement Annuel net de </a:t>
+              <a:t>Ce qui correspond à un taux de rendement annuel net de &lt;TRA.F.P&gt;</a:t>
+            </a:r>
+            <a:r>
+              <a:rPr lang="fr-FR" sz="800" baseline="30000" dirty="0">
+                <a:solidFill>
+                  <a:srgbClr val="04202E"/>
+                </a:solidFill>
+              </a:rPr>
+              <a:t>(2)</a:t>
             </a:r>
             <a:r>
               <a:rPr lang="fr-FR" sz="800" dirty="0">
                 <a:solidFill>
                   <a:srgbClr val="04202E"/>
                 </a:solidFill>
-                <a:highlight>
-                  <a:srgbClr val="00FFFF"/>
-                </a:highlight>
-              </a:rPr>
-              <a:t>&lt;TRA.F.P&gt;</a:t>
+              </a:rPr>
+              <a:t>, contre un taux de rendement annuel net de </a:t>
+            </a:r>
+            <a:r>
+              <a:rPr lang="fr-FR" sz="800" dirty="0"/>
+              <a:t>&lt;TRA.F.SJ&gt;</a:t>
             </a:r>
             <a:r>
               <a:rPr lang="fr-FR" sz="800" baseline="30000" dirty="0">
                 <a:solidFill>
                   <a:srgbClr val="04202E"/>
                 </a:solidFill>
-                <a:highlight>
-                  <a:srgbClr val="00FFFF"/>
-                </a:highlight>
-              </a:rPr>
-              <a:t>(</a:t>
+              </a:rPr>
+              <a:t>(2)</a:t>
+            </a:r>
+            <a:r>
+              <a:rPr lang="fr-FR" sz="800" dirty="0">
+                <a:solidFill>
+                  <a:srgbClr val="04202E"/>
+                </a:solidFill>
+              </a:rPr>
+              <a:t> pour un investissement direct dans </a:t>
+            </a:r>
+            <a:r>
+              <a:rPr lang="it-IT" sz="800" dirty="0">
+                <a:solidFill>
+                  <a:srgbClr val="04202E"/>
+                </a:solidFill>
+              </a:rPr>
+              <a:t>&lt;SJR1&gt;</a:t>
             </a:r>
             <a:r>
               <a:rPr lang="fr-FR" sz="800" baseline="30000" dirty="0">
@@ -4095,7 +4048,7 @@
                   <a:srgbClr val="04202E"/>
                 </a:solidFill>
               </a:rPr>
-              <a:t>2)</a:t>
+              <a:t>(3)</a:t>
             </a:r>
             <a:r>
               <a:rPr lang="fr-FR" sz="800" dirty="0">
@@ -4103,65 +4056,6 @@
                   <a:srgbClr val="04202E"/>
                 </a:solidFill>
               </a:rPr>
-              <a:t>, contre un Taux de Rendement Annuel net de </a:t>
-            </a:r>
-            <a:r>
-              <a:rPr lang="fr-FR" sz="800" dirty="0">
-                <a:highlight>
-                  <a:srgbClr val="00FFFF"/>
-                </a:highlight>
-              </a:rPr>
-              <a:t>&lt;TRA.F.SJ&gt;</a:t>
-            </a:r>
-            <a:r>
-              <a:rPr lang="fr-FR" sz="800" baseline="30000" dirty="0">
-                <a:solidFill>
-                  <a:srgbClr val="04202E"/>
-                </a:solidFill>
-                <a:highlight>
-                  <a:srgbClr val="00FFFF"/>
-                </a:highlight>
-              </a:rPr>
-              <a:t>(</a:t>
-            </a:r>
-            <a:r>
-              <a:rPr lang="fr-FR" sz="800" baseline="30000" dirty="0">
-                <a:solidFill>
-                  <a:srgbClr val="04202E"/>
-                </a:solidFill>
-              </a:rPr>
-              <a:t>2)</a:t>
-            </a:r>
-            <a:r>
-              <a:rPr lang="fr-FR" sz="800" dirty="0">
-                <a:solidFill>
-                  <a:srgbClr val="04202E"/>
-                </a:solidFill>
-              </a:rPr>
-              <a:t> pour un investissement direct dans </a:t>
-            </a:r>
-            <a:r>
-              <a:rPr lang="it-IT" sz="800" dirty="0">
-                <a:solidFill>
-                  <a:srgbClr val="04202E"/>
-                </a:solidFill>
-              </a:rPr>
-              <a:t>&lt;SJR1&gt;</a:t>
-            </a:r>
-            <a:r>
-              <a:rPr lang="fr-FR" sz="800" baseline="30000" dirty="0">
-                <a:solidFill>
-                  <a:srgbClr val="04202E"/>
-                </a:solidFill>
-              </a:rPr>
-              <a:t>(3)</a:t>
-            </a:r>
-            <a:r>
-              <a:rPr lang="fr-FR" sz="800" dirty="0">
-                <a:solidFill>
-                  <a:srgbClr val="04202E"/>
-                </a:solidFill>
-              </a:rPr>
               <a:t>, du fait du </a:t>
             </a:r>
             <a:r>
@@ -4170,7 +4064,7 @@
                   <a:schemeClr val="tx2"/>
                 </a:solidFill>
               </a:rPr>
-              <a:t>mécanisme de plafonnement des gains à &lt;CPN&gt; par &lt;F0&gt;.</a:t>
+              <a:t>mécanisme de plafonnement des gains à &lt;CPN&gt; &lt;environ&gt; par &lt;F0&gt;.</a:t>
             </a:r>
           </a:p>
         </p:txBody>
@@ -4590,7 +4484,16 @@
               <a:rPr lang="fr-FR" sz="1200" cap="none" dirty="0">
                 <a:latin typeface="Futura PT" panose="020B0902020204020203" pitchFamily="34" charset="0"/>
               </a:rPr>
-              <a:t>ZOOM SUR &lt;NOMSOUSJACENTP1&gt;   </a:t>
+              <a:t>ZOOM SUR </a:t>
+            </a:r>
+            <a:r>
+              <a:rPr lang="fr-FR" sz="1200" cap="none" dirty="0">
+                <a:solidFill>
+                  <a:srgbClr val="B9A049"/>
+                </a:solidFill>
+                <a:latin typeface="Futura PT" panose="020B0902020204020203" pitchFamily="34" charset="0"/>
+              </a:rPr>
+              <a:t>&lt;NOMSOUSJACENTP1&gt;   </a:t>
             </a:r>
           </a:p>
         </p:txBody>
@@ -5570,47 +5473,6 @@
       </p:graphicFrame>
       <p:sp>
         <p:nvSpPr>
-          <p:cNvPr id="13" name="ZoneTexte 12">
-            <a:extLst>
-              <a:ext uri="{FF2B5EF4-FFF2-40B4-BE49-F238E27FC236}">
-                <a16:creationId xmlns:a16="http://schemas.microsoft.com/office/drawing/2014/main" id="{A4F2091A-6D5E-49D4-A23C-B34C523C9402}"/>
-              </a:ext>
-            </a:extLst>
-          </p:cNvPr>
-          <p:cNvSpPr txBox="1"/>
-          <p:nvPr/>
-        </p:nvSpPr>
-        <p:spPr>
-          <a:xfrm>
-            <a:off x="360889" y="9531937"/>
-            <a:ext cx="5332412" cy="200055"/>
-          </a:xfrm>
-          <a:prstGeom prst="rect">
-            <a:avLst/>
-          </a:prstGeom>
-          <a:noFill/>
-        </p:spPr>
-        <p:txBody>
-          <a:bodyPr wrap="square">
-            <a:spAutoFit/>
-          </a:bodyPr>
-          <a:lstStyle/>
-          <a:p>
-            <a:pPr lvl="1" algn="just"/>
-            <a:r>
-              <a:rPr lang="fr-FR" sz="700" i="1" dirty="0">
-                <a:solidFill>
-                  <a:schemeClr val="tx2"/>
-                </a:solidFill>
-                <a:latin typeface="Proxima Nova Rg" panose="02000506030000020004" pitchFamily="2" charset="0"/>
-              </a:rPr>
-              <a:t>*Les performances des actions sont calculées dividendes non réinvestis et sans frais.</a:t>
-            </a:r>
-          </a:p>
-        </p:txBody>
-      </p:sp>
-      <p:sp>
-        <p:nvSpPr>
           <p:cNvPr id="14" name="Espace réservé du texte 10">
             <a:extLst>
               <a:ext uri="{FF2B5EF4-FFF2-40B4-BE49-F238E27FC236}">
@@ -5830,7 +5692,7 @@
                 </a:solidFill>
                 <a:latin typeface="+mn-lt"/>
               </a:rPr>
-              <a:t>BNP Paribas </a:t>
+              <a:t>Natixis </a:t>
             </a:r>
             <a:r>
               <a:rPr lang="fr-FR" sz="650" dirty="0">
@@ -5858,7 +5720,7 @@
         </p:nvSpPr>
         <p:spPr>
           <a:xfrm>
-            <a:off x="458462" y="4032041"/>
+            <a:off x="458462" y="4046793"/>
             <a:ext cx="7101213" cy="276999"/>
           </a:xfrm>
           <a:prstGeom prst="rect">
@@ -5876,14 +5738,32 @@
               <a:rPr lang="fr-FR" sz="1200" cap="none" dirty="0">
                 <a:latin typeface="Futura PT" panose="020B0902020204020203" pitchFamily="34" charset="0"/>
               </a:rPr>
-              <a:t>ÉVOLUTION &lt;SJR6P1&gt; &lt;NOMSOUSJACENTP1&gt; ENTRE LE </a:t>
+              <a:t>ÉVOLUTION &lt;SJR6P1&gt; </a:t>
+            </a:r>
+            <a:r>
+              <a:rPr lang="fr-FR" sz="1200" cap="none" dirty="0">
+                <a:solidFill>
+                  <a:srgbClr val="B9A049"/>
+                </a:solidFill>
+                <a:latin typeface="Futura PT" panose="020B0902020204020203" pitchFamily="34" charset="0"/>
+              </a:rPr>
+              <a:t>&lt;NOMSOUSJACENTP1&gt;</a:t>
+            </a:r>
+            <a:r>
+              <a:rPr lang="fr-FR" sz="1200" cap="none" dirty="0">
+                <a:latin typeface="Futura PT" panose="020B0902020204020203" pitchFamily="34" charset="0"/>
+              </a:rPr>
+              <a:t> ENTRE LE </a:t>
             </a:r>
             <a:r>
               <a:rPr lang="en-US" sz="1200" b="0" dirty="0">
+                <a:solidFill>
+                  <a:srgbClr val="B9A049"/>
+                </a:solidFill>
                 <a:effectLst/>
                 <a:latin typeface="+mj-lt"/>
               </a:rPr>
-              <a:t>&lt;DDR1-12_MAJ&gt;</a:t>
+              <a:t>&lt;DDR1-12&gt;</a:t>
             </a:r>
             <a:r>
               <a:rPr lang="en-US" sz="1200" dirty="0">
@@ -5895,7 +5775,16 @@
               <a:rPr lang="fr-FR" sz="1200" cap="none" dirty="0">
                 <a:latin typeface="Futura PT" panose="020B0902020204020203" pitchFamily="34" charset="0"/>
               </a:rPr>
-              <a:t>ET LE &lt;DDR1_MAJ&gt;</a:t>
+              <a:t>ET LE </a:t>
+            </a:r>
+            <a:r>
+              <a:rPr lang="fr-FR" sz="1200" cap="none" dirty="0">
+                <a:solidFill>
+                  <a:srgbClr val="B9A049"/>
+                </a:solidFill>
+                <a:latin typeface="Futura PT" panose="020B0902020204020203" pitchFamily="34" charset="0"/>
+              </a:rPr>
+              <a:t>&lt;DDR1&gt;</a:t>
             </a:r>
           </a:p>
         </p:txBody>
@@ -6157,8 +6046,8 @@
         </p:nvSpPr>
         <p:spPr>
           <a:xfrm>
-            <a:off x="5417820" y="9174546"/>
-            <a:ext cx="1913222" cy="215444"/>
+            <a:off x="4813300" y="9174546"/>
+            <a:ext cx="2517742" cy="215444"/>
           </a:xfrm>
           <a:prstGeom prst="rect">
             <a:avLst/>
@@ -6171,38 +6060,24 @@
           </a:bodyPr>
           <a:lstStyle/>
           <a:p>
-            <a:r>
-              <a:rPr lang="fr-FR" sz="800" u="sng">
-                <a:highlight>
-                  <a:srgbClr val="FF00FF"/>
-                </a:highlight>
-              </a:rPr>
+            <a:pPr algn="r"/>
+            <a:r>
+              <a:rPr lang="fr-FR" sz="800" u="sng" dirty="0"/>
               <a:t>Source :</a:t>
             </a:r>
             <a:r>
-              <a:rPr lang="fr-FR" sz="800">
-                <a:highlight>
-                  <a:srgbClr val="FF00FF"/>
-                </a:highlight>
-              </a:rPr>
+              <a:rPr lang="fr-FR" sz="800" dirty="0"/>
               <a:t> Bloomberg, le </a:t>
             </a:r>
             <a:r>
-              <a:rPr lang="fr-FR" sz="800">
+              <a:rPr lang="fr-FR" sz="800" dirty="0">
                 <a:solidFill>
                   <a:schemeClr val="tx2"/>
                 </a:solidFill>
-                <a:highlight>
-                  <a:srgbClr val="FF00FF"/>
-                </a:highlight>
               </a:rPr>
               <a:t>&lt;DDR1_MAJ&gt;</a:t>
             </a:r>
-            <a:endParaRPr lang="fr-FR" sz="800">
-              <a:highlight>
-                <a:srgbClr val="FF00FF"/>
-              </a:highlight>
-            </a:endParaRPr>
+            <a:endParaRPr lang="fr-FR" sz="800" dirty="0"/>
           </a:p>
         </p:txBody>
       </p:sp>
@@ -6220,8 +6095,8 @@
         </p:nvSpPr>
         <p:spPr>
           <a:xfrm>
-            <a:off x="5417820" y="7967599"/>
-            <a:ext cx="1913222" cy="215444"/>
+            <a:off x="4643796" y="7967599"/>
+            <a:ext cx="2687246" cy="215444"/>
           </a:xfrm>
           <a:prstGeom prst="rect">
             <a:avLst/>
@@ -6234,38 +6109,24 @@
           </a:bodyPr>
           <a:lstStyle/>
           <a:p>
-            <a:r>
-              <a:rPr lang="fr-FR" sz="800" u="sng">
-                <a:highlight>
-                  <a:srgbClr val="FF00FF"/>
-                </a:highlight>
-              </a:rPr>
+            <a:pPr algn="r"/>
+            <a:r>
+              <a:rPr lang="fr-FR" sz="800" u="sng" dirty="0"/>
               <a:t>Source :</a:t>
             </a:r>
             <a:r>
-              <a:rPr lang="fr-FR" sz="800">
-                <a:highlight>
-                  <a:srgbClr val="FF00FF"/>
-                </a:highlight>
-              </a:rPr>
+              <a:rPr lang="fr-FR" sz="800" dirty="0"/>
               <a:t> Bloomberg, le </a:t>
             </a:r>
             <a:r>
-              <a:rPr lang="fr-FR" sz="800">
+              <a:rPr lang="fr-FR" sz="800" dirty="0">
                 <a:solidFill>
                   <a:schemeClr val="tx2"/>
                 </a:solidFill>
-                <a:highlight>
-                  <a:srgbClr val="FF00FF"/>
-                </a:highlight>
               </a:rPr>
               <a:t>&lt;DDR1_MAJ&gt;</a:t>
             </a:r>
-            <a:endParaRPr lang="fr-FR" sz="800">
-              <a:highlight>
-                <a:srgbClr val="FF00FF"/>
-              </a:highlight>
-            </a:endParaRPr>
+            <a:endParaRPr lang="fr-FR" sz="800" dirty="0"/>
           </a:p>
         </p:txBody>
       </p:sp>
@@ -6314,7 +6175,7 @@
           <p:nvPr>
             <p:extLst>
               <p:ext uri="{D42A27DB-BD31-4B8C-83A1-F6EECF244321}">
-                <p14:modId xmlns:p14="http://schemas.microsoft.com/office/powerpoint/2010/main" val="4207642883"/>
+                <p14:modId xmlns:p14="http://schemas.microsoft.com/office/powerpoint/2010/main" val="2500621677"/>
               </p:ext>
             </p:extLst>
           </p:nvPr>
@@ -6999,7 +6860,18 @@
                           <a:ea typeface="+mn-ea"/>
                           <a:cs typeface="+mn-cs"/>
                         </a:rPr>
-                        <a:t>Société Générale(1)</a:t>
+                        <a:t>Société Générale</a:t>
+                      </a:r>
+                      <a:r>
+                        <a:rPr lang="fr-FR" sz="700" b="0" i="0" kern="1200" baseline="30000" dirty="0">
+                          <a:solidFill>
+                            <a:schemeClr val="tx1"/>
+                          </a:solidFill>
+                          <a:latin typeface="+mn-lt"/>
+                          <a:ea typeface="+mn-ea"/>
+                          <a:cs typeface="+mn-cs"/>
+                        </a:rPr>
+                        <a:t>(1)</a:t>
                       </a:r>
                     </a:p>
                   </a:txBody>
@@ -8702,7 +8574,7 @@
                         <a:defRPr/>
                       </a:pPr>
                       <a:r>
-                        <a:rPr lang="fr-FR" sz="700" b="1" kern="1200">
+                        <a:rPr lang="fr-FR" sz="700" b="1" kern="1200" dirty="0">
                           <a:solidFill>
                             <a:srgbClr val="B9A049"/>
                           </a:solidFill>
@@ -9064,7 +8936,7 @@
                     <a:bodyPr/>
                     <a:lstStyle/>
                     <a:p>
-                      <a:pPr marL="0" marR="0" lvl="0" indent="0" algn="l" defTabSz="755934" rtl="0" eaLnBrk="1" fontAlgn="auto" latinLnBrk="0" hangingPunct="1">
+                      <a:pPr marL="0" marR="0" lvl="0" indent="0" algn="just" defTabSz="755934" rtl="0" eaLnBrk="1" fontAlgn="auto" latinLnBrk="0" hangingPunct="1">
                         <a:lnSpc>
                           <a:spcPct val="90000"/>
                         </a:lnSpc>
@@ -9086,9 +8958,6 @@
                           <a:solidFill>
                             <a:srgbClr val="B9A049"/>
                           </a:solidFill>
-                          <a:highlight>
-                            <a:srgbClr val="FFFF00"/>
-                          </a:highlight>
                           <a:latin typeface="+mn-lt"/>
                           <a:ea typeface="+mn-ea"/>
                           <a:cs typeface="+mn-cs"/>
@@ -9156,7 +9025,7 @@
                     <a:bodyPr/>
                     <a:lstStyle/>
                     <a:p>
-                      <a:pPr marL="0" marR="0" lvl="0" indent="0" defTabSz="755934" rtl="0" eaLnBrk="1" fontAlgn="base" latinLnBrk="0" hangingPunct="1">
+                      <a:pPr marL="0" marR="0" lvl="0" indent="0" algn="just" defTabSz="755934" rtl="0" eaLnBrk="1" fontAlgn="base" latinLnBrk="0" hangingPunct="1">
                         <a:lnSpc>
                           <a:spcPct val="100000"/>
                         </a:lnSpc>
@@ -9252,7 +9121,7 @@
                     <a:bodyPr/>
                     <a:lstStyle/>
                     <a:p>
-                      <a:pPr marL="0" marR="0" lvl="0" indent="0" algn="l" defTabSz="755934" rtl="0" eaLnBrk="1" fontAlgn="auto" latinLnBrk="0" hangingPunct="1">
+                      <a:pPr marL="0" marR="0" lvl="0" indent="0" algn="just" defTabSz="755934" rtl="0" eaLnBrk="1" fontAlgn="auto" latinLnBrk="0" hangingPunct="1">
                         <a:lnSpc>
                           <a:spcPct val="90000"/>
                         </a:lnSpc>
@@ -9270,7 +9139,7 @@
                         <a:defRPr/>
                       </a:pPr>
                       <a:r>
-                        <a:rPr lang="fr-FR" sz="700" b="1" kern="1200">
+                        <a:rPr lang="fr-FR" sz="700" b="1" kern="1200" dirty="0">
                           <a:solidFill>
                             <a:srgbClr val="B9A049"/>
                           </a:solidFill>
@@ -9437,7 +9306,7 @@
                     <a:bodyPr/>
                     <a:lstStyle/>
                     <a:p>
-                      <a:pPr marL="0" marR="0" lvl="0" indent="0" algn="l" defTabSz="755934" rtl="0" eaLnBrk="1" fontAlgn="auto" latinLnBrk="0" hangingPunct="1">
+                      <a:pPr marL="0" marR="0" lvl="0" indent="0" algn="just" defTabSz="755934" rtl="0" eaLnBrk="1" fontAlgn="auto" latinLnBrk="0" hangingPunct="1">
                         <a:lnSpc>
                           <a:spcPct val="90000"/>
                         </a:lnSpc>
@@ -9621,7 +9490,7 @@
                     <a:bodyPr/>
                     <a:lstStyle/>
                     <a:p>
-                      <a:pPr marL="0" marR="0" lvl="0" indent="0" algn="l" defTabSz="755934" rtl="0" eaLnBrk="1" fontAlgn="auto" latinLnBrk="0" hangingPunct="1">
+                      <a:pPr marL="0" marR="0" lvl="0" indent="0" algn="just" defTabSz="755934" rtl="0" eaLnBrk="1" fontAlgn="auto" latinLnBrk="0" hangingPunct="1">
                         <a:lnSpc>
                           <a:spcPct val="90000"/>
                         </a:lnSpc>
@@ -9732,14 +9601,33 @@
                           <a:solidFill>
                             <a:schemeClr val="tx1"/>
                           </a:solidFill>
-                          <a:highlight>
-                            <a:srgbClr val="00FFFF"/>
-                          </a:highlight>
                           <a:latin typeface="+mn-lt"/>
                           <a:ea typeface="+mn-ea"/>
                           <a:cs typeface="+mn-cs"/>
                         </a:rPr>
-                        <a:t>&lt;Datesconstatations1&gt;</a:t>
+                        <a:t>&lt;</a:t>
+                      </a:r>
+                      <a:r>
+                        <a:rPr lang="fr-FR" sz="700" b="0" i="0" kern="1200" dirty="0" err="1">
+                          <a:solidFill>
+                            <a:schemeClr val="tx1"/>
+                          </a:solidFill>
+                          <a:latin typeface="+mn-lt"/>
+                          <a:ea typeface="+mn-ea"/>
+                          <a:cs typeface="+mn-cs"/>
+                        </a:rPr>
+                        <a:t>dates_constat_autocall</a:t>
+                      </a:r>
+                      <a:r>
+                        <a:rPr lang="fr-FR" sz="700" b="0" i="0" kern="1200" dirty="0">
+                          <a:solidFill>
+                            <a:schemeClr val="tx1"/>
+                          </a:solidFill>
+                          <a:latin typeface="+mn-lt"/>
+                          <a:ea typeface="+mn-ea"/>
+                          <a:cs typeface="+mn-cs"/>
+                        </a:rPr>
+                        <a:t>&gt;</a:t>
                       </a:r>
                     </a:p>
                   </a:txBody>
@@ -9809,7 +9697,7 @@
                     <a:bodyPr/>
                     <a:lstStyle/>
                     <a:p>
-                      <a:pPr marL="0" marR="0" lvl="0" indent="0" algn="l" defTabSz="755934" rtl="0" eaLnBrk="1" fontAlgn="auto" latinLnBrk="0" hangingPunct="1">
+                      <a:pPr marL="0" marR="0" lvl="0" indent="0" algn="just" defTabSz="755934" rtl="0" eaLnBrk="1" fontAlgn="auto" latinLnBrk="0" hangingPunct="1">
                         <a:lnSpc>
                           <a:spcPct val="90000"/>
                         </a:lnSpc>
@@ -9920,14 +9808,33 @@
                           <a:solidFill>
                             <a:schemeClr val="tx1"/>
                           </a:solidFill>
-                          <a:highlight>
-                            <a:srgbClr val="00FFFF"/>
-                          </a:highlight>
                           <a:latin typeface="+mn-lt"/>
                           <a:ea typeface="+mn-ea"/>
                           <a:cs typeface="+mn-cs"/>
                         </a:rPr>
-                        <a:t>&lt;Datesremb1&gt;</a:t>
+                        <a:t>&lt;</a:t>
+                      </a:r>
+                      <a:r>
+                        <a:rPr lang="fr-FR" sz="700" b="0" i="0" kern="1200" baseline="0" dirty="0" err="1">
+                          <a:solidFill>
+                            <a:schemeClr val="tx1"/>
+                          </a:solidFill>
+                          <a:latin typeface="+mn-lt"/>
+                          <a:ea typeface="+mn-ea"/>
+                          <a:cs typeface="+mn-cs"/>
+                        </a:rPr>
+                        <a:t>dates_paiement_autocall</a:t>
+                      </a:r>
+                      <a:r>
+                        <a:rPr lang="fr-FR" sz="700" b="0" i="0" kern="1200" baseline="0" dirty="0">
+                          <a:solidFill>
+                            <a:schemeClr val="tx1"/>
+                          </a:solidFill>
+                          <a:latin typeface="+mn-lt"/>
+                          <a:ea typeface="+mn-ea"/>
+                          <a:cs typeface="+mn-cs"/>
+                        </a:rPr>
+                        <a:t>&gt;</a:t>
                       </a:r>
                     </a:p>
                   </a:txBody>
@@ -9997,7 +9904,7 @@
                     <a:bodyPr/>
                     <a:lstStyle/>
                     <a:p>
-                      <a:pPr marL="0" marR="0" lvl="0" indent="0" algn="l" defTabSz="755934" rtl="0" eaLnBrk="1" fontAlgn="auto" latinLnBrk="0" hangingPunct="1">
+                      <a:pPr marL="0" marR="0" lvl="0" indent="0" algn="just" defTabSz="755934" rtl="0" eaLnBrk="1" fontAlgn="auto" latinLnBrk="0" hangingPunct="1">
                         <a:lnSpc>
                           <a:spcPct val="90000"/>
                         </a:lnSpc>
@@ -10112,7 +10019,7 @@
                           <a:ea typeface="+mn-ea"/>
                           <a:cs typeface="+mn-cs"/>
                         </a:rPr>
-                        <a:t>&lt;BAC&gt; du &lt;NDR&gt; &lt;SJR7&gt;</a:t>
+                        <a:t>&lt;BRA&gt;</a:t>
                       </a:r>
                     </a:p>
                   </a:txBody>
@@ -10182,7 +10089,7 @@
                     <a:bodyPr/>
                     <a:lstStyle/>
                     <a:p>
-                      <a:pPr marL="0" marR="0" lvl="0" indent="0" algn="l" defTabSz="755934" rtl="0" eaLnBrk="1" fontAlgn="auto" latinLnBrk="0" hangingPunct="1">
+                      <a:pPr marL="0" marR="0" lvl="0" indent="0" algn="just" defTabSz="755934" rtl="0" eaLnBrk="1" fontAlgn="auto" latinLnBrk="0" hangingPunct="1">
                         <a:lnSpc>
                           <a:spcPct val="90000"/>
                         </a:lnSpc>
@@ -10208,7 +10115,7 @@
                           <a:ea typeface="+mn-ea"/>
                           <a:cs typeface="+mn-cs"/>
                         </a:rPr>
-                        <a:t>Seuil de versement à l’échéance</a:t>
+                        <a:t>Seuil de versement des gains à l’échéance</a:t>
                       </a:r>
                     </a:p>
                   </a:txBody>
@@ -10297,7 +10204,7 @@
                           <a:ea typeface="+mn-ea"/>
                           <a:cs typeface="+mn-cs"/>
                         </a:rPr>
-                        <a:t>&lt;SV&gt; du &lt;NDR&gt; &lt;SJR7&gt;</a:t>
+                        <a:t>&lt;BVC&gt;</a:t>
                       </a:r>
                     </a:p>
                   </a:txBody>
@@ -10393,7 +10300,7 @@
                           <a:ea typeface="+mn-ea"/>
                           <a:cs typeface="+mn-cs"/>
                         </a:rPr>
-                        <a:t>Barrière de perte en capital</a:t>
+                        <a:t>Barrière de perte en capital à l’échéance</a:t>
                       </a:r>
                     </a:p>
                   </a:txBody>
@@ -10845,9 +10752,9 @@
                       <a:r>
                         <a:rPr lang="fr-FR" sz="700" cap="none" dirty="0">
                           <a:solidFill>
-                            <a:schemeClr val="tx2"/>
+                            <a:schemeClr val="tx1"/>
                           </a:solidFill>
-                          <a:latin typeface="Proxima Nova Rg" panose="02000506030000020004" pitchFamily="2" charset="0"/>
+                          <a:latin typeface="+mn-lt"/>
                         </a:rPr>
                         <a:t>Comptes-titres, contrats d’assurance vie et de capitalisation</a:t>
                       </a:r>
@@ -11033,7 +10940,7 @@
                         <a:tabLst/>
                       </a:pPr>
                       <a:r>
-                        <a:rPr lang="fr-FR" sz="700" b="0" i="0" kern="1200">
+                        <a:rPr lang="fr-FR" sz="700" b="0" i="0" kern="1200" dirty="0">
                           <a:solidFill>
                             <a:schemeClr val="tx1"/>
                           </a:solidFill>
@@ -11584,15 +11491,21 @@
                         <a:defRPr/>
                       </a:pPr>
                       <a:r>
-                        <a:rPr lang="fr-FR" sz="700" b="0" i="0" kern="1200" noProof="0" dirty="0">
+                        <a:rPr kumimoji="0" lang="fr-FR" sz="700" b="0" i="0" u="none" strike="noStrike" kern="1200" cap="none" spc="0" normalizeH="0" baseline="0" noProof="0" dirty="0">
+                          <a:ln>
+                            <a:noFill/>
+                          </a:ln>
                           <a:solidFill>
-                            <a:srgbClr val="000000"/>
+                            <a:schemeClr val="tx1"/>
                           </a:solidFill>
-                          <a:latin typeface="Proxima Nova Rg" panose="02000506030000020004" pitchFamily="2" charset="0"/>
+                          <a:effectLst/>
+                          <a:uLnTx/>
+                          <a:uFillTx/>
+                          <a:latin typeface="+mn-lt"/>
                           <a:ea typeface="+mn-ea"/>
                           <a:cs typeface="+mn-cs"/>
                         </a:rPr>
-                        <a:t>Société Générale paiera au distributeur concerné une rémunération annuelle (calculée sur la base de la durée des titres) dont le montant maximum est égal à 1,50% du montant total des titres effectivement placés. Veuillez contacter le distributeur pour plus de précisions. Ces commissions sont incluses dans le prix d’achat.</a:t>
+                        <a:t>Société Générale paiera au distributeur concerné une rémunération annuelle (calculée sur la base de la durée des titres) dont le montant maximum est égal à 1,00% du montant total des titres effectivement placés. Veuillez contacter le distributeur pour plus de précisions. Ces commissions sont incluses dans le prix d’achat.</a:t>
                       </a:r>
                     </a:p>
                   </a:txBody>
@@ -11771,9 +11684,9 @@
                       <a:r>
                         <a:rPr lang="fr-FR" sz="700" b="0" i="0" kern="1200" dirty="0">
                           <a:solidFill>
-                            <a:srgbClr val="000000"/>
+                            <a:schemeClr val="tx1"/>
                           </a:solidFill>
-                          <a:latin typeface="Proxima Nova Rg" panose="02000506030000020004" pitchFamily="2" charset="0"/>
+                          <a:latin typeface="+mn-lt"/>
                           <a:ea typeface="+mn-ea"/>
                           <a:cs typeface="+mn-cs"/>
                         </a:rPr>
@@ -11782,9 +11695,9 @@
                       <a:r>
                         <a:rPr lang="fr-FR" sz="700" b="0" i="0" kern="1200" dirty="0" err="1">
                           <a:solidFill>
-                            <a:srgbClr val="000000"/>
+                            <a:schemeClr val="tx1"/>
                           </a:solidFill>
-                          <a:latin typeface="Proxima Nova Rg" panose="02000506030000020004" pitchFamily="2" charset="0"/>
+                          <a:latin typeface="+mn-lt"/>
                           <a:ea typeface="+mn-ea"/>
                           <a:cs typeface="+mn-cs"/>
                         </a:rPr>
@@ -11793,9 +11706,9 @@
                       <a:r>
                         <a:rPr lang="fr-FR" sz="700" b="0" i="0" kern="1200" dirty="0">
                           <a:solidFill>
-                            <a:srgbClr val="000000"/>
+                            <a:schemeClr val="tx1"/>
                           </a:solidFill>
-                          <a:latin typeface="Proxima Nova Rg" panose="02000506030000020004" pitchFamily="2" charset="0"/>
+                          <a:latin typeface="+mn-lt"/>
                           <a:ea typeface="+mn-ea"/>
                           <a:cs typeface="+mn-cs"/>
                         </a:rPr>
@@ -11978,79 +11891,13 @@
                       <a:r>
                         <a:rPr lang="fr-FR" sz="700" b="0" i="0" kern="1200" dirty="0">
                           <a:solidFill>
-                            <a:srgbClr val="000000"/>
+                            <a:schemeClr val="tx1"/>
                           </a:solidFill>
-                          <a:latin typeface="Proxima Nova Rg" panose="02000506030000020004" pitchFamily="2" charset="0"/>
+                          <a:latin typeface="+mn-lt"/>
                           <a:ea typeface="+mn-ea"/>
                           <a:cs typeface="+mn-cs"/>
                         </a:rPr>
-                        <a:t>Une double valorisation est établie par </a:t>
-                      </a:r>
-                      <a:r>
-                        <a:rPr lang="fr-FR" sz="700" b="0" i="0" kern="1200" dirty="0" err="1">
-                          <a:solidFill>
-                            <a:srgbClr val="000000"/>
-                          </a:solidFill>
-                          <a:latin typeface="Proxima Nova Rg" panose="02000506030000020004" pitchFamily="2" charset="0"/>
-                          <a:ea typeface="+mn-ea"/>
-                          <a:cs typeface="+mn-cs"/>
-                        </a:rPr>
-                        <a:t>Finalyse</a:t>
-                      </a:r>
-                      <a:r>
-                        <a:rPr lang="fr-FR" sz="700" b="0" i="0" kern="1200" dirty="0">
-                          <a:solidFill>
-                            <a:srgbClr val="000000"/>
-                          </a:solidFill>
-                          <a:latin typeface="Proxima Nova Rg" panose="02000506030000020004" pitchFamily="2" charset="0"/>
-                          <a:ea typeface="+mn-ea"/>
-                          <a:cs typeface="+mn-cs"/>
-                        </a:rPr>
-                        <a:t> (tous les 15 jours). Cette société est un organisme indépendant distinct et non lié financièrement à l’entité </a:t>
-                      </a:r>
-                      <a:r>
-                        <a:rPr lang="fr-FR" sz="700" b="0" i="0" kern="1200" dirty="0" err="1">
-                          <a:solidFill>
-                            <a:srgbClr val="000000"/>
-                          </a:solidFill>
-                          <a:latin typeface="Proxima Nova Rg" panose="02000506030000020004" pitchFamily="2" charset="0"/>
-                          <a:ea typeface="+mn-ea"/>
-                          <a:cs typeface="+mn-cs"/>
-                        </a:rPr>
-                        <a:t>Credit</a:t>
-                      </a:r>
-                      <a:r>
-                        <a:rPr lang="fr-FR" sz="700" b="0" i="0" kern="1200" dirty="0">
-                          <a:solidFill>
-                            <a:srgbClr val="000000"/>
-                          </a:solidFill>
-                          <a:latin typeface="Proxima Nova Rg" panose="02000506030000020004" pitchFamily="2" charset="0"/>
-                          <a:ea typeface="+mn-ea"/>
-                          <a:cs typeface="+mn-cs"/>
-                        </a:rPr>
-                        <a:t> Suisse International ou à une autre entité du groupe </a:t>
-                      </a:r>
-                      <a:r>
-                        <a:rPr lang="fr-FR" sz="700" b="0" i="0" kern="1200" dirty="0" err="1">
-                          <a:solidFill>
-                            <a:srgbClr val="000000"/>
-                          </a:solidFill>
-                          <a:latin typeface="Proxima Nova Rg" panose="02000506030000020004" pitchFamily="2" charset="0"/>
-                          <a:ea typeface="+mn-ea"/>
-                          <a:cs typeface="+mn-cs"/>
-                        </a:rPr>
-                        <a:t>Credit</a:t>
-                      </a:r>
-                      <a:r>
-                        <a:rPr lang="fr-FR" sz="700" b="0" i="0" kern="1200" dirty="0">
-                          <a:solidFill>
-                            <a:srgbClr val="000000"/>
-                          </a:solidFill>
-                          <a:latin typeface="Proxima Nova Rg" panose="02000506030000020004" pitchFamily="2" charset="0"/>
-                          <a:ea typeface="+mn-ea"/>
-                          <a:cs typeface="+mn-cs"/>
-                        </a:rPr>
-                        <a:t> Suisse.</a:t>
+                        <a:t>Sixtelekurs, REUTERS. Cours publié au moins une fois tous les 15 jours et tenu à la disposition du public en permanence.</a:t>
                       </a:r>
                     </a:p>
                   </a:txBody>
@@ -12229,9 +12076,9 @@
                       <a:r>
                         <a:rPr lang="fr-FR" sz="700" b="0" i="0" kern="1200" noProof="0" dirty="0">
                           <a:solidFill>
-                            <a:srgbClr val="000000"/>
+                            <a:schemeClr val="tx1"/>
                           </a:solidFill>
-                          <a:latin typeface="Proxima Nova Rg" panose="02000506030000020004" pitchFamily="2" charset="0"/>
+                          <a:latin typeface="+mn-lt"/>
                           <a:ea typeface="+mn-ea"/>
                           <a:cs typeface="+mn-cs"/>
                         </a:rPr>
@@ -12402,9 +12249,9 @@
                       <a:r>
                         <a:rPr lang="fr-FR" sz="700" b="0" i="0" kern="1200" noProof="0" dirty="0">
                           <a:solidFill>
-                            <a:srgbClr val="000000"/>
+                            <a:schemeClr val="tx1"/>
                           </a:solidFill>
-                          <a:latin typeface="Proxima Nova Rg" panose="02000506030000020004" pitchFamily="2" charset="0"/>
+                          <a:latin typeface="+mn-lt"/>
                           <a:ea typeface="+mn-ea"/>
                           <a:cs typeface="+mn-cs"/>
                         </a:rPr>
@@ -12702,7 +12549,7 @@
         <p:spPr bwMode="auto">
           <a:xfrm>
             <a:off x="361950" y="9765983"/>
-            <a:ext cx="6483350" cy="415498"/>
+            <a:ext cx="6483350" cy="538609"/>
           </a:xfrm>
           <a:prstGeom prst="rect">
             <a:avLst/>
@@ -12721,9 +12568,7 @@
           </a:bodyPr>
           <a:lstStyle/>
           <a:p>
-            <a:pPr marL="228600" lvl="0" indent="-228600" algn="just" defTabSz="914400">
-              <a:buAutoNum type="arabicParenBoth"/>
-            </a:pPr>
+            <a:pPr lvl="0" algn="just" defTabSz="914400"/>
             <a:r>
               <a:rPr lang="fr-FR" sz="700" dirty="0">
                 <a:solidFill>
@@ -12731,45 +12576,34 @@
                 </a:solidFill>
                 <a:latin typeface="Proxima Nova Rg" panose="02000506030000020004" pitchFamily="2" charset="0"/>
               </a:rPr>
-              <a:t>Crédit Suisse AG : Moody’s A1 / Standard &amp; </a:t>
-            </a:r>
-            <a:r>
-              <a:rPr lang="fr-FR" sz="700" dirty="0" err="1">
-                <a:solidFill>
-                  <a:srgbClr val="000000"/>
-                </a:solidFill>
-                <a:latin typeface="Proxima Nova Rg" panose="02000506030000020004" pitchFamily="2" charset="0"/>
-              </a:rPr>
-              <a:t>Poor’s</a:t>
-            </a:r>
-            <a:r>
-              <a:rPr lang="fr-FR" sz="700" dirty="0">
-                <a:solidFill>
-                  <a:srgbClr val="000000"/>
-                </a:solidFill>
-                <a:latin typeface="Proxima Nova Rg" panose="02000506030000020004" pitchFamily="2" charset="0"/>
-              </a:rPr>
-              <a:t> A / Fitch A. Notations en vigueur au moment de la rédaction de la présente brochure le</a:t>
-            </a:r>
-            <a:r>
-              <a:rPr lang="fr-FR" sz="650" dirty="0"/>
-              <a:t> &lt;DDR_MAJ&gt;, qui ne sauraient ni être une garantie de solvabilité de l’Émetteur et du Garant de la formule, ni constituer un argument de souscription au produit. Les agences de notation peuvent les modifier à tout moment. </a:t>
+              <a:t>(1) Société Générale : Moody’s : A1 / Standard &amp; Poor’s : A. Notations en vigueur au moment de la rédaction de la présente brochure le &lt;DDR_MAJ&gt;. Ces notations peuvent être révisées à tout moment et ne sont pas une garantie de solvabilité de l’Émetteur ni du Garant de la formule. Elles ne sauraient constituer un argument de souscription aux titres de créance.</a:t>
             </a:r>
           </a:p>
           <a:p>
-            <a:pPr marL="228600" lvl="0" indent="-228600" algn="just" defTabSz="914400">
-              <a:buAutoNum type="arabicParenBoth"/>
+            <a:pPr lvl="0" algn="just" defTabSz="914400"/>
+            <a:r>
+              <a:rPr lang="fr-FR" sz="700" dirty="0">
+                <a:solidFill>
+                  <a:srgbClr val="000000"/>
+                </a:solidFill>
+                <a:latin typeface="Proxima Nova Rg" panose="02000506030000020004" pitchFamily="2" charset="0"/>
+              </a:rPr>
+              <a:t>(2) Les conflits d’intérêts seront gérés suivant la réglementation en vigueur.</a:t>
+            </a:r>
+          </a:p>
+          <a:p>
+            <a:pPr algn="just" defTabSz="914400" fontAlgn="base">
+              <a:spcBef>
+                <a:spcPct val="0"/>
+              </a:spcBef>
+              <a:spcAft>
+                <a:spcPct val="0"/>
+              </a:spcAft>
             </a:pPr>
-            <a:r>
-              <a:rPr lang="fr-FR" sz="700" dirty="0">
-                <a:solidFill>
-                  <a:srgbClr val="000000"/>
-                </a:solidFill>
-                <a:latin typeface="Proxima Nova Rg" panose="02000506030000020004" pitchFamily="2" charset="0"/>
-              </a:rPr>
-              <a:t>Les conflits d’intérêts seront gérés suivant la réglementation en vigueur.</a:t>
-            </a:r>
-            <a:endParaRPr lang="fr-FR" sz="650" i="1" dirty="0">
+            <a:endParaRPr lang="fr-FR" sz="700" dirty="0">
+              <a:solidFill>
+                <a:srgbClr val="000000"/>
+              </a:solidFill>
               <a:latin typeface="Proxima Nova Rg" panose="02000506030000020004" pitchFamily="2" charset="0"/>
             </a:endParaRPr>
           </a:p>
@@ -13105,7 +12939,7 @@
         <p:spPr bwMode="auto">
           <a:xfrm>
             <a:off x="361950" y="9765983"/>
-            <a:ext cx="6483350" cy="300082"/>
+            <a:ext cx="6483350" cy="492443"/>
           </a:xfrm>
           <a:prstGeom prst="rect">
             <a:avLst/>
@@ -13126,84 +12960,26 @@
           <a:p>
             <a:pPr lvl="0" algn="just" defTabSz="914400"/>
             <a:r>
-              <a:rPr lang="fr-FR" sz="800" baseline="30000"/>
-              <a:t>(1)</a:t>
-            </a:r>
-            <a:r>
-              <a:rPr lang="fr-FR" sz="650" dirty="0"/>
-              <a:t> </a:t>
-            </a:r>
-            <a:r>
-              <a:rPr lang="fr-FR" sz="650"/>
-              <a:t>Crédit Suisse AG </a:t>
-            </a:r>
-            <a:r>
-              <a:rPr lang="fr-FR" sz="650" dirty="0"/>
-              <a:t>: </a:t>
-            </a:r>
-            <a:r>
-              <a:rPr lang="fr-FR" sz="650"/>
-              <a:t>Moody’s A1 / </a:t>
-            </a:r>
-            <a:r>
-              <a:rPr lang="fr-FR" sz="650" dirty="0"/>
-              <a:t>Standard &amp; </a:t>
-            </a:r>
-            <a:r>
-              <a:rPr lang="fr-FR" sz="650" err="1"/>
-              <a:t>Poor’s</a:t>
-            </a:r>
-            <a:r>
-              <a:rPr lang="fr-FR" sz="650" dirty="0"/>
-              <a:t> A+ / Fitch </a:t>
-            </a:r>
-            <a:r>
-              <a:rPr lang="fr-FR" sz="650"/>
-              <a:t>A</a:t>
-            </a:r>
-            <a:r>
-              <a:rPr lang="fr-FR" sz="650" dirty="0"/>
-              <a:t>. Notations en vigueur au moment de la rédaction de la présente brochure le </a:t>
-            </a:r>
-            <a:r>
-              <a:rPr lang="fr-FR" sz="650"/>
-              <a:t>29/04/2022. Ces notations peuvent être révisées à tout moment et </a:t>
-            </a:r>
-            <a:r>
-              <a:rPr lang="fr-FR" sz="650" dirty="0"/>
-              <a:t>ne </a:t>
-            </a:r>
-            <a:r>
-              <a:rPr lang="fr-FR" sz="650"/>
-              <a:t>sont pas </a:t>
-            </a:r>
-            <a:r>
-              <a:rPr lang="fr-FR" sz="650" dirty="0"/>
-              <a:t>une garantie de solvabilité de l’Émetteur de la formule</a:t>
-            </a:r>
-            <a:r>
-              <a:rPr lang="fr-FR" sz="650"/>
-              <a:t>. Elles ne sauraient </a:t>
-            </a:r>
-            <a:r>
-              <a:rPr lang="fr-FR" sz="650" dirty="0"/>
-              <a:t>constituer un argument de souscription au produit.</a:t>
-            </a:r>
-            <a:endParaRPr lang="fr-FR" sz="650"/>
+              <a:rPr lang="fr-FR" sz="800" dirty="0">
+                <a:solidFill>
+                  <a:srgbClr val="000000"/>
+                </a:solidFill>
+                <a:latin typeface="Proxima Nova Rg" panose="02000506030000020004" pitchFamily="2" charset="0"/>
+              </a:rPr>
+              <a:t>(1) Société Générale : Moody’s : A1 / Standard &amp; Poor’s : A. Notations en vigueur au moment de la rédaction de la présente brochure le &lt;DDR_MAJ&gt;. Ces notations peuvent être révisées à tout moment et ne sont pas une garantie de solvabilité de l’Émetteur ni du Garant de la formule. Elles ne sauraient constituer un argument de souscription aux titres de créance.</a:t>
+            </a:r>
           </a:p>
           <a:p>
             <a:pPr lvl="0" algn="just" defTabSz="914400"/>
             <a:r>
-              <a:rPr lang="fr-FR" sz="800" baseline="30000"/>
-              <a:t>(2)</a:t>
-            </a:r>
-            <a:r>
-              <a:rPr lang="fr-FR" sz="650"/>
-              <a:t> Les conflits d’intérêts seront gérés suivant la réglementation en vigueur.</a:t>
-            </a:r>
-            <a:endParaRPr lang="fr-FR" sz="650" i="1" dirty="0">
-              <a:latin typeface="Proxima Nova Rg" panose="02000506030000020004" pitchFamily="2" charset="0"/>
-            </a:endParaRPr>
+              <a:rPr lang="fr-FR" sz="800" dirty="0">
+                <a:solidFill>
+                  <a:srgbClr val="000000"/>
+                </a:solidFill>
+                <a:latin typeface="Proxima Nova Rg" panose="02000506030000020004" pitchFamily="2" charset="0"/>
+              </a:rPr>
+              <a:t>(2) Les conflits d’intérêts seront gérés suivant la réglementation en vigueur.</a:t>
+            </a:r>
           </a:p>
         </p:txBody>
       </p:sp>
@@ -13462,10 +13238,10 @@
       </p:sp>
       <p:graphicFrame>
         <p:nvGraphicFramePr>
-          <p:cNvPr id="9" name="Tableau 8">
+          <p:cNvPr id="8" name="Tableau 7">
             <a:extLst>
               <a:ext uri="{FF2B5EF4-FFF2-40B4-BE49-F238E27FC236}">
-                <a16:creationId xmlns:a16="http://schemas.microsoft.com/office/drawing/2014/main" id="{CDF24725-4E16-F687-E839-9CDE396BAF0D}"/>
+                <a16:creationId xmlns:a16="http://schemas.microsoft.com/office/drawing/2014/main" id="{664DDFEE-8936-F1DA-F6BE-E60226CDDCC3}"/>
               </a:ext>
             </a:extLst>
           </p:cNvPr>
@@ -13475,14 +13251,14 @@
           <p:nvPr>
             <p:extLst>
               <p:ext uri="{D42A27DB-BD31-4B8C-83A1-F6EECF244321}">
-                <p14:modId xmlns:p14="http://schemas.microsoft.com/office/powerpoint/2010/main" val="1366030026"/>
+                <p14:modId xmlns:p14="http://schemas.microsoft.com/office/powerpoint/2010/main" val="3003689998"/>
               </p:ext>
             </p:extLst>
           </p:nvPr>
         </p:nvGraphicFramePr>
         <p:xfrm>
-          <a:off x="360894" y="977900"/>
-          <a:ext cx="6837886" cy="8460222"/>
+          <a:off x="361950" y="979297"/>
+          <a:ext cx="6837886" cy="7585025"/>
         </p:xfrm>
         <a:graphic>
           <a:graphicData uri="http://schemas.openxmlformats.org/drawingml/2006/table">
@@ -13506,13 +13282,13 @@
                   </a:extLst>
                 </a:gridCol>
               </a:tblGrid>
-              <a:tr h="0">
+              <a:tr h="151003">
                 <a:tc>
                   <a:txBody>
                     <a:bodyPr/>
                     <a:lstStyle/>
                     <a:p>
-                      <a:pPr marL="0" marR="0" lvl="0" indent="0" algn="l" defTabSz="755934" rtl="0" eaLnBrk="1" fontAlgn="auto" latinLnBrk="0" hangingPunct="1">
+                      <a:pPr marL="0" marR="0" lvl="0" indent="0" algn="just" defTabSz="755934" rtl="0" eaLnBrk="1" fontAlgn="auto" latinLnBrk="0" hangingPunct="1">
                         <a:lnSpc>
                           <a:spcPct val="90000"/>
                         </a:lnSpc>
@@ -13562,9 +13338,7 @@
                     </a:lnR>
                     <a:lnT w="12700" cap="flat" cmpd="sng" algn="ctr">
                       <a:solidFill>
-                        <a:schemeClr val="bg1">
-                          <a:lumMod val="85000"/>
-                        </a:schemeClr>
+                        <a:schemeClr val="bg1"/>
                       </a:solidFill>
                       <a:prstDash val="solid"/>
                       <a:round/>
@@ -13669,17 +13443,206 @@
                 </a:tc>
                 <a:extLst>
                   <a:ext uri="{0D108BD9-81ED-4DB2-BD59-A6C34878D82A}">
-                    <a16:rowId xmlns:a16="http://schemas.microsoft.com/office/drawing/2014/main" val="405921866"/>
+                    <a16:rowId xmlns:a16="http://schemas.microsoft.com/office/drawing/2014/main" val="1644413395"/>
                   </a:ext>
                 </a:extLst>
               </a:tr>
-              <a:tr h="472328">
+              <a:tr h="268891">
                 <a:tc>
                   <a:txBody>
                     <a:bodyPr/>
                     <a:lstStyle/>
                     <a:p>
-                      <a:pPr marL="0" marR="0" lvl="0" indent="0" algn="l" defTabSz="755934" rtl="0" eaLnBrk="1" fontAlgn="auto" latinLnBrk="0" hangingPunct="1">
+                      <a:pPr marL="0" marR="0" lvl="0" indent="0" algn="just" defTabSz="755934" rtl="0" eaLnBrk="1" fontAlgn="auto" latinLnBrk="0" hangingPunct="1">
+                        <a:lnSpc>
+                          <a:spcPct val="90000"/>
+                        </a:lnSpc>
+                        <a:spcBef>
+                          <a:spcPts val="0"/>
+                        </a:spcBef>
+                        <a:spcAft>
+                          <a:spcPts val="0"/>
+                        </a:spcAft>
+                        <a:buClrTx/>
+                        <a:buSzTx/>
+                        <a:buFontTx/>
+                        <a:buNone/>
+                        <a:tabLst/>
+                        <a:defRPr/>
+                      </a:pPr>
+                      <a:r>
+                        <a:rPr lang="fr-FR" sz="700" b="1" kern="1200" dirty="0">
+                          <a:solidFill>
+                            <a:srgbClr val="B9A049"/>
+                          </a:solidFill>
+                          <a:latin typeface="+mn-lt"/>
+                          <a:ea typeface="+mn-ea"/>
+                          <a:cs typeface="+mn-cs"/>
+                        </a:rPr>
+                        <a:t>Forme</a:t>
+                      </a:r>
+                    </a:p>
+                  </a:txBody>
+                  <a:tcPr marL="72000" marR="72000" marT="46800" marB="46800" anchor="ctr">
+                    <a:lnL w="12700" cap="flat" cmpd="sng" algn="ctr">
+                      <a:solidFill>
+                        <a:schemeClr val="bg1">
+                          <a:lumMod val="85000"/>
+                        </a:schemeClr>
+                      </a:solidFill>
+                      <a:prstDash val="solid"/>
+                      <a:round/>
+                      <a:headEnd type="none" w="med" len="med"/>
+                      <a:tailEnd type="none" w="med" len="med"/>
+                    </a:lnL>
+                    <a:lnR w="12700" cap="flat" cmpd="sng" algn="ctr">
+                      <a:solidFill>
+                        <a:schemeClr val="bg1"/>
+                      </a:solidFill>
+                      <a:prstDash val="solid"/>
+                      <a:round/>
+                      <a:headEnd type="none" w="med" len="med"/>
+                      <a:tailEnd type="none" w="med" len="med"/>
+                    </a:lnR>
+                    <a:lnT w="12700" cap="flat" cmpd="sng" algn="ctr">
+                      <a:solidFill>
+                        <a:schemeClr val="bg1"/>
+                      </a:solidFill>
+                      <a:prstDash val="solid"/>
+                      <a:round/>
+                      <a:headEnd type="none" w="med" len="med"/>
+                      <a:tailEnd type="none" w="med" len="med"/>
+                    </a:lnT>
+                    <a:lnB w="12700" cap="flat" cmpd="sng" algn="ctr">
+                      <a:solidFill>
+                        <a:schemeClr val="bg1"/>
+                      </a:solidFill>
+                      <a:prstDash val="solid"/>
+                      <a:round/>
+                      <a:headEnd type="none" w="med" len="med"/>
+                      <a:tailEnd type="none" w="med" len="med"/>
+                    </a:lnB>
+                    <a:lnTlToBr w="12700" cmpd="sng">
+                      <a:noFill/>
+                      <a:prstDash val="solid"/>
+                    </a:lnTlToBr>
+                    <a:lnBlToTr w="12700" cmpd="sng">
+                      <a:noFill/>
+                      <a:prstDash val="solid"/>
+                    </a:lnBlToTr>
+                    <a:solidFill>
+                      <a:schemeClr val="bg1">
+                        <a:lumMod val="95000"/>
+                      </a:schemeClr>
+                    </a:solidFill>
+                  </a:tcPr>
+                </a:tc>
+                <a:tc>
+                  <a:txBody>
+                    <a:bodyPr/>
+                    <a:lstStyle/>
+                    <a:p>
+                      <a:pPr algn="just">
+                        <a:lnSpc>
+                          <a:spcPct val="90000"/>
+                        </a:lnSpc>
+                      </a:pPr>
+                      <a:r>
+                        <a:rPr lang="fr-FR" sz="700" b="1" i="0" dirty="0">
+                          <a:solidFill>
+                            <a:schemeClr val="tx1"/>
+                          </a:solidFill>
+                          <a:latin typeface="+mn-lt"/>
+                        </a:rPr>
+                        <a:t>EMTN (Euro Medium </a:t>
+                      </a:r>
+                      <a:r>
+                        <a:rPr lang="fr-FR" sz="700" b="1" i="0" dirty="0" err="1">
+                          <a:solidFill>
+                            <a:schemeClr val="tx1"/>
+                          </a:solidFill>
+                          <a:latin typeface="+mn-lt"/>
+                        </a:rPr>
+                        <a:t>Term</a:t>
+                      </a:r>
+                      <a:r>
+                        <a:rPr lang="fr-FR" sz="700" b="1" i="0" dirty="0">
+                          <a:solidFill>
+                            <a:schemeClr val="tx1"/>
+                          </a:solidFill>
+                          <a:latin typeface="+mn-lt"/>
+                        </a:rPr>
+                        <a:t> Note), titre de créance de droit &lt;droit&gt; présentant un risque de perte en capital en cours de vie et à l’échéance</a:t>
+                      </a:r>
+                    </a:p>
+                  </a:txBody>
+                  <a:tcPr marL="36000" marR="36000" marT="46800" marB="46800" anchor="ctr">
+                    <a:lnL w="12700" cap="flat" cmpd="sng" algn="ctr">
+                      <a:solidFill>
+                        <a:schemeClr val="bg1"/>
+                      </a:solidFill>
+                      <a:prstDash val="solid"/>
+                      <a:round/>
+                      <a:headEnd type="none" w="med" len="med"/>
+                      <a:tailEnd type="none" w="med" len="med"/>
+                    </a:lnL>
+                    <a:lnR w="6350" cap="flat" cmpd="sng" algn="ctr">
+                      <a:solidFill>
+                        <a:schemeClr val="bg1">
+                          <a:lumMod val="65000"/>
+                        </a:schemeClr>
+                      </a:solidFill>
+                      <a:prstDash val="solid"/>
+                      <a:round/>
+                      <a:headEnd type="none" w="med" len="med"/>
+                      <a:tailEnd type="none" w="med" len="med"/>
+                    </a:lnR>
+                    <a:lnT w="6350" cap="flat" cmpd="sng" algn="ctr">
+                      <a:solidFill>
+                        <a:schemeClr val="bg1">
+                          <a:lumMod val="65000"/>
+                        </a:schemeClr>
+                      </a:solidFill>
+                      <a:prstDash val="solid"/>
+                      <a:round/>
+                      <a:headEnd type="none" w="med" len="med"/>
+                      <a:tailEnd type="none" w="med" len="med"/>
+                    </a:lnT>
+                    <a:lnB w="6350" cap="flat" cmpd="sng" algn="ctr">
+                      <a:solidFill>
+                        <a:schemeClr val="bg1">
+                          <a:lumMod val="65000"/>
+                        </a:schemeClr>
+                      </a:solidFill>
+                      <a:prstDash val="solid"/>
+                      <a:round/>
+                      <a:headEnd type="none" w="med" len="med"/>
+                      <a:tailEnd type="none" w="med" len="med"/>
+                    </a:lnB>
+                    <a:lnTlToBr w="12700" cmpd="sng">
+                      <a:noFill/>
+                      <a:prstDash val="solid"/>
+                    </a:lnTlToBr>
+                    <a:lnBlToTr w="12700" cmpd="sng">
+                      <a:noFill/>
+                      <a:prstDash val="solid"/>
+                    </a:lnBlToTr>
+                    <a:noFill/>
+                  </a:tcPr>
+                </a:tc>
+                <a:extLst>
+                  <a:ext uri="{0D108BD9-81ED-4DB2-BD59-A6C34878D82A}">
+                    <a16:rowId xmlns:a16="http://schemas.microsoft.com/office/drawing/2014/main" val="3737194071"/>
+                  </a:ext>
+                </a:extLst>
+              </a:tr>
+              <a:tr h="0">
+                <a:tc>
+                  <a:txBody>
+                    <a:bodyPr/>
+                    <a:lstStyle/>
+                    <a:p>
+                      <a:pPr marL="0" marR="0" lvl="0" indent="0" algn="just" defTabSz="755934" rtl="0" eaLnBrk="1" fontAlgn="auto" latinLnBrk="0" hangingPunct="1">
                         <a:lnSpc>
                           <a:spcPct val="90000"/>
                         </a:lnSpc>
@@ -13705,11 +13668,11 @@
                           <a:ea typeface="+mn-ea"/>
                           <a:cs typeface="+mn-cs"/>
                         </a:rPr>
-                        <a:t>FORME</a:t>
+                        <a:t>Émetteur</a:t>
                       </a:r>
                     </a:p>
                   </a:txBody>
-                  <a:tcPr marL="72000" marR="72000" marT="46800" marB="46800" anchor="ctr">
+                  <a:tcPr marL="72000" marR="72000" marT="46800" marB="46800" anchor="ctr" horzOverflow="overflow">
                     <a:lnL w="12700" cap="flat" cmpd="sng" algn="ctr">
                       <a:solidFill>
                         <a:schemeClr val="bg1">
@@ -13769,22 +13732,44 @@
                     <a:lstStyle/>
                     <a:p>
                       <a:pPr algn="just">
-                        <a:lnSpc>
-                          <a:spcPct val="90000"/>
-                        </a:lnSpc>
+                        <a:tabLst/>
                       </a:pPr>
                       <a:r>
-                        <a:rPr lang="fr-FR" sz="700" b="1" i="0">
+                        <a:rPr lang="fr-FR" sz="700" b="0" i="0" kern="1200" dirty="0">
                           <a:solidFill>
                             <a:schemeClr val="tx1"/>
                           </a:solidFill>
                           <a:latin typeface="+mn-lt"/>
+                          <a:ea typeface="+mn-ea"/>
+                          <a:cs typeface="+mn-cs"/>
                         </a:rPr>
-                        <a:t>EMTN (Euro Medium Term Note), titre de créance de droit &lt;droit&gt; présentant un risque de perte en capital en cours de vie et à l’échéance</a:t>
+                        <a:t>SG </a:t>
+                      </a:r>
+                      <a:r>
+                        <a:rPr lang="fr-FR" sz="700" b="0" i="0" kern="1200" dirty="0" err="1">
+                          <a:solidFill>
+                            <a:schemeClr val="tx1"/>
+                          </a:solidFill>
+                          <a:latin typeface="+mn-lt"/>
+                          <a:ea typeface="+mn-ea"/>
+                          <a:cs typeface="+mn-cs"/>
+                        </a:rPr>
+                        <a:t>Issuer</a:t>
+                      </a:r>
+                      <a:r>
+                        <a:rPr lang="fr-FR" sz="700" b="0" i="0" kern="1200" dirty="0">
+                          <a:solidFill>
+                            <a:schemeClr val="tx1"/>
+                          </a:solidFill>
+                          <a:latin typeface="+mn-lt"/>
+                          <a:ea typeface="+mn-ea"/>
+                          <a:cs typeface="+mn-cs"/>
+                        </a:rPr>
+                        <a:t>. Filiale à 100% de Société Générale Luxembourg SA, elle-même filiale à 100% de Société Générale(1)</a:t>
                       </a:r>
                     </a:p>
                   </a:txBody>
-                  <a:tcPr marL="36000" marR="36000" marT="46800" marB="46800" anchor="ctr">
+                  <a:tcPr marL="72000" marR="72000" marT="46800" marB="46800" anchor="ctr" horzOverflow="overflow">
                     <a:lnL w="12700" cap="flat" cmpd="sng" algn="ctr">
                       <a:solidFill>
                         <a:schemeClr val="bg1"/>
@@ -13840,17 +13825,17 @@
                 </a:tc>
                 <a:extLst>
                   <a:ext uri="{0D108BD9-81ED-4DB2-BD59-A6C34878D82A}">
-                    <a16:rowId xmlns:a16="http://schemas.microsoft.com/office/drawing/2014/main" val="3737194071"/>
+                    <a16:rowId xmlns:a16="http://schemas.microsoft.com/office/drawing/2014/main" val="2863756262"/>
                   </a:ext>
                 </a:extLst>
               </a:tr>
-              <a:tr h="198049">
+              <a:tr h="0">
                 <a:tc>
                   <a:txBody>
                     <a:bodyPr/>
                     <a:lstStyle/>
                     <a:p>
-                      <a:pPr marL="0" marR="0" lvl="0" indent="0" algn="l" defTabSz="755934" rtl="0" eaLnBrk="1" fontAlgn="auto" latinLnBrk="0" hangingPunct="1">
+                      <a:pPr marL="0" marR="0" lvl="0" indent="0" algn="just" defTabSz="755934" rtl="0" eaLnBrk="1" fontAlgn="auto" latinLnBrk="0" hangingPunct="1">
                         <a:lnSpc>
                           <a:spcPct val="90000"/>
                         </a:lnSpc>
@@ -13876,7 +13861,7 @@
                           <a:ea typeface="+mn-ea"/>
                           <a:cs typeface="+mn-cs"/>
                         </a:rPr>
-                        <a:t>ÉMETTEUR</a:t>
+                        <a:t>Garant de la formule</a:t>
                       </a:r>
                     </a:p>
                   </a:txBody>
@@ -13939,15 +13924,15 @@
                     <a:bodyPr/>
                     <a:lstStyle/>
                     <a:p>
-                      <a:pPr marL="0" marR="0" lvl="0" indent="0" algn="just" defTabSz="1042988" rtl="0" eaLnBrk="1" fontAlgn="base" latinLnBrk="0" hangingPunct="1">
+                      <a:pPr marL="0" marR="0" lvl="0" indent="0" algn="just" defTabSz="755934" rtl="0" eaLnBrk="1" fontAlgn="auto" latinLnBrk="0" hangingPunct="1">
                         <a:lnSpc>
                           <a:spcPct val="100000"/>
                         </a:lnSpc>
                         <a:spcBef>
-                          <a:spcPct val="0"/>
+                          <a:spcPts val="0"/>
                         </a:spcBef>
                         <a:spcAft>
-                          <a:spcPct val="0"/>
+                          <a:spcPts val="0"/>
                         </a:spcAft>
                         <a:buClrTx/>
                         <a:buSzTx/>
@@ -13957,36 +13942,27 @@
                         <a:defRPr/>
                       </a:pPr>
                       <a:r>
-                        <a:rPr kumimoji="0" lang="fr-FR" sz="700" b="0" i="0" u="none" strike="noStrike" kern="1200" cap="none" spc="0" normalizeH="0" baseline="0" noProof="0">
-                          <a:ln>
-                            <a:noFill/>
-                          </a:ln>
+                        <a:rPr lang="fr-FR" sz="700" b="0" i="0" kern="1200" dirty="0">
                           <a:solidFill>
                             <a:schemeClr val="tx1"/>
                           </a:solidFill>
-                          <a:effectLst/>
-                          <a:uLnTx/>
-                          <a:uFillTx/>
                           <a:latin typeface="+mn-lt"/>
                           <a:ea typeface="+mn-ea"/>
                           <a:cs typeface="+mn-cs"/>
                         </a:rPr>
-                        <a:t>Crédit Suisse AG (1), agissant par l’intermédiaire de sa succursale de Londres.</a:t>
+                        <a:t>Société Générale</a:t>
                       </a:r>
-                      <a:endParaRPr kumimoji="0" lang="fr-FR" sz="700" b="0" i="0" u="none" strike="noStrike" kern="1200" cap="none" spc="0" normalizeH="0" baseline="30000" noProof="0">
-                        <a:ln>
-                          <a:noFill/>
-                        </a:ln>
-                        <a:solidFill>
-                          <a:schemeClr val="tx1"/>
-                        </a:solidFill>
-                        <a:effectLst/>
-                        <a:uLnTx/>
-                        <a:uFillTx/>
-                        <a:latin typeface="+mn-lt"/>
-                        <a:ea typeface="+mn-ea"/>
-                        <a:cs typeface="+mn-cs"/>
-                      </a:endParaRPr>
+                      <a:r>
+                        <a:rPr lang="fr-FR" sz="700" b="0" i="0" kern="1200" baseline="30000" dirty="0">
+                          <a:solidFill>
+                            <a:schemeClr val="tx1"/>
+                          </a:solidFill>
+                          <a:latin typeface="+mn-lt"/>
+                          <a:ea typeface="+mn-ea"/>
+                          <a:cs typeface="+mn-cs"/>
+                        </a:rPr>
+                        <a:t>(1)</a:t>
+                      </a:r>
                     </a:p>
                   </a:txBody>
                   <a:tcPr marL="72000" marR="72000" marT="46800" marB="46800" anchor="ctr" horzOverflow="overflow">
@@ -14045,17 +14021,17 @@
                 </a:tc>
                 <a:extLst>
                   <a:ext uri="{0D108BD9-81ED-4DB2-BD59-A6C34878D82A}">
-                    <a16:rowId xmlns:a16="http://schemas.microsoft.com/office/drawing/2014/main" val="2863756262"/>
+                    <a16:rowId xmlns:a16="http://schemas.microsoft.com/office/drawing/2014/main" val="2602005501"/>
                   </a:ext>
                 </a:extLst>
               </a:tr>
-              <a:tr h="198049">
+              <a:tr h="0">
                 <a:tc>
                   <a:txBody>
                     <a:bodyPr/>
                     <a:lstStyle/>
                     <a:p>
-                      <a:pPr marL="0" marR="0" lvl="0" indent="0" algn="l" defTabSz="755934" rtl="0" eaLnBrk="1" fontAlgn="auto" latinLnBrk="0" hangingPunct="1">
+                      <a:pPr marL="0" marR="0" lvl="0" indent="0" algn="just" defTabSz="755934" rtl="0" eaLnBrk="1" fontAlgn="auto" latinLnBrk="0" hangingPunct="1">
                         <a:lnSpc>
                           <a:spcPct val="90000"/>
                         </a:lnSpc>
@@ -14081,7 +14057,7 @@
                           <a:ea typeface="+mn-ea"/>
                           <a:cs typeface="+mn-cs"/>
                         </a:rPr>
-                        <a:t>DISTRIBUTEUR</a:t>
+                        <a:t>Distributeur</a:t>
                       </a:r>
                     </a:p>
                   </a:txBody>
@@ -14162,7 +14138,7 @@
                         <a:defRPr/>
                       </a:pPr>
                       <a:r>
-                        <a:rPr lang="fr-FR" sz="700" b="0" i="0" kern="1200" noProof="0">
+                        <a:rPr lang="fr-FR" sz="700" b="0" i="0" kern="1200" noProof="0" dirty="0">
                           <a:solidFill>
                             <a:schemeClr val="tx1"/>
                           </a:solidFill>
@@ -14234,13 +14210,13 @@
                   </a:ext>
                 </a:extLst>
               </a:tr>
-              <a:tr h="309569">
+              <a:tr h="0">
                 <a:tc>
                   <a:txBody>
                     <a:bodyPr/>
                     <a:lstStyle/>
                     <a:p>
-                      <a:pPr marL="0" marR="0" lvl="0" indent="0" algn="l" defTabSz="755934" rtl="0" eaLnBrk="1" fontAlgn="auto" latinLnBrk="0" hangingPunct="1">
+                      <a:pPr marL="0" marR="0" lvl="0" indent="0" algn="just" defTabSz="755934" rtl="0" eaLnBrk="1" fontAlgn="auto" latinLnBrk="0" hangingPunct="1">
                         <a:lnSpc>
                           <a:spcPct val="90000"/>
                         </a:lnSpc>
@@ -14266,7 +14242,7 @@
                           <a:ea typeface="+mn-ea"/>
                           <a:cs typeface="+mn-cs"/>
                         </a:rPr>
-                        <a:t>SOUS-JACENT</a:t>
+                        <a:t>Sous-jacent</a:t>
                       </a:r>
                     </a:p>
                   </a:txBody>
@@ -14347,7 +14323,7 @@
                         <a:defRPr/>
                       </a:pPr>
                       <a:r>
-                        <a:rPr kumimoji="0" lang="fr-FR" sz="700" b="1" i="0" u="none" strike="noStrike" kern="1200" cap="none" spc="0" normalizeH="0" baseline="0" noProof="0">
+                        <a:rPr kumimoji="0" lang="fr-FR" sz="800" b="1" i="0" u="none" strike="noStrike" kern="1200" cap="none" spc="0" normalizeH="0" baseline="0" noProof="0" dirty="0">
                           <a:ln>
                             <a:noFill/>
                           </a:ln>
@@ -14364,7 +14340,7 @@
                         <a:t>&lt;SJR1&gt; entre &lt;NOMSOUSJACENT&gt; </a:t>
                       </a:r>
                       <a:r>
-                        <a:rPr kumimoji="0" lang="fr-FR" sz="700" b="0" i="0" u="none" strike="noStrike" kern="1200" cap="none" spc="0" normalizeH="0" baseline="0" noProof="0">
+                        <a:rPr kumimoji="0" lang="fr-FR" sz="800" b="0" i="0" u="none" strike="noStrike" kern="1200" cap="none" spc="0" normalizeH="0" baseline="0" noProof="0" dirty="0">
                           <a:ln>
                             <a:noFill/>
                           </a:ln>
@@ -14381,7 +14357,7 @@
                         <a:t>(</a:t>
                       </a:r>
                       <a:r>
-                        <a:rPr kumimoji="0" lang="fr-FR" sz="700" b="1" i="0" u="none" strike="noStrike" kern="1200" cap="none" spc="0" normalizeH="0" baseline="0" noProof="0">
+                        <a:rPr kumimoji="0" lang="fr-FR" sz="800" b="1" i="0" u="none" strike="noStrike" kern="1200" cap="none" spc="0" normalizeH="0" baseline="0" noProof="0" dirty="0">
                           <a:ln>
                             <a:noFill/>
                           </a:ln>
@@ -14398,7 +14374,7 @@
                         <a:t>&lt;DIVIDENDE&gt; </a:t>
                       </a:r>
                       <a:r>
-                        <a:rPr kumimoji="0" lang="fr-FR" sz="700" b="0" i="0" u="none" strike="noStrike" kern="1200" cap="none" spc="0" normalizeH="0" baseline="0" noProof="0">
+                        <a:rPr kumimoji="0" lang="fr-FR" sz="800" b="0" i="0" u="none" strike="noStrike" kern="1200" cap="none" spc="0" normalizeH="0" baseline="0" noProof="0" dirty="0">
                           <a:ln>
                             <a:noFill/>
                           </a:ln>
@@ -14415,7 +14391,7 @@
                         <a:t>; code Bloomberg : &lt;TICKER&gt; ; &lt;sponsor&gt; : &lt;SPONSOR&gt; ; </a:t>
                       </a:r>
                       <a:r>
-                        <a:rPr kumimoji="0" lang="fr-FR" sz="700" b="0" i="0" u="sng" strike="noStrike" kern="1200" cap="none" spc="0" normalizeH="0" baseline="0" noProof="0">
+                        <a:rPr kumimoji="0" lang="fr-FR" sz="800" b="0" i="0" u="sng" strike="noStrike" kern="1200" cap="none" spc="0" normalizeH="0" baseline="0" noProof="0" dirty="0">
                           <a:ln>
                             <a:noFill/>
                           </a:ln>
@@ -14432,7 +14408,7 @@
                         <a:t>&lt;SITE&gt;</a:t>
                       </a:r>
                       <a:r>
-                        <a:rPr kumimoji="0" lang="fr-FR" sz="700" b="0" i="0" u="none" strike="noStrike" kern="1200" cap="none" spc="0" normalizeH="0" baseline="0" noProof="0">
+                        <a:rPr kumimoji="0" lang="fr-FR" sz="800" b="0" i="0" u="none" strike="noStrike" kern="1200" cap="none" spc="0" normalizeH="0" baseline="0" noProof="0" dirty="0">
                           <a:ln>
                             <a:noFill/>
                           </a:ln>
@@ -14449,7 +14425,7 @@
                         <a:t>)</a:t>
                       </a:r>
                       <a:r>
-                        <a:rPr kumimoji="0" lang="fr-FR" sz="700" b="0" i="0" u="none" strike="noStrike" kern="1200" cap="none" spc="0" normalizeH="0" baseline="0" noProof="0">
+                        <a:rPr kumimoji="0" lang="fr-FR" sz="800" b="0" i="0" u="none" strike="noStrike" kern="1200" cap="none" spc="0" normalizeH="0" baseline="0" noProof="0" dirty="0">
                           <a:ln>
                             <a:noFill/>
                           </a:ln>
@@ -14527,13 +14503,13 @@
                   </a:ext>
                 </a:extLst>
               </a:tr>
-              <a:tr h="198049">
+              <a:tr h="0">
                 <a:tc>
                   <a:txBody>
                     <a:bodyPr/>
                     <a:lstStyle/>
                     <a:p>
-                      <a:pPr marL="0" marR="0" lvl="0" indent="0" algn="l" defTabSz="755934" rtl="0" eaLnBrk="1" fontAlgn="auto" latinLnBrk="0" hangingPunct="1">
+                      <a:pPr marL="0" marR="0" lvl="0" indent="0" algn="just" defTabSz="755934" rtl="0" eaLnBrk="1" fontAlgn="auto" latinLnBrk="0" hangingPunct="1">
                         <a:lnSpc>
                           <a:spcPct val="90000"/>
                         </a:lnSpc>
@@ -14551,7 +14527,7 @@
                         <a:defRPr/>
                       </a:pPr>
                       <a:r>
-                        <a:rPr lang="fr-FR" sz="700" b="1" kern="1200">
+                        <a:rPr lang="fr-FR" sz="700" b="1" kern="1200" dirty="0">
                           <a:solidFill>
                             <a:srgbClr val="B9A049"/>
                           </a:solidFill>
@@ -14559,7 +14535,7 @@
                           <a:ea typeface="+mn-ea"/>
                           <a:cs typeface="+mn-cs"/>
                         </a:rPr>
-                        <a:t>DEVISE</a:t>
+                        <a:t>Devise</a:t>
                       </a:r>
                     </a:p>
                   </a:txBody>
@@ -14711,13 +14687,13 @@
                   </a:ext>
                 </a:extLst>
               </a:tr>
-              <a:tr h="198049">
+              <a:tr h="198679">
                 <a:tc>
                   <a:txBody>
                     <a:bodyPr/>
                     <a:lstStyle/>
                     <a:p>
-                      <a:pPr marL="0" marR="0" lvl="0" indent="0" algn="l" defTabSz="755934" rtl="0" eaLnBrk="1" fontAlgn="auto" latinLnBrk="0" hangingPunct="1">
+                      <a:pPr marL="0" marR="0" lvl="0" indent="0" algn="just" defTabSz="755934" rtl="0" eaLnBrk="1" fontAlgn="auto" latinLnBrk="0" hangingPunct="1">
                         <a:lnSpc>
                           <a:spcPct val="90000"/>
                         </a:lnSpc>
@@ -14743,7 +14719,7 @@
                           <a:ea typeface="+mn-ea"/>
                           <a:cs typeface="+mn-cs"/>
                         </a:rPr>
-                        <a:t>DROIT APPLICABLE</a:t>
+                        <a:t>Montant de l’émission</a:t>
                       </a:r>
                     </a:p>
                   </a:txBody>
@@ -14823,7 +14799,7 @@
                         <a:tabLst/>
                       </a:pPr>
                       <a:r>
-                        <a:rPr lang="fr-FR" sz="700" b="0" i="0" kern="1200">
+                        <a:rPr lang="fr-FR" sz="700" b="0" i="0" kern="1200" dirty="0">
                           <a:solidFill>
                             <a:schemeClr val="tx1"/>
                           </a:solidFill>
@@ -14831,7 +14807,7 @@
                           <a:ea typeface="+mn-ea"/>
                           <a:cs typeface="+mn-cs"/>
                         </a:rPr>
-                        <a:t>Droit &lt;droit&gt;</a:t>
+                        <a:t>30 000 000 EUR</a:t>
                       </a:r>
                     </a:p>
                   </a:txBody>
@@ -14891,17 +14867,17 @@
                 </a:tc>
                 <a:extLst>
                   <a:ext uri="{0D108BD9-81ED-4DB2-BD59-A6C34878D82A}">
-                    <a16:rowId xmlns:a16="http://schemas.microsoft.com/office/drawing/2014/main" val="1483687796"/>
+                    <a16:rowId xmlns:a16="http://schemas.microsoft.com/office/drawing/2014/main" val="2698943282"/>
                   </a:ext>
                 </a:extLst>
               </a:tr>
-              <a:tr h="198049">
+              <a:tr h="198679">
                 <a:tc>
                   <a:txBody>
                     <a:bodyPr/>
                     <a:lstStyle/>
                     <a:p>
-                      <a:pPr marL="0" marR="0" lvl="0" indent="0" algn="l" defTabSz="755934" rtl="0" eaLnBrk="1" fontAlgn="auto" latinLnBrk="0" hangingPunct="1">
+                      <a:pPr marL="0" marR="0" lvl="0" indent="0" algn="just" defTabSz="755934" rtl="0" eaLnBrk="1" fontAlgn="auto" latinLnBrk="0" hangingPunct="1">
                         <a:lnSpc>
                           <a:spcPct val="90000"/>
                         </a:lnSpc>
@@ -14919,7 +14895,7 @@
                         <a:defRPr/>
                       </a:pPr>
                       <a:r>
-                        <a:rPr lang="fr-FR" sz="700" b="1" kern="1200">
+                        <a:rPr lang="fr-FR" sz="700" b="1" kern="1200" dirty="0">
                           <a:solidFill>
                             <a:srgbClr val="B9A049"/>
                           </a:solidFill>
@@ -14927,191 +14903,7 @@
                           <a:ea typeface="+mn-ea"/>
                           <a:cs typeface="+mn-cs"/>
                         </a:rPr>
-                        <a:t>MONTANT DE L’ÉMISSION</a:t>
-                      </a:r>
-                    </a:p>
-                  </a:txBody>
-                  <a:tcPr marL="72000" marR="72000" marT="46800" marB="46800" anchor="ctr" horzOverflow="overflow">
-                    <a:lnL w="12700" cap="flat" cmpd="sng" algn="ctr">
-                      <a:solidFill>
-                        <a:schemeClr val="bg1">
-                          <a:lumMod val="85000"/>
-                        </a:schemeClr>
-                      </a:solidFill>
-                      <a:prstDash val="solid"/>
-                      <a:round/>
-                      <a:headEnd type="none" w="med" len="med"/>
-                      <a:tailEnd type="none" w="med" len="med"/>
-                    </a:lnL>
-                    <a:lnR w="12700" cap="flat" cmpd="sng" algn="ctr">
-                      <a:solidFill>
-                        <a:schemeClr val="bg1"/>
-                      </a:solidFill>
-                      <a:prstDash val="solid"/>
-                      <a:round/>
-                      <a:headEnd type="none" w="med" len="med"/>
-                      <a:tailEnd type="none" w="med" len="med"/>
-                    </a:lnR>
-                    <a:lnT w="12700" cap="flat" cmpd="sng" algn="ctr">
-                      <a:solidFill>
-                        <a:schemeClr val="bg1"/>
-                      </a:solidFill>
-                      <a:prstDash val="solid"/>
-                      <a:round/>
-                      <a:headEnd type="none" w="med" len="med"/>
-                      <a:tailEnd type="none" w="med" len="med"/>
-                    </a:lnT>
-                    <a:lnB w="12700" cap="flat" cmpd="sng" algn="ctr">
-                      <a:solidFill>
-                        <a:schemeClr val="bg1"/>
-                      </a:solidFill>
-                      <a:prstDash val="solid"/>
-                      <a:round/>
-                      <a:headEnd type="none" w="med" len="med"/>
-                      <a:tailEnd type="none" w="med" len="med"/>
-                    </a:lnB>
-                    <a:lnTlToBr w="12700" cmpd="sng">
-                      <a:noFill/>
-                      <a:prstDash val="solid"/>
-                    </a:lnTlToBr>
-                    <a:lnBlToTr w="12700" cmpd="sng">
-                      <a:noFill/>
-                      <a:prstDash val="solid"/>
-                    </a:lnBlToTr>
-                    <a:solidFill>
-                      <a:schemeClr val="bg1">
-                        <a:lumMod val="95000"/>
-                      </a:schemeClr>
-                    </a:solidFill>
-                  </a:tcPr>
-                </a:tc>
-                <a:tc>
-                  <a:txBody>
-                    <a:bodyPr/>
-                    <a:lstStyle/>
-                    <a:p>
-                      <a:pPr marL="0" marR="0" lvl="0" indent="0" algn="just" defTabSz="755934" rtl="0" eaLnBrk="1" fontAlgn="base" latinLnBrk="0" hangingPunct="1">
-                        <a:lnSpc>
-                          <a:spcPct val="100000"/>
-                        </a:lnSpc>
-                        <a:spcBef>
-                          <a:spcPct val="0"/>
-                        </a:spcBef>
-                        <a:spcAft>
-                          <a:spcPct val="0"/>
-                        </a:spcAft>
-                        <a:buClrTx/>
-                        <a:buSzTx/>
-                        <a:buFontTx/>
-                        <a:buNone/>
-                        <a:tabLst/>
-                      </a:pPr>
-                      <a:r>
-                        <a:rPr lang="fr-FR" sz="700" b="0" i="0" kern="1200">
-                          <a:solidFill>
-                            <a:schemeClr val="tx1"/>
-                          </a:solidFill>
-                          <a:latin typeface="+mn-lt"/>
-                          <a:ea typeface="+mn-ea"/>
-                          <a:cs typeface="+mn-cs"/>
-                        </a:rPr>
-                        <a:t>30 000 000 EUR (La taille de cette émission de Titres n’implique en aucune manière l’expression de l’émetteur quant au niveau probable de souscription (et aucune supposition ne doit en conséquence être faite pas des investisseurs potentiels à cet égard)</a:t>
-                      </a:r>
-                    </a:p>
-                  </a:txBody>
-                  <a:tcPr marL="72000" marR="72000" marT="46800" marB="46800" anchor="ctr" horzOverflow="overflow">
-                    <a:lnL w="12700" cap="flat" cmpd="sng" algn="ctr">
-                      <a:solidFill>
-                        <a:schemeClr val="bg1"/>
-                      </a:solidFill>
-                      <a:prstDash val="solid"/>
-                      <a:round/>
-                      <a:headEnd type="none" w="med" len="med"/>
-                      <a:tailEnd type="none" w="med" len="med"/>
-                    </a:lnL>
-                    <a:lnR w="6350" cap="flat" cmpd="sng" algn="ctr">
-                      <a:solidFill>
-                        <a:schemeClr val="bg1">
-                          <a:lumMod val="65000"/>
-                        </a:schemeClr>
-                      </a:solidFill>
-                      <a:prstDash val="solid"/>
-                      <a:round/>
-                      <a:headEnd type="none" w="med" len="med"/>
-                      <a:tailEnd type="none" w="med" len="med"/>
-                    </a:lnR>
-                    <a:lnT w="6350" cap="flat" cmpd="sng" algn="ctr">
-                      <a:solidFill>
-                        <a:schemeClr val="bg1">
-                          <a:lumMod val="65000"/>
-                        </a:schemeClr>
-                      </a:solidFill>
-                      <a:prstDash val="solid"/>
-                      <a:round/>
-                      <a:headEnd type="none" w="med" len="med"/>
-                      <a:tailEnd type="none" w="med" len="med"/>
-                    </a:lnT>
-                    <a:lnB w="6350" cap="flat" cmpd="sng" algn="ctr">
-                      <a:solidFill>
-                        <a:schemeClr val="bg1">
-                          <a:lumMod val="65000"/>
-                        </a:schemeClr>
-                      </a:solidFill>
-                      <a:prstDash val="solid"/>
-                      <a:round/>
-                      <a:headEnd type="none" w="med" len="med"/>
-                      <a:tailEnd type="none" w="med" len="med"/>
-                    </a:lnB>
-                    <a:lnTlToBr w="12700" cmpd="sng">
-                      <a:noFill/>
-                      <a:prstDash val="solid"/>
-                    </a:lnTlToBr>
-                    <a:lnBlToTr w="12700" cmpd="sng">
-                      <a:noFill/>
-                      <a:prstDash val="solid"/>
-                    </a:lnBlToTr>
-                    <a:noFill/>
-                  </a:tcPr>
-                </a:tc>
-                <a:extLst>
-                  <a:ext uri="{0D108BD9-81ED-4DB2-BD59-A6C34878D82A}">
-                    <a16:rowId xmlns:a16="http://schemas.microsoft.com/office/drawing/2014/main" val="2698943282"/>
-                  </a:ext>
-                </a:extLst>
-              </a:tr>
-              <a:tr h="198049">
-                <a:tc>
-                  <a:txBody>
-                    <a:bodyPr/>
-                    <a:lstStyle/>
-                    <a:p>
-                      <a:pPr marL="0" marR="0" lvl="0" indent="0" algn="l" defTabSz="755934" rtl="0" eaLnBrk="1" fontAlgn="auto" latinLnBrk="0" hangingPunct="1">
-                        <a:lnSpc>
-                          <a:spcPct val="90000"/>
-                        </a:lnSpc>
-                        <a:spcBef>
-                          <a:spcPts val="0"/>
-                        </a:spcBef>
-                        <a:spcAft>
-                          <a:spcPts val="0"/>
-                        </a:spcAft>
-                        <a:buClrTx/>
-                        <a:buSzTx/>
-                        <a:buFontTx/>
-                        <a:buNone/>
-                        <a:tabLst/>
-                        <a:defRPr/>
-                      </a:pPr>
-                      <a:r>
-                        <a:rPr lang="fr-FR" sz="700" b="1" kern="1200">
-                          <a:solidFill>
-                            <a:srgbClr val="B9A049"/>
-                          </a:solidFill>
-                          <a:latin typeface="+mn-lt"/>
-                          <a:ea typeface="+mn-ea"/>
-                          <a:cs typeface="+mn-cs"/>
-                        </a:rPr>
-                        <a:t>VALEUR NOMINALE</a:t>
+                        <a:t>valeur nominale</a:t>
                       </a:r>
                     </a:p>
                   </a:txBody>
@@ -15263,13 +15055,13 @@
                   </a:ext>
                 </a:extLst>
               </a:tr>
-              <a:tr h="198049">
+              <a:tr h="198679">
                 <a:tc>
                   <a:txBody>
                     <a:bodyPr/>
                     <a:lstStyle/>
                     <a:p>
-                      <a:pPr marL="0" marR="0" lvl="0" indent="0" algn="l" defTabSz="755934" rtl="0" eaLnBrk="1" fontAlgn="auto" latinLnBrk="0" hangingPunct="1">
+                      <a:pPr marL="0" marR="0" lvl="0" indent="0" algn="just" defTabSz="755934" rtl="0" eaLnBrk="1" fontAlgn="auto" latinLnBrk="0" hangingPunct="1">
                         <a:lnSpc>
                           <a:spcPct val="90000"/>
                         </a:lnSpc>
@@ -15295,7 +15087,7 @@
                           <a:ea typeface="+mn-ea"/>
                           <a:cs typeface="+mn-cs"/>
                         </a:rPr>
-                        <a:t>MONTANT MINIMUM DE SOUSCRIPTION</a:t>
+                        <a:t>Montant minimum de souscription</a:t>
                       </a:r>
                     </a:p>
                   </a:txBody>
@@ -15383,7 +15175,7 @@
                           <a:ea typeface="+mn-ea"/>
                           <a:cs typeface="+mn-cs"/>
                         </a:rPr>
-                        <a:t>1 Titre de créance en assurance-vie et contrat de capitalisation ou 100 000 EUR en compte-titres</a:t>
+                        <a:t>1 Titre de créance</a:t>
                       </a:r>
                     </a:p>
                   </a:txBody>
@@ -15447,13 +15239,13 @@
                   </a:ext>
                 </a:extLst>
               </a:tr>
-              <a:tr h="198049">
+              <a:tr h="198679">
                 <a:tc>
                   <a:txBody>
                     <a:bodyPr/>
                     <a:lstStyle/>
                     <a:p>
-                      <a:pPr marL="0" marR="0" lvl="0" indent="0" algn="l" defTabSz="755934" rtl="0" eaLnBrk="1" fontAlgn="auto" latinLnBrk="0" hangingPunct="1">
+                      <a:pPr marL="0" marR="0" lvl="0" indent="0" algn="just" defTabSz="755934" rtl="0" eaLnBrk="1" fontAlgn="auto" latinLnBrk="0" hangingPunct="1">
                         <a:lnSpc>
                           <a:spcPct val="90000"/>
                         </a:lnSpc>
@@ -15479,191 +15271,7 @@
                           <a:ea typeface="+mn-ea"/>
                           <a:cs typeface="+mn-cs"/>
                         </a:rPr>
-                        <a:t>PRIX D’ÉMISSION</a:t>
-                      </a:r>
-                    </a:p>
-                  </a:txBody>
-                  <a:tcPr marL="72000" marR="72000" marT="46800" marB="46800" anchor="ctr" horzOverflow="overflow">
-                    <a:lnL w="12700" cap="flat" cmpd="sng" algn="ctr">
-                      <a:solidFill>
-                        <a:schemeClr val="bg1">
-                          <a:lumMod val="85000"/>
-                        </a:schemeClr>
-                      </a:solidFill>
-                      <a:prstDash val="solid"/>
-                      <a:round/>
-                      <a:headEnd type="none" w="med" len="med"/>
-                      <a:tailEnd type="none" w="med" len="med"/>
-                    </a:lnL>
-                    <a:lnR w="12700" cap="flat" cmpd="sng" algn="ctr">
-                      <a:solidFill>
-                        <a:schemeClr val="bg1"/>
-                      </a:solidFill>
-                      <a:prstDash val="solid"/>
-                      <a:round/>
-                      <a:headEnd type="none" w="med" len="med"/>
-                      <a:tailEnd type="none" w="med" len="med"/>
-                    </a:lnR>
-                    <a:lnT w="12700" cap="flat" cmpd="sng" algn="ctr">
-                      <a:solidFill>
-                        <a:schemeClr val="bg1"/>
-                      </a:solidFill>
-                      <a:prstDash val="solid"/>
-                      <a:round/>
-                      <a:headEnd type="none" w="med" len="med"/>
-                      <a:tailEnd type="none" w="med" len="med"/>
-                    </a:lnT>
-                    <a:lnB w="12700" cap="flat" cmpd="sng" algn="ctr">
-                      <a:solidFill>
-                        <a:schemeClr val="bg1"/>
-                      </a:solidFill>
-                      <a:prstDash val="solid"/>
-                      <a:round/>
-                      <a:headEnd type="none" w="med" len="med"/>
-                      <a:tailEnd type="none" w="med" len="med"/>
-                    </a:lnB>
-                    <a:lnTlToBr w="12700" cmpd="sng">
-                      <a:noFill/>
-                      <a:prstDash val="solid"/>
-                    </a:lnTlToBr>
-                    <a:lnBlToTr w="12700" cmpd="sng">
-                      <a:noFill/>
-                      <a:prstDash val="solid"/>
-                    </a:lnBlToTr>
-                    <a:solidFill>
-                      <a:schemeClr val="bg1">
-                        <a:lumMod val="95000"/>
-                      </a:schemeClr>
-                    </a:solidFill>
-                  </a:tcPr>
-                </a:tc>
-                <a:tc>
-                  <a:txBody>
-                    <a:bodyPr/>
-                    <a:lstStyle/>
-                    <a:p>
-                      <a:pPr marL="0" marR="0" lvl="0" indent="0" algn="just" defTabSz="755934" rtl="0" eaLnBrk="1" fontAlgn="base" latinLnBrk="0" hangingPunct="1">
-                        <a:lnSpc>
-                          <a:spcPct val="100000"/>
-                        </a:lnSpc>
-                        <a:spcBef>
-                          <a:spcPct val="0"/>
-                        </a:spcBef>
-                        <a:spcAft>
-                          <a:spcPct val="0"/>
-                        </a:spcAft>
-                        <a:buClrTx/>
-                        <a:buSzTx/>
-                        <a:buFontTx/>
-                        <a:buNone/>
-                        <a:tabLst/>
-                      </a:pPr>
-                      <a:r>
-                        <a:rPr lang="fr-FR" sz="700" b="0" i="0" kern="1200">
-                          <a:solidFill>
-                            <a:schemeClr val="tx1"/>
-                          </a:solidFill>
-                          <a:latin typeface="+mn-lt"/>
-                          <a:ea typeface="+mn-ea"/>
-                          <a:cs typeface="+mn-cs"/>
-                        </a:rPr>
-                        <a:t>100% de la Valeur Nominale</a:t>
-                      </a:r>
-                    </a:p>
-                  </a:txBody>
-                  <a:tcPr marL="72000" marR="72000" marT="46800" marB="46800" anchor="ctr" horzOverflow="overflow">
-                    <a:lnL w="12700" cap="flat" cmpd="sng" algn="ctr">
-                      <a:solidFill>
-                        <a:schemeClr val="bg1"/>
-                      </a:solidFill>
-                      <a:prstDash val="solid"/>
-                      <a:round/>
-                      <a:headEnd type="none" w="med" len="med"/>
-                      <a:tailEnd type="none" w="med" len="med"/>
-                    </a:lnL>
-                    <a:lnR w="6350" cap="flat" cmpd="sng" algn="ctr">
-                      <a:solidFill>
-                        <a:schemeClr val="bg1">
-                          <a:lumMod val="65000"/>
-                        </a:schemeClr>
-                      </a:solidFill>
-                      <a:prstDash val="solid"/>
-                      <a:round/>
-                      <a:headEnd type="none" w="med" len="med"/>
-                      <a:tailEnd type="none" w="med" len="med"/>
-                    </a:lnR>
-                    <a:lnT w="6350" cap="flat" cmpd="sng" algn="ctr">
-                      <a:solidFill>
-                        <a:schemeClr val="bg1">
-                          <a:lumMod val="65000"/>
-                        </a:schemeClr>
-                      </a:solidFill>
-                      <a:prstDash val="solid"/>
-                      <a:round/>
-                      <a:headEnd type="none" w="med" len="med"/>
-                      <a:tailEnd type="none" w="med" len="med"/>
-                    </a:lnT>
-                    <a:lnB w="6350" cap="flat" cmpd="sng" algn="ctr">
-                      <a:solidFill>
-                        <a:schemeClr val="bg1">
-                          <a:lumMod val="65000"/>
-                        </a:schemeClr>
-                      </a:solidFill>
-                      <a:prstDash val="solid"/>
-                      <a:round/>
-                      <a:headEnd type="none" w="med" len="med"/>
-                      <a:tailEnd type="none" w="med" len="med"/>
-                    </a:lnB>
-                    <a:lnTlToBr w="12700" cmpd="sng">
-                      <a:noFill/>
-                      <a:prstDash val="solid"/>
-                    </a:lnTlToBr>
-                    <a:lnBlToTr w="12700" cmpd="sng">
-                      <a:noFill/>
-                      <a:prstDash val="solid"/>
-                    </a:lnBlToTr>
-                    <a:noFill/>
-                  </a:tcPr>
-                </a:tc>
-                <a:extLst>
-                  <a:ext uri="{0D108BD9-81ED-4DB2-BD59-A6C34878D82A}">
-                    <a16:rowId xmlns:a16="http://schemas.microsoft.com/office/drawing/2014/main" val="111151207"/>
-                  </a:ext>
-                </a:extLst>
-              </a:tr>
-              <a:tr h="198049">
-                <a:tc>
-                  <a:txBody>
-                    <a:bodyPr/>
-                    <a:lstStyle/>
-                    <a:p>
-                      <a:pPr marL="0" marR="0" lvl="0" indent="0" algn="l" defTabSz="755934" rtl="0" eaLnBrk="1" fontAlgn="auto" latinLnBrk="0" hangingPunct="1">
-                        <a:lnSpc>
-                          <a:spcPct val="90000"/>
-                        </a:lnSpc>
-                        <a:spcBef>
-                          <a:spcPts val="0"/>
-                        </a:spcBef>
-                        <a:spcAft>
-                          <a:spcPts val="0"/>
-                        </a:spcAft>
-                        <a:buClrTx/>
-                        <a:buSzTx/>
-                        <a:buFontTx/>
-                        <a:buNone/>
-                        <a:tabLst/>
-                        <a:defRPr/>
-                      </a:pPr>
-                      <a:r>
-                        <a:rPr lang="fr-FR" sz="700" b="1" kern="1200">
-                          <a:solidFill>
-                            <a:srgbClr val="B9A049"/>
-                          </a:solidFill>
-                          <a:latin typeface="+mn-lt"/>
-                          <a:ea typeface="+mn-ea"/>
-                          <a:cs typeface="+mn-cs"/>
-                        </a:rPr>
-                        <a:t>DATE D’ÉMISSION </a:t>
+                        <a:t>Date d’émission </a:t>
                       </a:r>
                     </a:p>
                   </a:txBody>
@@ -15848,13 +15456,13 @@
                   </a:ext>
                 </a:extLst>
               </a:tr>
-              <a:tr h="409033">
+              <a:tr h="198679">
                 <a:tc>
                   <a:txBody>
                     <a:bodyPr/>
                     <a:lstStyle/>
                     <a:p>
-                      <a:pPr marL="0" marR="0" lvl="0" indent="0" algn="l" defTabSz="755934" rtl="0" eaLnBrk="1" fontAlgn="auto" latinLnBrk="0" hangingPunct="1">
+                      <a:pPr marL="0" marR="0" lvl="0" indent="0" algn="just" defTabSz="755934" rtl="0" eaLnBrk="1" fontAlgn="auto" latinLnBrk="0" hangingPunct="1">
                         <a:lnSpc>
                           <a:spcPct val="90000"/>
                         </a:lnSpc>
@@ -15872,7 +15480,7 @@
                         <a:defRPr/>
                       </a:pPr>
                       <a:r>
-                        <a:rPr lang="fr-FR" sz="700" b="1" kern="1200">
+                        <a:rPr lang="fr-FR" sz="700" b="1" kern="1200" dirty="0">
                           <a:solidFill>
                             <a:srgbClr val="B9A049"/>
                           </a:solidFill>
@@ -15880,7 +15488,191 @@
                           <a:ea typeface="+mn-ea"/>
                           <a:cs typeface="+mn-cs"/>
                         </a:rPr>
-                        <a:t>PÉRIODE DE COMMERCIALISATION</a:t>
+                        <a:t>Prix d’émission</a:t>
+                      </a:r>
+                    </a:p>
+                  </a:txBody>
+                  <a:tcPr marL="72000" marR="72000" marT="46800" marB="46800" anchor="ctr" horzOverflow="overflow">
+                    <a:lnL w="12700" cap="flat" cmpd="sng" algn="ctr">
+                      <a:solidFill>
+                        <a:schemeClr val="bg1">
+                          <a:lumMod val="85000"/>
+                        </a:schemeClr>
+                      </a:solidFill>
+                      <a:prstDash val="solid"/>
+                      <a:round/>
+                      <a:headEnd type="none" w="med" len="med"/>
+                      <a:tailEnd type="none" w="med" len="med"/>
+                    </a:lnL>
+                    <a:lnR w="12700" cap="flat" cmpd="sng" algn="ctr">
+                      <a:solidFill>
+                        <a:schemeClr val="bg1"/>
+                      </a:solidFill>
+                      <a:prstDash val="solid"/>
+                      <a:round/>
+                      <a:headEnd type="none" w="med" len="med"/>
+                      <a:tailEnd type="none" w="med" len="med"/>
+                    </a:lnR>
+                    <a:lnT w="12700" cap="flat" cmpd="sng" algn="ctr">
+                      <a:solidFill>
+                        <a:schemeClr val="bg1"/>
+                      </a:solidFill>
+                      <a:prstDash val="solid"/>
+                      <a:round/>
+                      <a:headEnd type="none" w="med" len="med"/>
+                      <a:tailEnd type="none" w="med" len="med"/>
+                    </a:lnT>
+                    <a:lnB w="12700" cap="flat" cmpd="sng" algn="ctr">
+                      <a:solidFill>
+                        <a:schemeClr val="bg1"/>
+                      </a:solidFill>
+                      <a:prstDash val="solid"/>
+                      <a:round/>
+                      <a:headEnd type="none" w="med" len="med"/>
+                      <a:tailEnd type="none" w="med" len="med"/>
+                    </a:lnB>
+                    <a:lnTlToBr w="12700" cmpd="sng">
+                      <a:noFill/>
+                      <a:prstDash val="solid"/>
+                    </a:lnTlToBr>
+                    <a:lnBlToTr w="12700" cmpd="sng">
+                      <a:noFill/>
+                      <a:prstDash val="solid"/>
+                    </a:lnBlToTr>
+                    <a:solidFill>
+                      <a:schemeClr val="bg1">
+                        <a:lumMod val="95000"/>
+                      </a:schemeClr>
+                    </a:solidFill>
+                  </a:tcPr>
+                </a:tc>
+                <a:tc>
+                  <a:txBody>
+                    <a:bodyPr/>
+                    <a:lstStyle/>
+                    <a:p>
+                      <a:pPr marL="0" marR="0" lvl="0" indent="0" algn="just" defTabSz="755934" rtl="0" eaLnBrk="1" fontAlgn="base" latinLnBrk="0" hangingPunct="1">
+                        <a:lnSpc>
+                          <a:spcPct val="100000"/>
+                        </a:lnSpc>
+                        <a:spcBef>
+                          <a:spcPct val="0"/>
+                        </a:spcBef>
+                        <a:spcAft>
+                          <a:spcPct val="0"/>
+                        </a:spcAft>
+                        <a:buClrTx/>
+                        <a:buSzTx/>
+                        <a:buFontTx/>
+                        <a:buNone/>
+                        <a:tabLst/>
+                      </a:pPr>
+                      <a:r>
+                        <a:rPr lang="fr-FR" sz="700" b="0" i="0" kern="1200" dirty="0">
+                          <a:solidFill>
+                            <a:schemeClr val="tx1"/>
+                          </a:solidFill>
+                          <a:latin typeface="+mn-lt"/>
+                          <a:ea typeface="+mn-ea"/>
+                          <a:cs typeface="+mn-cs"/>
+                        </a:rPr>
+                        <a:t>100% de la Valeur Nominale</a:t>
+                      </a:r>
+                    </a:p>
+                  </a:txBody>
+                  <a:tcPr marL="72000" marR="72000" marT="46800" marB="46800" anchor="ctr" horzOverflow="overflow">
+                    <a:lnL w="12700" cap="flat" cmpd="sng" algn="ctr">
+                      <a:solidFill>
+                        <a:schemeClr val="bg1"/>
+                      </a:solidFill>
+                      <a:prstDash val="solid"/>
+                      <a:round/>
+                      <a:headEnd type="none" w="med" len="med"/>
+                      <a:tailEnd type="none" w="med" len="med"/>
+                    </a:lnL>
+                    <a:lnR w="6350" cap="flat" cmpd="sng" algn="ctr">
+                      <a:solidFill>
+                        <a:schemeClr val="bg1">
+                          <a:lumMod val="65000"/>
+                        </a:schemeClr>
+                      </a:solidFill>
+                      <a:prstDash val="solid"/>
+                      <a:round/>
+                      <a:headEnd type="none" w="med" len="med"/>
+                      <a:tailEnd type="none" w="med" len="med"/>
+                    </a:lnR>
+                    <a:lnT w="6350" cap="flat" cmpd="sng" algn="ctr">
+                      <a:solidFill>
+                        <a:schemeClr val="bg1">
+                          <a:lumMod val="65000"/>
+                        </a:schemeClr>
+                      </a:solidFill>
+                      <a:prstDash val="solid"/>
+                      <a:round/>
+                      <a:headEnd type="none" w="med" len="med"/>
+                      <a:tailEnd type="none" w="med" len="med"/>
+                    </a:lnT>
+                    <a:lnB w="6350" cap="flat" cmpd="sng" algn="ctr">
+                      <a:solidFill>
+                        <a:schemeClr val="bg1">
+                          <a:lumMod val="65000"/>
+                        </a:schemeClr>
+                      </a:solidFill>
+                      <a:prstDash val="solid"/>
+                      <a:round/>
+                      <a:headEnd type="none" w="med" len="med"/>
+                      <a:tailEnd type="none" w="med" len="med"/>
+                    </a:lnB>
+                    <a:lnTlToBr w="12700" cmpd="sng">
+                      <a:noFill/>
+                      <a:prstDash val="solid"/>
+                    </a:lnTlToBr>
+                    <a:lnBlToTr w="12700" cmpd="sng">
+                      <a:noFill/>
+                      <a:prstDash val="solid"/>
+                    </a:lnBlToTr>
+                    <a:noFill/>
+                  </a:tcPr>
+                </a:tc>
+                <a:extLst>
+                  <a:ext uri="{0D108BD9-81ED-4DB2-BD59-A6C34878D82A}">
+                    <a16:rowId xmlns:a16="http://schemas.microsoft.com/office/drawing/2014/main" val="1951309382"/>
+                  </a:ext>
+                </a:extLst>
+              </a:tr>
+              <a:tr h="0">
+                <a:tc>
+                  <a:txBody>
+                    <a:bodyPr/>
+                    <a:lstStyle/>
+                    <a:p>
+                      <a:pPr marL="0" marR="0" lvl="0" indent="0" algn="just" defTabSz="755934" rtl="0" eaLnBrk="1" fontAlgn="auto" latinLnBrk="0" hangingPunct="1">
+                        <a:lnSpc>
+                          <a:spcPct val="90000"/>
+                        </a:lnSpc>
+                        <a:spcBef>
+                          <a:spcPts val="0"/>
+                        </a:spcBef>
+                        <a:spcAft>
+                          <a:spcPts val="0"/>
+                        </a:spcAft>
+                        <a:buClrTx/>
+                        <a:buSzTx/>
+                        <a:buFontTx/>
+                        <a:buNone/>
+                        <a:tabLst/>
+                        <a:defRPr/>
+                      </a:pPr>
+                      <a:r>
+                        <a:rPr lang="fr-FR" sz="700" b="1" kern="1200" dirty="0">
+                          <a:solidFill>
+                            <a:srgbClr val="B9A049"/>
+                          </a:solidFill>
+                          <a:latin typeface="+mn-lt"/>
+                          <a:ea typeface="+mn-ea"/>
+                          <a:cs typeface="+mn-cs"/>
+                        </a:rPr>
+                        <a:t>Période de commercialisation</a:t>
                       </a:r>
                     </a:p>
                   </a:txBody>
@@ -16043,13 +15835,13 @@
                   </a:ext>
                 </a:extLst>
               </a:tr>
-              <a:tr h="198049">
+              <a:tr h="0">
                 <a:tc>
                   <a:txBody>
                     <a:bodyPr/>
                     <a:lstStyle/>
                     <a:p>
-                      <a:pPr marL="0" marR="0" lvl="0" indent="0" algn="l" defTabSz="755934" rtl="0" eaLnBrk="1" fontAlgn="auto" latinLnBrk="0" hangingPunct="1">
+                      <a:pPr marL="0" marR="0" lvl="0" indent="0" algn="just" defTabSz="755934" rtl="0" eaLnBrk="1" fontAlgn="auto" latinLnBrk="0" hangingPunct="1">
                         <a:lnSpc>
                           <a:spcPct val="90000"/>
                         </a:lnSpc>
@@ -16067,7 +15859,7 @@
                         <a:defRPr/>
                       </a:pPr>
                       <a:r>
-                        <a:rPr lang="fr-FR" sz="700" b="1" kern="1200">
+                        <a:rPr lang="fr-FR" sz="700" b="1" kern="1200" dirty="0">
                           <a:solidFill>
                             <a:srgbClr val="B9A049"/>
                           </a:solidFill>
@@ -16075,7 +15867,7 @@
                           <a:ea typeface="+mn-ea"/>
                           <a:cs typeface="+mn-cs"/>
                         </a:rPr>
-                        <a:t>GARANTIE DU CAPITAL</a:t>
+                        <a:t>Garantie du capital</a:t>
                       </a:r>
                     </a:p>
                   </a:txBody>
@@ -16228,13 +16020,13 @@
                   </a:ext>
                 </a:extLst>
               </a:tr>
-              <a:tr h="198049">
+              <a:tr h="0">
                 <a:tc>
                   <a:txBody>
                     <a:bodyPr/>
                     <a:lstStyle/>
                     <a:p>
-                      <a:pPr marL="0" marR="0" lvl="0" indent="0" algn="l" defTabSz="755934" rtl="0" eaLnBrk="1" fontAlgn="auto" latinLnBrk="0" hangingPunct="1">
+                      <a:pPr marL="0" marR="0" lvl="0" indent="0" algn="just" defTabSz="755934" rtl="0" eaLnBrk="1" fontAlgn="auto" latinLnBrk="0" hangingPunct="1">
                         <a:lnSpc>
                           <a:spcPct val="90000"/>
                         </a:lnSpc>
@@ -16252,7 +16044,7 @@
                         <a:defRPr/>
                       </a:pPr>
                       <a:r>
-                        <a:rPr lang="fr-FR" sz="700" b="1" kern="1200">
+                        <a:rPr lang="fr-FR" sz="700" b="1" kern="1200" dirty="0">
                           <a:solidFill>
                             <a:srgbClr val="B9A049"/>
                           </a:solidFill>
@@ -16260,7 +16052,7 @@
                           <a:ea typeface="+mn-ea"/>
                           <a:cs typeface="+mn-cs"/>
                         </a:rPr>
-                        <a:t>&lt;NDR&gt;</a:t>
+                        <a:t>Date de constatation initiale</a:t>
                       </a:r>
                     </a:p>
                   </a:txBody>
@@ -16341,7 +16133,7 @@
                         <a:defRPr/>
                       </a:pPr>
                       <a:r>
-                        <a:rPr lang="fr-FR" sz="700" b="0" i="0" kern="1200" noProof="0">
+                        <a:rPr lang="fr-FR" sz="700" b="0" i="0" kern="1200" dirty="0">
                           <a:solidFill>
                             <a:schemeClr val="tx1"/>
                           </a:solidFill>
@@ -16409,17 +16201,17 @@
                 </a:tc>
                 <a:extLst>
                   <a:ext uri="{0D108BD9-81ED-4DB2-BD59-A6C34878D82A}">
-                    <a16:rowId xmlns:a16="http://schemas.microsoft.com/office/drawing/2014/main" val="4087893721"/>
+                    <a16:rowId xmlns:a16="http://schemas.microsoft.com/office/drawing/2014/main" val="1295813141"/>
                   </a:ext>
                 </a:extLst>
               </a:tr>
-              <a:tr h="198049">
+              <a:tr h="0">
                 <a:tc>
                   <a:txBody>
                     <a:bodyPr/>
                     <a:lstStyle/>
                     <a:p>
-                      <a:pPr marL="0" marR="0" lvl="0" indent="0" algn="l" defTabSz="755934" rtl="0" eaLnBrk="1" fontAlgn="auto" latinLnBrk="0" hangingPunct="1">
+                      <a:pPr marL="0" marR="0" lvl="0" indent="0" algn="just" defTabSz="755934" rtl="0" eaLnBrk="1" fontAlgn="auto" latinLnBrk="0" hangingPunct="1">
                         <a:lnSpc>
                           <a:spcPct val="90000"/>
                         </a:lnSpc>
@@ -16437,7 +16229,7 @@
                         <a:defRPr/>
                       </a:pPr>
                       <a:r>
-                        <a:rPr lang="fr-FR" sz="700" b="1" kern="1200">
+                        <a:rPr lang="fr-FR" sz="700" b="1" kern="1200" dirty="0">
                           <a:solidFill>
                             <a:srgbClr val="B9A049"/>
                           </a:solidFill>
@@ -16445,7 +16237,7 @@
                           <a:ea typeface="+mn-ea"/>
                           <a:cs typeface="+mn-cs"/>
                         </a:rPr>
-                        <a:t>DATE DE CONSTATATION FINALE</a:t>
+                        <a:t>Date de constatation finale</a:t>
                       </a:r>
                     </a:p>
                   </a:txBody>
@@ -16598,13 +16390,13 @@
                   </a:ext>
                 </a:extLst>
               </a:tr>
-              <a:tr h="198049">
+              <a:tr h="0">
                 <a:tc>
                   <a:txBody>
                     <a:bodyPr/>
                     <a:lstStyle/>
                     <a:p>
-                      <a:pPr marL="0" marR="0" lvl="0" indent="0" algn="l" defTabSz="755934" rtl="0" eaLnBrk="1" fontAlgn="auto" latinLnBrk="0" hangingPunct="1">
+                      <a:pPr marL="0" marR="0" lvl="0" indent="0" algn="just" defTabSz="755934" rtl="0" eaLnBrk="1" fontAlgn="auto" latinLnBrk="0" hangingPunct="1">
                         <a:lnSpc>
                           <a:spcPct val="90000"/>
                         </a:lnSpc>
@@ -16622,7 +16414,7 @@
                         <a:defRPr/>
                       </a:pPr>
                       <a:r>
-                        <a:rPr lang="fr-FR" sz="700" b="1" kern="1200">
+                        <a:rPr lang="fr-FR" sz="700" b="1" kern="1200" dirty="0">
                           <a:solidFill>
                             <a:srgbClr val="B9A049"/>
                           </a:solidFill>
@@ -16630,7 +16422,7 @@
                           <a:ea typeface="+mn-ea"/>
                           <a:cs typeface="+mn-cs"/>
                         </a:rPr>
-                        <a:t>DATE D’ÉCHÉANCE</a:t>
+                        <a:t>Date d’échéance</a:t>
                       </a:r>
                     </a:p>
                   </a:txBody>
@@ -16782,13 +16574,13 @@
                   </a:ext>
                 </a:extLst>
               </a:tr>
-              <a:tr h="198049">
+              <a:tr h="0">
                 <a:tc>
                   <a:txBody>
                     <a:bodyPr/>
                     <a:lstStyle/>
                     <a:p>
-                      <a:pPr marL="0" marR="0" lvl="0" indent="0" algn="l" defTabSz="755934" rtl="0" eaLnBrk="1" fontAlgn="auto" latinLnBrk="0" hangingPunct="1">
+                      <a:pPr marL="0" marR="0" lvl="0" indent="0" algn="just" defTabSz="755934" rtl="0" eaLnBrk="1" fontAlgn="auto" latinLnBrk="0" hangingPunct="1">
                         <a:lnSpc>
                           <a:spcPct val="90000"/>
                         </a:lnSpc>
@@ -16806,7 +16598,7 @@
                         <a:defRPr/>
                       </a:pPr>
                       <a:r>
-                        <a:rPr lang="fr-FR" sz="700" b="1" kern="1200">
+                        <a:rPr lang="fr-FR" sz="700" b="1" kern="1200" dirty="0">
                           <a:solidFill>
                             <a:srgbClr val="B9A049"/>
                           </a:solidFill>
@@ -16814,7 +16606,7 @@
                           <a:ea typeface="+mn-ea"/>
                           <a:cs typeface="+mn-cs"/>
                         </a:rPr>
-                        <a:t>DATES DE CONSTATATION &lt;F1&gt;</a:t>
+                        <a:t>Dates de constatation &lt;F1&gt;</a:t>
                       </a:r>
                     </a:p>
                   </a:txBody>
@@ -16899,14 +16691,33 @@
                           <a:solidFill>
                             <a:schemeClr val="tx1"/>
                           </a:solidFill>
-                          <a:highlight>
-                            <a:srgbClr val="00FFFF"/>
-                          </a:highlight>
                           <a:latin typeface="+mn-lt"/>
                           <a:ea typeface="+mn-ea"/>
                           <a:cs typeface="+mn-cs"/>
                         </a:rPr>
-                        <a:t>&lt;Datesconstatations3&gt;</a:t>
+                        <a:t>&lt;</a:t>
+                      </a:r>
+                      <a:r>
+                        <a:rPr lang="fr-FR" sz="700" b="0" i="0" kern="1200" dirty="0" err="1">
+                          <a:solidFill>
+                            <a:schemeClr val="tx1"/>
+                          </a:solidFill>
+                          <a:latin typeface="+mn-lt"/>
+                          <a:ea typeface="+mn-ea"/>
+                          <a:cs typeface="+mn-cs"/>
+                        </a:rPr>
+                        <a:t>dates_constat_phoenix</a:t>
+                      </a:r>
+                      <a:r>
+                        <a:rPr lang="fr-FR" sz="700" b="0" i="0" kern="1200" dirty="0">
+                          <a:solidFill>
+                            <a:schemeClr val="tx1"/>
+                          </a:solidFill>
+                          <a:latin typeface="+mn-lt"/>
+                          <a:ea typeface="+mn-ea"/>
+                          <a:cs typeface="+mn-cs"/>
+                        </a:rPr>
+                        <a:t>&gt;</a:t>
                       </a:r>
                     </a:p>
                   </a:txBody>
@@ -16970,13 +16781,13 @@
                   </a:ext>
                 </a:extLst>
               </a:tr>
-              <a:tr h="198049">
+              <a:tr h="0">
                 <a:tc>
                   <a:txBody>
                     <a:bodyPr/>
                     <a:lstStyle/>
                     <a:p>
-                      <a:pPr marL="0" marR="0" lvl="0" indent="0" algn="l" defTabSz="755934" rtl="0" eaLnBrk="1" fontAlgn="auto" latinLnBrk="0" hangingPunct="1">
+                      <a:pPr marL="0" marR="0" lvl="0" indent="0" algn="just" defTabSz="755934" rtl="0" eaLnBrk="1" fontAlgn="auto" latinLnBrk="0" hangingPunct="1">
                         <a:lnSpc>
                           <a:spcPct val="90000"/>
                         </a:lnSpc>
@@ -16994,7 +16805,7 @@
                         <a:defRPr/>
                       </a:pPr>
                       <a:r>
-                        <a:rPr lang="fr-FR" sz="700" b="1" kern="1200">
+                        <a:rPr lang="fr-FR" sz="700" b="1" kern="1200" dirty="0">
                           <a:solidFill>
                             <a:srgbClr val="B9A049"/>
                           </a:solidFill>
@@ -17002,7 +16813,7 @@
                           <a:ea typeface="+mn-ea"/>
                           <a:cs typeface="+mn-cs"/>
                         </a:rPr>
-                        <a:t>DATES DE PAIEMENT ÉVENTUEL DES COUPONS</a:t>
+                        <a:t>Dates de remboursement anticipé automatique</a:t>
                       </a:r>
                     </a:p>
                   </a:txBody>
@@ -17087,14 +16898,33 @@
                           <a:solidFill>
                             <a:schemeClr val="tx1"/>
                           </a:solidFill>
-                          <a:highlight>
-                            <a:srgbClr val="00FFFF"/>
-                          </a:highlight>
                           <a:latin typeface="+mn-lt"/>
                           <a:ea typeface="+mn-ea"/>
                           <a:cs typeface="+mn-cs"/>
                         </a:rPr>
-                        <a:t>&lt;Datespaiement1&gt;</a:t>
+                        <a:t>&lt;</a:t>
+                      </a:r>
+                      <a:r>
+                        <a:rPr lang="fr-FR" sz="700" b="0" i="0" kern="1200" dirty="0" err="1">
+                          <a:solidFill>
+                            <a:schemeClr val="tx1"/>
+                          </a:solidFill>
+                          <a:latin typeface="+mn-lt"/>
+                          <a:ea typeface="+mn-ea"/>
+                          <a:cs typeface="+mn-cs"/>
+                        </a:rPr>
+                        <a:t>dates_paiement_phoenix</a:t>
+                      </a:r>
+                      <a:r>
+                        <a:rPr lang="fr-FR" sz="700" b="0" i="0" kern="1200" dirty="0">
+                          <a:solidFill>
+                            <a:schemeClr val="tx1"/>
+                          </a:solidFill>
+                          <a:latin typeface="+mn-lt"/>
+                          <a:ea typeface="+mn-ea"/>
+                          <a:cs typeface="+mn-cs"/>
+                        </a:rPr>
+                        <a:t>&gt;</a:t>
                       </a:r>
                     </a:p>
                   </a:txBody>
@@ -17154,17 +16984,17 @@
                 </a:tc>
                 <a:extLst>
                   <a:ext uri="{0D108BD9-81ED-4DB2-BD59-A6C34878D82A}">
-                    <a16:rowId xmlns:a16="http://schemas.microsoft.com/office/drawing/2014/main" val="2261100562"/>
+                    <a16:rowId xmlns:a16="http://schemas.microsoft.com/office/drawing/2014/main" val="526433821"/>
                   </a:ext>
                 </a:extLst>
               </a:tr>
-              <a:tr h="198049">
+              <a:tr h="0">
                 <a:tc>
                   <a:txBody>
                     <a:bodyPr/>
                     <a:lstStyle/>
                     <a:p>
-                      <a:pPr marL="0" marR="0" lvl="0" indent="0" algn="l" defTabSz="755934" rtl="0" eaLnBrk="1" fontAlgn="auto" latinLnBrk="0" hangingPunct="1">
+                      <a:pPr marL="0" marR="0" lvl="0" indent="0" algn="just" defTabSz="755934" rtl="0" eaLnBrk="1" fontAlgn="auto" latinLnBrk="0" hangingPunct="1">
                         <a:lnSpc>
                           <a:spcPct val="90000"/>
                         </a:lnSpc>
@@ -17182,7 +17012,7 @@
                         <a:defRPr/>
                       </a:pPr>
                       <a:r>
-                        <a:rPr lang="fr-FR" sz="700" b="1" kern="1200">
+                        <a:rPr lang="fr-FR" sz="700" b="1" kern="1200" dirty="0">
                           <a:solidFill>
                             <a:srgbClr val="B9A049"/>
                           </a:solidFill>
@@ -17190,11 +17020,11 @@
                           <a:ea typeface="+mn-ea"/>
                           <a:cs typeface="+mn-cs"/>
                         </a:rPr>
-                        <a:t>DATES DE REMBOURSEMENT ANTICIPÉ AUTOMATIQUE ÉVENTUEL</a:t>
+                        <a:t>Barrière de remboursement anticipé automatique</a:t>
                       </a:r>
                     </a:p>
                   </a:txBody>
-                  <a:tcPr marL="72000" marR="72000" marT="46800" marB="46800" anchor="ctr" horzOverflow="overflow">
+                  <a:tcPr marT="46800" marB="46800" anchor="ctr" horzOverflow="overflow">
                     <a:lnL w="12700" cap="flat" cmpd="sng" algn="ctr">
                       <a:solidFill>
                         <a:schemeClr val="bg1">
@@ -17275,14 +17105,33 @@
                           <a:solidFill>
                             <a:schemeClr val="tx1"/>
                           </a:solidFill>
-                          <a:highlight>
-                            <a:srgbClr val="00FFFF"/>
-                          </a:highlight>
                           <a:latin typeface="+mn-lt"/>
                           <a:ea typeface="+mn-ea"/>
                           <a:cs typeface="+mn-cs"/>
                         </a:rPr>
-                        <a:t>&lt;Datesremb1&gt;</a:t>
+                        <a:t>&lt;</a:t>
+                      </a:r>
+                      <a:r>
+                        <a:rPr lang="fr-FR" sz="700" b="0" i="0" kern="1200" dirty="0" err="1">
+                          <a:solidFill>
+                            <a:schemeClr val="tx1"/>
+                          </a:solidFill>
+                          <a:latin typeface="+mn-lt"/>
+                          <a:ea typeface="+mn-ea"/>
+                          <a:cs typeface="+mn-cs"/>
+                        </a:rPr>
+                        <a:t>dates_last_remboursement_rappel</a:t>
+                      </a:r>
+                      <a:r>
+                        <a:rPr lang="fr-FR" sz="700" b="0" i="0" kern="1200" dirty="0">
+                          <a:solidFill>
+                            <a:schemeClr val="tx1"/>
+                          </a:solidFill>
+                          <a:latin typeface="+mn-lt"/>
+                          <a:ea typeface="+mn-ea"/>
+                          <a:cs typeface="+mn-cs"/>
+                        </a:rPr>
+                        <a:t>&gt;</a:t>
                       </a:r>
                     </a:p>
                   </a:txBody>
@@ -17342,17 +17191,17 @@
                 </a:tc>
                 <a:extLst>
                   <a:ext uri="{0D108BD9-81ED-4DB2-BD59-A6C34878D82A}">
-                    <a16:rowId xmlns:a16="http://schemas.microsoft.com/office/drawing/2014/main" val="526433821"/>
+                    <a16:rowId xmlns:a16="http://schemas.microsoft.com/office/drawing/2014/main" val="703025879"/>
                   </a:ext>
                 </a:extLst>
               </a:tr>
-              <a:tr h="187500">
+              <a:tr h="0">
                 <a:tc>
                   <a:txBody>
                     <a:bodyPr/>
                     <a:lstStyle/>
                     <a:p>
-                      <a:pPr marL="0" marR="0" lvl="0" indent="0" algn="l" defTabSz="755934" rtl="0" eaLnBrk="1" fontAlgn="auto" latinLnBrk="0" hangingPunct="1">
+                      <a:pPr marL="0" marR="0" lvl="0" indent="0" algn="just" defTabSz="755934" rtl="0" eaLnBrk="1" fontAlgn="auto" latinLnBrk="0" hangingPunct="1">
                         <a:lnSpc>
                           <a:spcPct val="90000"/>
                         </a:lnSpc>
@@ -17370,7 +17219,7 @@
                         <a:defRPr/>
                       </a:pPr>
                       <a:r>
-                        <a:rPr lang="fr-FR" sz="700" b="1" kern="1200">
+                        <a:rPr lang="fr-FR" sz="700" b="1" kern="1200" dirty="0">
                           <a:solidFill>
                             <a:srgbClr val="B9A049"/>
                           </a:solidFill>
@@ -17378,7 +17227,7 @@
                           <a:ea typeface="+mn-ea"/>
                           <a:cs typeface="+mn-cs"/>
                         </a:rPr>
-                        <a:t>BARRIÈRE DE REMBOURSEMENT ANTICIPÉ AUTOMATIQUE</a:t>
+                        <a:t>Seuil de versement à l’échéance</a:t>
                       </a:r>
                     </a:p>
                   </a:txBody>
@@ -17467,7 +17316,7 @@
                           <a:ea typeface="+mn-ea"/>
                           <a:cs typeface="+mn-cs"/>
                         </a:rPr>
-                        <a:t>&lt;BAC&gt; du &lt;NDR&gt; &lt;SJR7&gt;</a:t>
+                        <a:t>&lt;BRA&gt;</a:t>
                       </a:r>
                     </a:p>
                   </a:txBody>
@@ -17527,25 +17376,25 @@
                 </a:tc>
                 <a:extLst>
                   <a:ext uri="{0D108BD9-81ED-4DB2-BD59-A6C34878D82A}">
-                    <a16:rowId xmlns:a16="http://schemas.microsoft.com/office/drawing/2014/main" val="703025879"/>
+                    <a16:rowId xmlns:a16="http://schemas.microsoft.com/office/drawing/2014/main" val="2623953943"/>
                   </a:ext>
                 </a:extLst>
               </a:tr>
-              <a:tr h="187500">
+              <a:tr h="0">
                 <a:tc>
                   <a:txBody>
                     <a:bodyPr/>
                     <a:lstStyle/>
                     <a:p>
-                      <a:pPr marL="0" marR="0" lvl="0" indent="0" algn="l" defTabSz="755934" rtl="0" eaLnBrk="1" fontAlgn="auto" latinLnBrk="0" hangingPunct="1">
+                      <a:pPr marL="0" marR="0" lvl="0" indent="0" algn="just" defTabSz="1042988" rtl="0" eaLnBrk="0" fontAlgn="base" latinLnBrk="0" hangingPunct="0">
                         <a:lnSpc>
-                          <a:spcPct val="90000"/>
+                          <a:spcPct val="88000"/>
                         </a:lnSpc>
                         <a:spcBef>
                           <a:spcPts val="0"/>
                         </a:spcBef>
                         <a:spcAft>
-                          <a:spcPts val="0"/>
+                          <a:spcPct val="0"/>
                         </a:spcAft>
                         <a:buClrTx/>
                         <a:buSzTx/>
@@ -17555,7 +17404,7 @@
                         <a:defRPr/>
                       </a:pPr>
                       <a:r>
-                        <a:rPr lang="fr-FR" sz="700" b="1" kern="1200">
+                        <a:rPr lang="fr-FR" sz="700" b="1" kern="1200" dirty="0">
                           <a:solidFill>
                             <a:srgbClr val="B9A049"/>
                           </a:solidFill>
@@ -17563,7 +17412,7 @@
                           <a:ea typeface="+mn-ea"/>
                           <a:cs typeface="+mn-cs"/>
                         </a:rPr>
-                        <a:t>BARRIÈRE DE VERSEMENT DES COUPONS</a:t>
+                        <a:t>Barrière de perte en capital</a:t>
                       </a:r>
                     </a:p>
                   </a:txBody>
@@ -17652,192 +17501,7 @@
                           <a:ea typeface="+mn-ea"/>
                           <a:cs typeface="+mn-cs"/>
                         </a:rPr>
-                        <a:t>&lt;BCPN&gt;% du &lt;NDR&gt; &lt;SJR7&gt;</a:t>
-                      </a:r>
-                    </a:p>
-                  </a:txBody>
-                  <a:tcPr marT="46800" marB="46800" anchor="ctr" horzOverflow="overflow">
-                    <a:lnL w="12700" cap="flat" cmpd="sng" algn="ctr">
-                      <a:solidFill>
-                        <a:schemeClr val="bg1"/>
-                      </a:solidFill>
-                      <a:prstDash val="solid"/>
-                      <a:round/>
-                      <a:headEnd type="none" w="med" len="med"/>
-                      <a:tailEnd type="none" w="med" len="med"/>
-                    </a:lnL>
-                    <a:lnR w="6350" cap="flat" cmpd="sng" algn="ctr">
-                      <a:solidFill>
-                        <a:schemeClr val="bg1">
-                          <a:lumMod val="65000"/>
-                        </a:schemeClr>
-                      </a:solidFill>
-                      <a:prstDash val="solid"/>
-                      <a:round/>
-                      <a:headEnd type="none" w="med" len="med"/>
-                      <a:tailEnd type="none" w="med" len="med"/>
-                    </a:lnR>
-                    <a:lnT w="6350" cap="flat" cmpd="sng" algn="ctr">
-                      <a:solidFill>
-                        <a:schemeClr val="bg1">
-                          <a:lumMod val="65000"/>
-                        </a:schemeClr>
-                      </a:solidFill>
-                      <a:prstDash val="solid"/>
-                      <a:round/>
-                      <a:headEnd type="none" w="med" len="med"/>
-                      <a:tailEnd type="none" w="med" len="med"/>
-                    </a:lnT>
-                    <a:lnB w="6350" cap="flat" cmpd="sng" algn="ctr">
-                      <a:solidFill>
-                        <a:schemeClr val="bg1">
-                          <a:lumMod val="65000"/>
-                        </a:schemeClr>
-                      </a:solidFill>
-                      <a:prstDash val="solid"/>
-                      <a:round/>
-                      <a:headEnd type="none" w="med" len="med"/>
-                      <a:tailEnd type="none" w="med" len="med"/>
-                    </a:lnB>
-                    <a:lnTlToBr w="12700" cmpd="sng">
-                      <a:noFill/>
-                      <a:prstDash val="solid"/>
-                    </a:lnTlToBr>
-                    <a:lnBlToTr w="12700" cmpd="sng">
-                      <a:noFill/>
-                      <a:prstDash val="solid"/>
-                    </a:lnBlToTr>
-                    <a:noFill/>
-                  </a:tcPr>
-                </a:tc>
-                <a:extLst>
-                  <a:ext uri="{0D108BD9-81ED-4DB2-BD59-A6C34878D82A}">
-                    <a16:rowId xmlns:a16="http://schemas.microsoft.com/office/drawing/2014/main" val="1756391511"/>
-                  </a:ext>
-                </a:extLst>
-              </a:tr>
-              <a:tr h="185365">
-                <a:tc>
-                  <a:txBody>
-                    <a:bodyPr/>
-                    <a:lstStyle/>
-                    <a:p>
-                      <a:pPr marL="0" marR="0" lvl="0" indent="0" algn="l" defTabSz="1042988" rtl="0" eaLnBrk="0" fontAlgn="base" latinLnBrk="0" hangingPunct="0">
-                        <a:lnSpc>
-                          <a:spcPct val="88000"/>
-                        </a:lnSpc>
-                        <a:spcBef>
-                          <a:spcPts val="0"/>
-                        </a:spcBef>
-                        <a:spcAft>
-                          <a:spcPct val="0"/>
-                        </a:spcAft>
-                        <a:buClrTx/>
-                        <a:buSzTx/>
-                        <a:buFontTx/>
-                        <a:buNone/>
-                        <a:tabLst/>
-                        <a:defRPr/>
-                      </a:pPr>
-                      <a:r>
-                        <a:rPr lang="fr-FR" sz="700" b="1" kern="1200">
-                          <a:solidFill>
-                            <a:srgbClr val="B9A049"/>
-                          </a:solidFill>
-                          <a:latin typeface="+mn-lt"/>
-                          <a:ea typeface="+mn-ea"/>
-                          <a:cs typeface="+mn-cs"/>
-                        </a:rPr>
-                        <a:t>BARRIÈRE DE PERTE EN CAPITAL À L’ÉCHÉANCE</a:t>
-                      </a:r>
-                    </a:p>
-                  </a:txBody>
-                  <a:tcPr marT="46800" marB="46800" anchor="ctr" horzOverflow="overflow">
-                    <a:lnL w="12700" cap="flat" cmpd="sng" algn="ctr">
-                      <a:solidFill>
-                        <a:schemeClr val="bg1">
-                          <a:lumMod val="85000"/>
-                        </a:schemeClr>
-                      </a:solidFill>
-                      <a:prstDash val="solid"/>
-                      <a:round/>
-                      <a:headEnd type="none" w="med" len="med"/>
-                      <a:tailEnd type="none" w="med" len="med"/>
-                    </a:lnL>
-                    <a:lnR w="12700" cap="flat" cmpd="sng" algn="ctr">
-                      <a:solidFill>
-                        <a:schemeClr val="bg1"/>
-                      </a:solidFill>
-                      <a:prstDash val="solid"/>
-                      <a:round/>
-                      <a:headEnd type="none" w="med" len="med"/>
-                      <a:tailEnd type="none" w="med" len="med"/>
-                    </a:lnR>
-                    <a:lnT w="12700" cap="flat" cmpd="sng" algn="ctr">
-                      <a:solidFill>
-                        <a:schemeClr val="bg1"/>
-                      </a:solidFill>
-                      <a:prstDash val="solid"/>
-                      <a:round/>
-                      <a:headEnd type="none" w="med" len="med"/>
-                      <a:tailEnd type="none" w="med" len="med"/>
-                    </a:lnT>
-                    <a:lnB w="12700" cap="flat" cmpd="sng" algn="ctr">
-                      <a:solidFill>
-                        <a:schemeClr val="bg1"/>
-                      </a:solidFill>
-                      <a:prstDash val="solid"/>
-                      <a:round/>
-                      <a:headEnd type="none" w="med" len="med"/>
-                      <a:tailEnd type="none" w="med" len="med"/>
-                    </a:lnB>
-                    <a:lnTlToBr w="12700" cmpd="sng">
-                      <a:noFill/>
-                      <a:prstDash val="solid"/>
-                    </a:lnTlToBr>
-                    <a:lnBlToTr w="12700" cmpd="sng">
-                      <a:noFill/>
-                      <a:prstDash val="solid"/>
-                    </a:lnBlToTr>
-                    <a:solidFill>
-                      <a:schemeClr val="bg1">
-                        <a:lumMod val="95000"/>
-                      </a:schemeClr>
-                    </a:solidFill>
-                  </a:tcPr>
-                </a:tc>
-                <a:tc>
-                  <a:txBody>
-                    <a:bodyPr/>
-                    <a:lstStyle/>
-                    <a:p>
-                      <a:pPr marL="0" marR="0" lvl="0" indent="0" algn="just" defTabSz="755934" rtl="0" eaLnBrk="1" fontAlgn="base" latinLnBrk="0" hangingPunct="1">
-                        <a:lnSpc>
-                          <a:spcPct val="88000"/>
-                        </a:lnSpc>
-                        <a:spcBef>
-                          <a:spcPts val="0"/>
-                        </a:spcBef>
-                        <a:spcAft>
-                          <a:spcPct val="0"/>
-                        </a:spcAft>
-                        <a:buClrTx/>
-                        <a:buSzTx/>
-                        <a:buFontTx/>
-                        <a:buNone/>
-                        <a:tabLst/>
-                        <a:defRPr/>
-                      </a:pPr>
-                      <a:r>
-                        <a:rPr lang="fr-FR" sz="700" b="0" i="0" kern="1200" dirty="0">
-                          <a:solidFill>
-                            <a:schemeClr val="tx1"/>
-                          </a:solidFill>
-                          <a:latin typeface="+mn-lt"/>
-                          <a:ea typeface="+mn-ea"/>
-                          <a:cs typeface="+mn-cs"/>
-                        </a:rPr>
-                        <a:t>&lt;PDI&gt; du &lt;NDR&gt; &lt;SJR7&gt;</a:t>
+                        <a:t>&lt;BVC&gt;</a:t>
                       </a:r>
                     </a:p>
                   </a:txBody>
@@ -17901,13 +17565,13 @@
                   </a:ext>
                 </a:extLst>
               </a:tr>
-              <a:tr h="198049">
+              <a:tr h="0">
                 <a:tc>
                   <a:txBody>
                     <a:bodyPr/>
                     <a:lstStyle/>
                     <a:p>
-                      <a:pPr marL="0" marR="0" lvl="0" indent="0" algn="l" defTabSz="755934" rtl="0" eaLnBrk="1" fontAlgn="auto" latinLnBrk="0" hangingPunct="1">
+                      <a:pPr marL="0" marR="0" lvl="0" indent="0" algn="just" defTabSz="755934" rtl="0" eaLnBrk="1" fontAlgn="auto" latinLnBrk="0" hangingPunct="1">
                         <a:lnSpc>
                           <a:spcPct val="90000"/>
                         </a:lnSpc>
@@ -17933,7 +17597,7 @@
                           <a:ea typeface="+mn-ea"/>
                           <a:cs typeface="+mn-cs"/>
                         </a:rPr>
-                        <a:t>COMMISSION DE SOUSCRIPTION/RACHAT</a:t>
+                        <a:t>Commission de souscription/rachat</a:t>
                       </a:r>
                     </a:p>
                   </a:txBody>
@@ -18086,13 +17750,13 @@
                   </a:ext>
                 </a:extLst>
               </a:tr>
-              <a:tr h="198049">
+              <a:tr h="0">
                 <a:tc>
                   <a:txBody>
                     <a:bodyPr/>
                     <a:lstStyle/>
                     <a:p>
-                      <a:pPr marL="0" marR="0" lvl="0" indent="0" algn="l" defTabSz="755934" rtl="0" eaLnBrk="1" fontAlgn="auto" latinLnBrk="0" hangingPunct="1">
+                      <a:pPr marL="0" marR="0" lvl="0" indent="0" algn="just" defTabSz="755934" rtl="0" eaLnBrk="1" fontAlgn="auto" latinLnBrk="0" hangingPunct="1">
                         <a:lnSpc>
                           <a:spcPct val="90000"/>
                         </a:lnSpc>
@@ -18118,7 +17782,192 @@
                           <a:ea typeface="+mn-ea"/>
                           <a:cs typeface="+mn-cs"/>
                         </a:rPr>
-                        <a:t>ÉLIGIBILITÉ</a:t>
+                        <a:t>Éligibilité</a:t>
+                      </a:r>
+                    </a:p>
+                  </a:txBody>
+                  <a:tcPr marT="46800" marB="46800" anchor="ctr" horzOverflow="overflow">
+                    <a:lnL w="12700" cap="flat" cmpd="sng" algn="ctr">
+                      <a:solidFill>
+                        <a:schemeClr val="bg1">
+                          <a:lumMod val="85000"/>
+                        </a:schemeClr>
+                      </a:solidFill>
+                      <a:prstDash val="solid"/>
+                      <a:round/>
+                      <a:headEnd type="none" w="med" len="med"/>
+                      <a:tailEnd type="none" w="med" len="med"/>
+                    </a:lnL>
+                    <a:lnR w="12700" cap="flat" cmpd="sng" algn="ctr">
+                      <a:solidFill>
+                        <a:schemeClr val="bg1"/>
+                      </a:solidFill>
+                      <a:prstDash val="solid"/>
+                      <a:round/>
+                      <a:headEnd type="none" w="med" len="med"/>
+                      <a:tailEnd type="none" w="med" len="med"/>
+                    </a:lnR>
+                    <a:lnT w="12700" cap="flat" cmpd="sng" algn="ctr">
+                      <a:solidFill>
+                        <a:schemeClr val="bg1"/>
+                      </a:solidFill>
+                      <a:prstDash val="solid"/>
+                      <a:round/>
+                      <a:headEnd type="none" w="med" len="med"/>
+                      <a:tailEnd type="none" w="med" len="med"/>
+                    </a:lnT>
+                    <a:lnB w="12700" cap="flat" cmpd="sng" algn="ctr">
+                      <a:solidFill>
+                        <a:schemeClr val="bg1"/>
+                      </a:solidFill>
+                      <a:prstDash val="solid"/>
+                      <a:round/>
+                      <a:headEnd type="none" w="med" len="med"/>
+                      <a:tailEnd type="none" w="med" len="med"/>
+                    </a:lnB>
+                    <a:lnTlToBr w="12700" cmpd="sng">
+                      <a:noFill/>
+                      <a:prstDash val="solid"/>
+                    </a:lnTlToBr>
+                    <a:lnBlToTr w="12700" cmpd="sng">
+                      <a:noFill/>
+                      <a:prstDash val="solid"/>
+                    </a:lnBlToTr>
+                    <a:solidFill>
+                      <a:schemeClr val="bg1">
+                        <a:lumMod val="95000"/>
+                      </a:schemeClr>
+                    </a:solidFill>
+                  </a:tcPr>
+                </a:tc>
+                <a:tc>
+                  <a:txBody>
+                    <a:bodyPr/>
+                    <a:lstStyle/>
+                    <a:p>
+                      <a:pPr marL="0" marR="0" lvl="0" indent="0" algn="just" defTabSz="755934" rtl="0" eaLnBrk="1" fontAlgn="base" latinLnBrk="0" hangingPunct="1">
+                        <a:lnSpc>
+                          <a:spcPct val="100000"/>
+                        </a:lnSpc>
+                        <a:spcBef>
+                          <a:spcPts val="0"/>
+                        </a:spcBef>
+                        <a:spcAft>
+                          <a:spcPct val="0"/>
+                        </a:spcAft>
+                        <a:buClrTx/>
+                        <a:buSzTx/>
+                        <a:buFontTx/>
+                        <a:buNone/>
+                        <a:tabLst/>
+                        <a:defRPr/>
+                      </a:pPr>
+                      <a:r>
+                        <a:rPr lang="fr-FR" sz="700" b="0" i="0" kern="1200" dirty="0">
+                          <a:solidFill>
+                            <a:schemeClr val="tx1"/>
+                          </a:solidFill>
+                          <a:latin typeface="+mn-lt"/>
+                          <a:ea typeface="+mn-ea"/>
+                          <a:cs typeface="+mn-cs"/>
+                        </a:rPr>
+                        <a:t>Néant</a:t>
+                      </a:r>
+                    </a:p>
+                  </a:txBody>
+                  <a:tcPr marT="46800" marB="46800" anchor="ctr" horzOverflow="overflow">
+                    <a:lnL w="12700" cap="flat" cmpd="sng" algn="ctr">
+                      <a:solidFill>
+                        <a:schemeClr val="bg1"/>
+                      </a:solidFill>
+                      <a:prstDash val="solid"/>
+                      <a:round/>
+                      <a:headEnd type="none" w="med" len="med"/>
+                      <a:tailEnd type="none" w="med" len="med"/>
+                    </a:lnL>
+                    <a:lnR w="6350" cap="flat" cmpd="sng" algn="ctr">
+                      <a:solidFill>
+                        <a:schemeClr val="bg1">
+                          <a:lumMod val="65000"/>
+                        </a:schemeClr>
+                      </a:solidFill>
+                      <a:prstDash val="solid"/>
+                      <a:round/>
+                      <a:headEnd type="none" w="med" len="med"/>
+                      <a:tailEnd type="none" w="med" len="med"/>
+                    </a:lnR>
+                    <a:lnT w="6350" cap="flat" cmpd="sng" algn="ctr">
+                      <a:solidFill>
+                        <a:schemeClr val="bg1">
+                          <a:lumMod val="65000"/>
+                        </a:schemeClr>
+                      </a:solidFill>
+                      <a:prstDash val="solid"/>
+                      <a:round/>
+                      <a:headEnd type="none" w="med" len="med"/>
+                      <a:tailEnd type="none" w="med" len="med"/>
+                    </a:lnT>
+                    <a:lnB w="6350" cap="flat" cmpd="sng" algn="ctr">
+                      <a:solidFill>
+                        <a:schemeClr val="bg1">
+                          <a:lumMod val="65000"/>
+                        </a:schemeClr>
+                      </a:solidFill>
+                      <a:prstDash val="solid"/>
+                      <a:round/>
+                      <a:headEnd type="none" w="med" len="med"/>
+                      <a:tailEnd type="none" w="med" len="med"/>
+                    </a:lnB>
+                    <a:lnTlToBr w="12700" cmpd="sng">
+                      <a:noFill/>
+                      <a:prstDash val="solid"/>
+                    </a:lnTlToBr>
+                    <a:lnBlToTr w="12700" cmpd="sng">
+                      <a:noFill/>
+                      <a:prstDash val="solid"/>
+                    </a:lnBlToTr>
+                    <a:noFill/>
+                  </a:tcPr>
+                </a:tc>
+                <a:extLst>
+                  <a:ext uri="{0D108BD9-81ED-4DB2-BD59-A6C34878D82A}">
+                    <a16:rowId xmlns:a16="http://schemas.microsoft.com/office/drawing/2014/main" val="1706872890"/>
+                  </a:ext>
+                </a:extLst>
+              </a:tr>
+              <a:tr h="0">
+                <a:tc>
+                  <a:txBody>
+                    <a:bodyPr/>
+                    <a:lstStyle/>
+                    <a:p>
+                      <a:pPr marL="0" marR="0" lvl="0" indent="0" algn="just" defTabSz="755934" rtl="0" eaLnBrk="1" fontAlgn="auto" latinLnBrk="0" hangingPunct="1">
+                        <a:lnSpc>
+                          <a:spcPct val="90000"/>
+                        </a:lnSpc>
+                        <a:spcBef>
+                          <a:spcPts val="0"/>
+                        </a:spcBef>
+                        <a:spcAft>
+                          <a:spcPts val="0"/>
+                        </a:spcAft>
+                        <a:buClrTx/>
+                        <a:buSzTx/>
+                        <a:buFontTx/>
+                        <a:buNone/>
+                        <a:tabLst/>
+                        <a:defRPr/>
+                      </a:pPr>
+                      <a:r>
+                        <a:rPr lang="fr-FR" sz="700" b="1" kern="1200" dirty="0">
+                          <a:solidFill>
+                            <a:srgbClr val="B9A049"/>
+                          </a:solidFill>
+                          <a:latin typeface="+mn-lt"/>
+                          <a:ea typeface="+mn-ea"/>
+                          <a:cs typeface="+mn-cs"/>
+                        </a:rPr>
+                        <a:t>Frais d’investissement</a:t>
                       </a:r>
                     </a:p>
                   </a:txBody>
@@ -18200,9 +18049,9 @@
                       <a:r>
                         <a:rPr lang="fr-FR" sz="700" cap="none" dirty="0">
                           <a:solidFill>
-                            <a:schemeClr val="tx2"/>
+                            <a:schemeClr val="tx1"/>
                           </a:solidFill>
-                          <a:latin typeface="Proxima Nova Rg" panose="02000506030000020004" pitchFamily="2" charset="0"/>
+                          <a:latin typeface="+mn-lt"/>
                         </a:rPr>
                         <a:t>Comptes-titres, contrats d’assurance vie et de capitalisation</a:t>
                       </a:r>
@@ -18272,17 +18121,17 @@
                 </a:tc>
                 <a:extLst>
                   <a:ext uri="{0D108BD9-81ED-4DB2-BD59-A6C34878D82A}">
-                    <a16:rowId xmlns:a16="http://schemas.microsoft.com/office/drawing/2014/main" val="1706872890"/>
+                    <a16:rowId xmlns:a16="http://schemas.microsoft.com/office/drawing/2014/main" val="1049849711"/>
                   </a:ext>
                 </a:extLst>
               </a:tr>
-              <a:tr h="198049">
+              <a:tr h="198679">
                 <a:tc>
                   <a:txBody>
                     <a:bodyPr/>
                     <a:lstStyle/>
                     <a:p>
-                      <a:pPr marL="0" marR="0" lvl="0" indent="0" algn="l" defTabSz="755934" rtl="0" eaLnBrk="1" fontAlgn="auto" latinLnBrk="0" hangingPunct="1">
+                      <a:pPr marL="0" marR="0" lvl="0" indent="0" algn="just" defTabSz="755934" rtl="0" eaLnBrk="1" fontAlgn="auto" latinLnBrk="0" hangingPunct="1">
                         <a:lnSpc>
                           <a:spcPct val="90000"/>
                         </a:lnSpc>
@@ -18300,7 +18149,7 @@
                         <a:defRPr/>
                       </a:pPr>
                       <a:r>
-                        <a:rPr lang="fr-FR" sz="700" b="1" kern="1200" dirty="0">
+                        <a:rPr lang="fr-FR" sz="700" b="1" kern="1200">
                           <a:solidFill>
                             <a:srgbClr val="B9A049"/>
                           </a:solidFill>
@@ -18308,7 +18157,7 @@
                           <a:ea typeface="+mn-ea"/>
                           <a:cs typeface="+mn-cs"/>
                         </a:rPr>
-                        <a:t>OFFRE AU PUBLIC DONNANT LIEU À LA PUBLICATION D’UN PROSPECTUS </a:t>
+                        <a:t>Cotation</a:t>
                       </a:r>
                     </a:p>
                   </a:txBody>
@@ -18396,7 +18245,7 @@
                           <a:ea typeface="+mn-ea"/>
                           <a:cs typeface="+mn-cs"/>
                         </a:rPr>
-                        <a:t>&lt;OUI SI APE/ NON SINON&gt;</a:t>
+                        <a:t>Selon les supports et les contrats. Veuillez contacter le distributeur pour plus de précisions.</a:t>
                       </a:r>
                     </a:p>
                   </a:txBody>
@@ -18456,17 +18305,17 @@
                 </a:tc>
                 <a:extLst>
                   <a:ext uri="{0D108BD9-81ED-4DB2-BD59-A6C34878D82A}">
-                    <a16:rowId xmlns:a16="http://schemas.microsoft.com/office/drawing/2014/main" val="2751249737"/>
+                    <a16:rowId xmlns:a16="http://schemas.microsoft.com/office/drawing/2014/main" val="1028494538"/>
                   </a:ext>
                 </a:extLst>
               </a:tr>
-              <a:tr h="198049">
+              <a:tr h="232814">
                 <a:tc>
                   <a:txBody>
                     <a:bodyPr/>
                     <a:lstStyle/>
                     <a:p>
-                      <a:pPr marL="0" marR="0" lvl="0" indent="0" algn="l" defTabSz="755934" rtl="0" eaLnBrk="1" fontAlgn="auto" latinLnBrk="0" hangingPunct="1">
+                      <a:pPr marL="0" marR="0" lvl="0" indent="0" algn="just" defTabSz="755934" rtl="0" eaLnBrk="1" fontAlgn="auto" latinLnBrk="0" hangingPunct="1">
                         <a:lnSpc>
                           <a:spcPct val="90000"/>
                         </a:lnSpc>
@@ -18492,191 +18341,7 @@
                           <a:ea typeface="+mn-ea"/>
                           <a:cs typeface="+mn-cs"/>
                         </a:rPr>
-                        <a:t>FRAIS D’INVESTISSEMENT</a:t>
-                      </a:r>
-                    </a:p>
-                  </a:txBody>
-                  <a:tcPr marT="46800" marB="46800" anchor="ctr" horzOverflow="overflow">
-                    <a:lnL w="12700" cap="flat" cmpd="sng" algn="ctr">
-                      <a:solidFill>
-                        <a:schemeClr val="bg1">
-                          <a:lumMod val="85000"/>
-                        </a:schemeClr>
-                      </a:solidFill>
-                      <a:prstDash val="solid"/>
-                      <a:round/>
-                      <a:headEnd type="none" w="med" len="med"/>
-                      <a:tailEnd type="none" w="med" len="med"/>
-                    </a:lnL>
-                    <a:lnR w="12700" cap="flat" cmpd="sng" algn="ctr">
-                      <a:solidFill>
-                        <a:schemeClr val="bg1"/>
-                      </a:solidFill>
-                      <a:prstDash val="solid"/>
-                      <a:round/>
-                      <a:headEnd type="none" w="med" len="med"/>
-                      <a:tailEnd type="none" w="med" len="med"/>
-                    </a:lnR>
-                    <a:lnT w="12700" cap="flat" cmpd="sng" algn="ctr">
-                      <a:solidFill>
-                        <a:schemeClr val="bg1"/>
-                      </a:solidFill>
-                      <a:prstDash val="solid"/>
-                      <a:round/>
-                      <a:headEnd type="none" w="med" len="med"/>
-                      <a:tailEnd type="none" w="med" len="med"/>
-                    </a:lnT>
-                    <a:lnB w="12700" cap="flat" cmpd="sng" algn="ctr">
-                      <a:solidFill>
-                        <a:schemeClr val="bg1"/>
-                      </a:solidFill>
-                      <a:prstDash val="solid"/>
-                      <a:round/>
-                      <a:headEnd type="none" w="med" len="med"/>
-                      <a:tailEnd type="none" w="med" len="med"/>
-                    </a:lnB>
-                    <a:lnTlToBr w="12700" cmpd="sng">
-                      <a:noFill/>
-                      <a:prstDash val="solid"/>
-                    </a:lnTlToBr>
-                    <a:lnBlToTr w="12700" cmpd="sng">
-                      <a:noFill/>
-                      <a:prstDash val="solid"/>
-                    </a:lnBlToTr>
-                    <a:solidFill>
-                      <a:schemeClr val="bg1">
-                        <a:lumMod val="95000"/>
-                      </a:schemeClr>
-                    </a:solidFill>
-                  </a:tcPr>
-                </a:tc>
-                <a:tc>
-                  <a:txBody>
-                    <a:bodyPr/>
-                    <a:lstStyle/>
-                    <a:p>
-                      <a:pPr marL="0" marR="0" lvl="0" indent="0" algn="just" defTabSz="755934" rtl="0" eaLnBrk="1" fontAlgn="base" latinLnBrk="0" hangingPunct="1">
-                        <a:lnSpc>
-                          <a:spcPct val="100000"/>
-                        </a:lnSpc>
-                        <a:spcBef>
-                          <a:spcPct val="0"/>
-                        </a:spcBef>
-                        <a:spcAft>
-                          <a:spcPct val="0"/>
-                        </a:spcAft>
-                        <a:buClrTx/>
-                        <a:buSzTx/>
-                        <a:buFontTx/>
-                        <a:buNone/>
-                        <a:tabLst/>
-                      </a:pPr>
-                      <a:r>
-                        <a:rPr lang="fr-FR" sz="700" b="0" i="0" kern="1200">
-                          <a:solidFill>
-                            <a:schemeClr val="tx1"/>
-                          </a:solidFill>
-                          <a:latin typeface="+mn-lt"/>
-                          <a:ea typeface="+mn-ea"/>
-                          <a:cs typeface="+mn-cs"/>
-                        </a:rPr>
-                        <a:t>Selon les supports et les contrats. Veuillez contacter le distributeur pour plus de précisions.</a:t>
-                      </a:r>
-                    </a:p>
-                  </a:txBody>
-                  <a:tcPr marT="46800" marB="46800" anchor="ctr" horzOverflow="overflow">
-                    <a:lnL w="12700" cap="flat" cmpd="sng" algn="ctr">
-                      <a:solidFill>
-                        <a:schemeClr val="bg1"/>
-                      </a:solidFill>
-                      <a:prstDash val="solid"/>
-                      <a:round/>
-                      <a:headEnd type="none" w="med" len="med"/>
-                      <a:tailEnd type="none" w="med" len="med"/>
-                    </a:lnL>
-                    <a:lnR w="6350" cap="flat" cmpd="sng" algn="ctr">
-                      <a:solidFill>
-                        <a:schemeClr val="bg1">
-                          <a:lumMod val="65000"/>
-                        </a:schemeClr>
-                      </a:solidFill>
-                      <a:prstDash val="solid"/>
-                      <a:round/>
-                      <a:headEnd type="none" w="med" len="med"/>
-                      <a:tailEnd type="none" w="med" len="med"/>
-                    </a:lnR>
-                    <a:lnT w="6350" cap="flat" cmpd="sng" algn="ctr">
-                      <a:solidFill>
-                        <a:schemeClr val="bg1">
-                          <a:lumMod val="65000"/>
-                        </a:schemeClr>
-                      </a:solidFill>
-                      <a:prstDash val="solid"/>
-                      <a:round/>
-                      <a:headEnd type="none" w="med" len="med"/>
-                      <a:tailEnd type="none" w="med" len="med"/>
-                    </a:lnT>
-                    <a:lnB w="6350" cap="flat" cmpd="sng" algn="ctr">
-                      <a:solidFill>
-                        <a:schemeClr val="bg1">
-                          <a:lumMod val="65000"/>
-                        </a:schemeClr>
-                      </a:solidFill>
-                      <a:prstDash val="solid"/>
-                      <a:round/>
-                      <a:headEnd type="none" w="med" len="med"/>
-                      <a:tailEnd type="none" w="med" len="med"/>
-                    </a:lnB>
-                    <a:lnTlToBr w="12700" cmpd="sng">
-                      <a:noFill/>
-                      <a:prstDash val="solid"/>
-                    </a:lnTlToBr>
-                    <a:lnBlToTr w="12700" cmpd="sng">
-                      <a:noFill/>
-                      <a:prstDash val="solid"/>
-                    </a:lnBlToTr>
-                    <a:noFill/>
-                  </a:tcPr>
-                </a:tc>
-                <a:extLst>
-                  <a:ext uri="{0D108BD9-81ED-4DB2-BD59-A6C34878D82A}">
-                    <a16:rowId xmlns:a16="http://schemas.microsoft.com/office/drawing/2014/main" val="1049849711"/>
-                  </a:ext>
-                </a:extLst>
-              </a:tr>
-              <a:tr h="198049">
-                <a:tc>
-                  <a:txBody>
-                    <a:bodyPr/>
-                    <a:lstStyle/>
-                    <a:p>
-                      <a:pPr marL="0" marR="0" lvl="0" indent="0" algn="l" defTabSz="755934" rtl="0" eaLnBrk="1" fontAlgn="auto" latinLnBrk="0" hangingPunct="1">
-                        <a:lnSpc>
-                          <a:spcPct val="90000"/>
-                        </a:lnSpc>
-                        <a:spcBef>
-                          <a:spcPts val="0"/>
-                        </a:spcBef>
-                        <a:spcAft>
-                          <a:spcPts val="0"/>
-                        </a:spcAft>
-                        <a:buClrTx/>
-                        <a:buSzTx/>
-                        <a:buFontTx/>
-                        <a:buNone/>
-                        <a:tabLst/>
-                        <a:defRPr/>
-                      </a:pPr>
-                      <a:r>
-                        <a:rPr lang="fr-FR" sz="700" b="1" kern="1200">
-                          <a:solidFill>
-                            <a:srgbClr val="B9A049"/>
-                          </a:solidFill>
-                          <a:latin typeface="+mn-lt"/>
-                          <a:ea typeface="+mn-ea"/>
-                          <a:cs typeface="+mn-cs"/>
-                        </a:rPr>
-                        <a:t>COTATION</a:t>
+                        <a:t>Offre au public</a:t>
                       </a:r>
                     </a:p>
                   </a:txBody>
@@ -18825,17 +18490,17 @@
                 </a:tc>
                 <a:extLst>
                   <a:ext uri="{0D108BD9-81ED-4DB2-BD59-A6C34878D82A}">
-                    <a16:rowId xmlns:a16="http://schemas.microsoft.com/office/drawing/2014/main" val="1028494538"/>
+                    <a16:rowId xmlns:a16="http://schemas.microsoft.com/office/drawing/2014/main" val="3544161330"/>
                   </a:ext>
                 </a:extLst>
               </a:tr>
-              <a:tr h="377385">
+              <a:tr h="232814">
                 <a:tc>
                   <a:txBody>
                     <a:bodyPr/>
                     <a:lstStyle/>
                     <a:p>
-                      <a:pPr marL="0" marR="0" lvl="0" indent="0" algn="l" defTabSz="755934" rtl="0" eaLnBrk="1" fontAlgn="auto" latinLnBrk="0" hangingPunct="1">
+                      <a:pPr marL="0" marR="0" lvl="0" indent="0" algn="just" defTabSz="755934" rtl="0" eaLnBrk="1" fontAlgn="auto" latinLnBrk="0" hangingPunct="1">
                         <a:lnSpc>
                           <a:spcPct val="90000"/>
                         </a:lnSpc>
@@ -18861,7 +18526,379 @@
                           <a:ea typeface="+mn-ea"/>
                           <a:cs typeface="+mn-cs"/>
                         </a:rPr>
-                        <a:t>COMMISSION DE DISTRIBUTION</a:t>
+                        <a:t>Commission de distribution</a:t>
+                      </a:r>
+                    </a:p>
+                  </a:txBody>
+                  <a:tcPr marT="46800" marB="46800" anchor="ctr" horzOverflow="overflow">
+                    <a:lnL w="12700" cap="flat" cmpd="sng" algn="ctr">
+                      <a:solidFill>
+                        <a:schemeClr val="bg1">
+                          <a:lumMod val="85000"/>
+                        </a:schemeClr>
+                      </a:solidFill>
+                      <a:prstDash val="solid"/>
+                      <a:round/>
+                      <a:headEnd type="none" w="med" len="med"/>
+                      <a:tailEnd type="none" w="med" len="med"/>
+                    </a:lnL>
+                    <a:lnR w="12700" cap="flat" cmpd="sng" algn="ctr">
+                      <a:solidFill>
+                        <a:schemeClr val="bg1"/>
+                      </a:solidFill>
+                      <a:prstDash val="solid"/>
+                      <a:round/>
+                      <a:headEnd type="none" w="med" len="med"/>
+                      <a:tailEnd type="none" w="med" len="med"/>
+                    </a:lnR>
+                    <a:lnT w="12700" cap="flat" cmpd="sng" algn="ctr">
+                      <a:solidFill>
+                        <a:schemeClr val="bg1"/>
+                      </a:solidFill>
+                      <a:prstDash val="solid"/>
+                      <a:round/>
+                      <a:headEnd type="none" w="med" len="med"/>
+                      <a:tailEnd type="none" w="med" len="med"/>
+                    </a:lnT>
+                    <a:lnB w="12700" cap="flat" cmpd="sng" algn="ctr">
+                      <a:solidFill>
+                        <a:schemeClr val="bg1"/>
+                      </a:solidFill>
+                      <a:prstDash val="solid"/>
+                      <a:round/>
+                      <a:headEnd type="none" w="med" len="med"/>
+                      <a:tailEnd type="none" w="med" len="med"/>
+                    </a:lnB>
+                    <a:lnTlToBr w="12700" cmpd="sng">
+                      <a:noFill/>
+                      <a:prstDash val="solid"/>
+                    </a:lnTlToBr>
+                    <a:lnBlToTr w="12700" cmpd="sng">
+                      <a:noFill/>
+                      <a:prstDash val="solid"/>
+                    </a:lnBlToTr>
+                    <a:solidFill>
+                      <a:schemeClr val="bg1">
+                        <a:lumMod val="95000"/>
+                      </a:schemeClr>
+                    </a:solidFill>
+                  </a:tcPr>
+                </a:tc>
+                <a:tc>
+                  <a:txBody>
+                    <a:bodyPr/>
+                    <a:lstStyle/>
+                    <a:p>
+                      <a:pPr marL="0" marR="0" lvl="0" indent="0" algn="just" defTabSz="755934" rtl="0" eaLnBrk="1" fontAlgn="base" latinLnBrk="0" hangingPunct="1">
+                        <a:lnSpc>
+                          <a:spcPct val="100000"/>
+                        </a:lnSpc>
+                        <a:spcBef>
+                          <a:spcPct val="0"/>
+                        </a:spcBef>
+                        <a:spcAft>
+                          <a:spcPct val="0"/>
+                        </a:spcAft>
+                        <a:buClrTx/>
+                        <a:buSzTx/>
+                        <a:buFontTx/>
+                        <a:buNone/>
+                        <a:tabLst/>
+                      </a:pPr>
+                      <a:endParaRPr lang="fr-FR" sz="700" b="0" i="0" kern="1200" dirty="0">
+                        <a:solidFill>
+                          <a:schemeClr val="tx1"/>
+                        </a:solidFill>
+                        <a:latin typeface="+mn-lt"/>
+                        <a:ea typeface="+mn-ea"/>
+                        <a:cs typeface="+mn-cs"/>
+                      </a:endParaRPr>
+                    </a:p>
+                  </a:txBody>
+                  <a:tcPr marT="46800" marB="46800" anchor="ctr" horzOverflow="overflow">
+                    <a:lnL w="12700" cap="flat" cmpd="sng" algn="ctr">
+                      <a:solidFill>
+                        <a:schemeClr val="bg1"/>
+                      </a:solidFill>
+                      <a:prstDash val="solid"/>
+                      <a:round/>
+                      <a:headEnd type="none" w="med" len="med"/>
+                      <a:tailEnd type="none" w="med" len="med"/>
+                    </a:lnL>
+                    <a:lnR w="6350" cap="flat" cmpd="sng" algn="ctr">
+                      <a:solidFill>
+                        <a:schemeClr val="bg1">
+                          <a:lumMod val="65000"/>
+                        </a:schemeClr>
+                      </a:solidFill>
+                      <a:prstDash val="solid"/>
+                      <a:round/>
+                      <a:headEnd type="none" w="med" len="med"/>
+                      <a:tailEnd type="none" w="med" len="med"/>
+                    </a:lnR>
+                    <a:lnT w="6350" cap="flat" cmpd="sng" algn="ctr">
+                      <a:solidFill>
+                        <a:schemeClr val="bg1">
+                          <a:lumMod val="65000"/>
+                        </a:schemeClr>
+                      </a:solidFill>
+                      <a:prstDash val="solid"/>
+                      <a:round/>
+                      <a:headEnd type="none" w="med" len="med"/>
+                      <a:tailEnd type="none" w="med" len="med"/>
+                    </a:lnT>
+                    <a:lnB w="6350" cap="flat" cmpd="sng" algn="ctr">
+                      <a:solidFill>
+                        <a:schemeClr val="bg1">
+                          <a:lumMod val="65000"/>
+                        </a:schemeClr>
+                      </a:solidFill>
+                      <a:prstDash val="solid"/>
+                      <a:round/>
+                      <a:headEnd type="none" w="med" len="med"/>
+                      <a:tailEnd type="none" w="med" len="med"/>
+                    </a:lnB>
+                    <a:lnTlToBr w="12700" cmpd="sng">
+                      <a:noFill/>
+                      <a:prstDash val="solid"/>
+                    </a:lnTlToBr>
+                    <a:lnBlToTr w="12700" cmpd="sng">
+                      <a:noFill/>
+                      <a:prstDash val="solid"/>
+                    </a:lnBlToTr>
+                    <a:noFill/>
+                  </a:tcPr>
+                </a:tc>
+                <a:extLst>
+                  <a:ext uri="{0D108BD9-81ED-4DB2-BD59-A6C34878D82A}">
+                    <a16:rowId xmlns:a16="http://schemas.microsoft.com/office/drawing/2014/main" val="4287158974"/>
+                  </a:ext>
+                </a:extLst>
+              </a:tr>
+              <a:tr h="0">
+                <a:tc>
+                  <a:txBody>
+                    <a:bodyPr/>
+                    <a:lstStyle/>
+                    <a:p>
+                      <a:pPr marL="0" marR="0" lvl="0" indent="0" algn="just" defTabSz="755934" rtl="0" eaLnBrk="1" fontAlgn="auto" latinLnBrk="0" hangingPunct="1">
+                        <a:lnSpc>
+                          <a:spcPct val="90000"/>
+                        </a:lnSpc>
+                        <a:spcBef>
+                          <a:spcPts val="0"/>
+                        </a:spcBef>
+                        <a:spcAft>
+                          <a:spcPts val="0"/>
+                        </a:spcAft>
+                        <a:buClrTx/>
+                        <a:buSzTx/>
+                        <a:buFontTx/>
+                        <a:buNone/>
+                        <a:tabLst/>
+                        <a:defRPr/>
+                      </a:pPr>
+                      <a:r>
+                        <a:rPr lang="fr-FR" sz="700" b="1" kern="1200" dirty="0">
+                          <a:solidFill>
+                            <a:srgbClr val="B9A049"/>
+                          </a:solidFill>
+                          <a:latin typeface="+mn-lt"/>
+                          <a:ea typeface="+mn-ea"/>
+                          <a:cs typeface="+mn-cs"/>
+                        </a:rPr>
+                        <a:t>Publication de la valorisation</a:t>
+                      </a:r>
+                    </a:p>
+                  </a:txBody>
+                  <a:tcPr marT="46800" marB="46800" anchor="ctr" horzOverflow="overflow">
+                    <a:lnL w="12700" cap="flat" cmpd="sng" algn="ctr">
+                      <a:solidFill>
+                        <a:schemeClr val="bg1">
+                          <a:lumMod val="85000"/>
+                        </a:schemeClr>
+                      </a:solidFill>
+                      <a:prstDash val="solid"/>
+                      <a:round/>
+                      <a:headEnd type="none" w="med" len="med"/>
+                      <a:tailEnd type="none" w="med" len="med"/>
+                    </a:lnL>
+                    <a:lnR w="12700" cap="flat" cmpd="sng" algn="ctr">
+                      <a:solidFill>
+                        <a:schemeClr val="bg1"/>
+                      </a:solidFill>
+                      <a:prstDash val="solid"/>
+                      <a:round/>
+                      <a:headEnd type="none" w="med" len="med"/>
+                      <a:tailEnd type="none" w="med" len="med"/>
+                    </a:lnR>
+                    <a:lnT w="12700" cap="flat" cmpd="sng" algn="ctr">
+                      <a:solidFill>
+                        <a:schemeClr val="bg1"/>
+                      </a:solidFill>
+                      <a:prstDash val="solid"/>
+                      <a:round/>
+                      <a:headEnd type="none" w="med" len="med"/>
+                      <a:tailEnd type="none" w="med" len="med"/>
+                    </a:lnT>
+                    <a:lnB w="12700" cap="flat" cmpd="sng" algn="ctr">
+                      <a:solidFill>
+                        <a:schemeClr val="bg1"/>
+                      </a:solidFill>
+                      <a:prstDash val="solid"/>
+                      <a:round/>
+                      <a:headEnd type="none" w="med" len="med"/>
+                      <a:tailEnd type="none" w="med" len="med"/>
+                    </a:lnB>
+                    <a:lnTlToBr w="12700" cmpd="sng">
+                      <a:noFill/>
+                      <a:prstDash val="solid"/>
+                    </a:lnTlToBr>
+                    <a:lnBlToTr w="12700" cmpd="sng">
+                      <a:noFill/>
+                      <a:prstDash val="solid"/>
+                    </a:lnBlToTr>
+                    <a:solidFill>
+                      <a:schemeClr val="bg1">
+                        <a:lumMod val="95000"/>
+                      </a:schemeClr>
+                    </a:solidFill>
+                  </a:tcPr>
+                </a:tc>
+                <a:tc>
+                  <a:txBody>
+                    <a:bodyPr/>
+                    <a:lstStyle/>
+                    <a:p>
+                      <a:pPr marL="0" marR="0" lvl="0" indent="0" algn="just" defTabSz="755934" rtl="0" eaLnBrk="1" fontAlgn="base" latinLnBrk="0" hangingPunct="1">
+                        <a:lnSpc>
+                          <a:spcPct val="90000"/>
+                        </a:lnSpc>
+                        <a:spcBef>
+                          <a:spcPct val="0"/>
+                        </a:spcBef>
+                        <a:spcAft>
+                          <a:spcPct val="0"/>
+                        </a:spcAft>
+                        <a:buClrTx/>
+                        <a:buSzTx/>
+                        <a:buFontTx/>
+                        <a:buNone/>
+                        <a:tabLst/>
+                        <a:defRPr/>
+                      </a:pPr>
+                      <a:r>
+                        <a:rPr kumimoji="0" lang="fr-FR" sz="700" b="0" i="0" u="none" strike="noStrike" kern="1200" cap="none" spc="0" normalizeH="0" baseline="0" noProof="0" dirty="0">
+                          <a:ln>
+                            <a:noFill/>
+                          </a:ln>
+                          <a:solidFill>
+                            <a:schemeClr val="tx1"/>
+                          </a:solidFill>
+                          <a:effectLst/>
+                          <a:uLnTx/>
+                          <a:uFillTx/>
+                          <a:latin typeface="+mn-lt"/>
+                          <a:ea typeface="+mn-ea"/>
+                          <a:cs typeface="+mn-cs"/>
+                        </a:rPr>
+                        <a:t>Société Générale paiera au distributeur concerné une rémunération annuelle (calculée sur la base de la durée des titres) dont le montant maximum est égal à 1,00% du montant total des titres effectivement placés. Veuillez contacter le distributeur pour plus de précisions. Ces commissions sont incluses dans le prix d’achat.</a:t>
+                      </a:r>
+                    </a:p>
+                  </a:txBody>
+                  <a:tcPr marT="46800" marB="46800" anchor="ctr" horzOverflow="overflow">
+                    <a:lnL w="12700" cap="flat" cmpd="sng" algn="ctr">
+                      <a:solidFill>
+                        <a:schemeClr val="bg1"/>
+                      </a:solidFill>
+                      <a:prstDash val="solid"/>
+                      <a:round/>
+                      <a:headEnd type="none" w="med" len="med"/>
+                      <a:tailEnd type="none" w="med" len="med"/>
+                    </a:lnL>
+                    <a:lnR w="6350" cap="flat" cmpd="sng" algn="ctr">
+                      <a:solidFill>
+                        <a:schemeClr val="bg1">
+                          <a:lumMod val="65000"/>
+                        </a:schemeClr>
+                      </a:solidFill>
+                      <a:prstDash val="solid"/>
+                      <a:round/>
+                      <a:headEnd type="none" w="med" len="med"/>
+                      <a:tailEnd type="none" w="med" len="med"/>
+                    </a:lnR>
+                    <a:lnT w="6350" cap="flat" cmpd="sng" algn="ctr">
+                      <a:solidFill>
+                        <a:schemeClr val="bg1">
+                          <a:lumMod val="65000"/>
+                        </a:schemeClr>
+                      </a:solidFill>
+                      <a:prstDash val="solid"/>
+                      <a:round/>
+                      <a:headEnd type="none" w="med" len="med"/>
+                      <a:tailEnd type="none" w="med" len="med"/>
+                    </a:lnT>
+                    <a:lnB w="6350" cap="flat" cmpd="sng" algn="ctr">
+                      <a:solidFill>
+                        <a:schemeClr val="bg1">
+                          <a:lumMod val="65000"/>
+                        </a:schemeClr>
+                      </a:solidFill>
+                      <a:prstDash val="solid"/>
+                      <a:round/>
+                      <a:headEnd type="none" w="med" len="med"/>
+                      <a:tailEnd type="none" w="med" len="med"/>
+                    </a:lnB>
+                    <a:lnTlToBr w="12700" cmpd="sng">
+                      <a:noFill/>
+                      <a:prstDash val="solid"/>
+                    </a:lnTlToBr>
+                    <a:lnBlToTr w="12700" cmpd="sng">
+                      <a:noFill/>
+                      <a:prstDash val="solid"/>
+                    </a:lnBlToTr>
+                    <a:noFill/>
+                  </a:tcPr>
+                </a:tc>
+                <a:extLst>
+                  <a:ext uri="{0D108BD9-81ED-4DB2-BD59-A6C34878D82A}">
+                    <a16:rowId xmlns:a16="http://schemas.microsoft.com/office/drawing/2014/main" val="1440539583"/>
+                  </a:ext>
+                </a:extLst>
+              </a:tr>
+              <a:tr h="0">
+                <a:tc>
+                  <a:txBody>
+                    <a:bodyPr/>
+                    <a:lstStyle/>
+                    <a:p>
+                      <a:pPr marL="0" marR="0" lvl="0" indent="0" algn="just" defTabSz="755934" rtl="0" eaLnBrk="1" fontAlgn="auto" latinLnBrk="0" hangingPunct="1">
+                        <a:lnSpc>
+                          <a:spcPct val="90000"/>
+                        </a:lnSpc>
+                        <a:spcBef>
+                          <a:spcPts val="0"/>
+                        </a:spcBef>
+                        <a:spcAft>
+                          <a:spcPts val="0"/>
+                        </a:spcAft>
+                        <a:buClrTx/>
+                        <a:buSzTx/>
+                        <a:buFontTx/>
+                        <a:buNone/>
+                        <a:tabLst/>
+                        <a:defRPr/>
+                      </a:pPr>
+                      <a:r>
+                        <a:rPr lang="fr-FR" sz="700" b="1" kern="1200" dirty="0">
+                          <a:solidFill>
+                            <a:srgbClr val="B9A049"/>
+                          </a:solidFill>
+                          <a:latin typeface="+mn-lt"/>
+                          <a:ea typeface="+mn-ea"/>
+                          <a:cs typeface="+mn-cs"/>
+                        </a:rPr>
+                        <a:t>Double valorisation</a:t>
                       </a:r>
                     </a:p>
                   </a:txBody>
@@ -18942,7 +18979,7 @@
                         <a:defRPr/>
                       </a:pPr>
                       <a:r>
-                        <a:rPr lang="fr-FR" sz="700" b="0" i="0" kern="1200" noProof="0">
+                        <a:rPr lang="fr-FR" sz="700" b="0" i="0" kern="1200" dirty="0">
                           <a:solidFill>
                             <a:schemeClr val="tx1"/>
                           </a:solidFill>
@@ -18950,7 +18987,29 @@
                           <a:ea typeface="+mn-ea"/>
                           <a:cs typeface="+mn-cs"/>
                         </a:rPr>
-                        <a:t>Credit Suisse Bank (Europe) SA paiera au distributeur une rémunération annuelle maximum équivalente à &lt;COM&gt;% TTC (sur la base de la durée maximale des titres) du montant placé par le distributeur. Veuillez contacter le distributeur pour plus de précisions. Ces commissions sont incluses dans le prix d’achat.</a:t>
+                        <a:t>Valorisation quotidienne publiée sur les pages Bloomberg, </a:t>
+                      </a:r>
+                      <a:r>
+                        <a:rPr lang="fr-FR" sz="700" b="0" i="0" kern="1200" dirty="0" err="1">
+                          <a:solidFill>
+                            <a:schemeClr val="tx1"/>
+                          </a:solidFill>
+                          <a:latin typeface="+mn-lt"/>
+                          <a:ea typeface="+mn-ea"/>
+                          <a:cs typeface="+mn-cs"/>
+                        </a:rPr>
+                        <a:t>Telekurs</a:t>
+                      </a:r>
+                      <a:r>
+                        <a:rPr lang="fr-FR" sz="700" b="0" i="0" kern="1200" dirty="0">
+                          <a:solidFill>
+                            <a:schemeClr val="tx1"/>
+                          </a:solidFill>
+                          <a:latin typeface="+mn-lt"/>
+                          <a:ea typeface="+mn-ea"/>
+                          <a:cs typeface="+mn-cs"/>
+                        </a:rPr>
+                        <a:t> et Reuters. Elle est par ailleurs tenue à disposition du public en permanence sur demande.</a:t>
                       </a:r>
                     </a:p>
                   </a:txBody>
@@ -19010,17 +19069,17 @@
                 </a:tc>
                 <a:extLst>
                   <a:ext uri="{0D108BD9-81ED-4DB2-BD59-A6C34878D82A}">
-                    <a16:rowId xmlns:a16="http://schemas.microsoft.com/office/drawing/2014/main" val="4287158974"/>
+                    <a16:rowId xmlns:a16="http://schemas.microsoft.com/office/drawing/2014/main" val="2111510760"/>
                   </a:ext>
                 </a:extLst>
               </a:tr>
-              <a:tr h="282443">
+              <a:tr h="0">
                 <a:tc>
                   <a:txBody>
                     <a:bodyPr/>
                     <a:lstStyle/>
                     <a:p>
-                      <a:pPr marL="0" marR="0" lvl="0" indent="0" algn="l" defTabSz="755934" rtl="0" eaLnBrk="1" fontAlgn="auto" latinLnBrk="0" hangingPunct="1">
+                      <a:pPr marL="0" marR="0" lvl="0" indent="0" algn="just" defTabSz="755934" rtl="0" eaLnBrk="1" fontAlgn="auto" latinLnBrk="0" hangingPunct="1">
                         <a:lnSpc>
                           <a:spcPct val="90000"/>
                         </a:lnSpc>
@@ -19046,7 +19105,7 @@
                           <a:ea typeface="+mn-ea"/>
                           <a:cs typeface="+mn-cs"/>
                         </a:rPr>
-                        <a:t>PUBLICATION DE LA VALORISATION</a:t>
+                        <a:t>Marché secondaire</a:t>
                       </a:r>
                     </a:p>
                   </a:txBody>
@@ -19127,7 +19186,7 @@
                         <a:defRPr/>
                       </a:pPr>
                       <a:r>
-                        <a:rPr lang="fr-FR" sz="700" b="0" i="0" kern="1200">
+                        <a:rPr lang="fr-FR" sz="700" b="0" i="0" kern="1200" dirty="0">
                           <a:solidFill>
                             <a:schemeClr val="tx1"/>
                           </a:solidFill>
@@ -19135,432 +19194,7 @@
                           <a:ea typeface="+mn-ea"/>
                           <a:cs typeface="+mn-cs"/>
                         </a:rPr>
-                        <a:t>Valorisation quotidienne publiée sur les pages Bloomberg, Telekurs et Reuters. Elle est par ailleurs tenue à disposition du public en permanence.. </a:t>
-                      </a:r>
-                    </a:p>
-                  </a:txBody>
-                  <a:tcPr marT="46800" marB="46800" anchor="ctr" horzOverflow="overflow">
-                    <a:lnL w="12700" cap="flat" cmpd="sng" algn="ctr">
-                      <a:solidFill>
-                        <a:schemeClr val="bg1"/>
-                      </a:solidFill>
-                      <a:prstDash val="solid"/>
-                      <a:round/>
-                      <a:headEnd type="none" w="med" len="med"/>
-                      <a:tailEnd type="none" w="med" len="med"/>
-                    </a:lnL>
-                    <a:lnR w="6350" cap="flat" cmpd="sng" algn="ctr">
-                      <a:solidFill>
-                        <a:schemeClr val="bg1">
-                          <a:lumMod val="65000"/>
-                        </a:schemeClr>
-                      </a:solidFill>
-                      <a:prstDash val="solid"/>
-                      <a:round/>
-                      <a:headEnd type="none" w="med" len="med"/>
-                      <a:tailEnd type="none" w="med" len="med"/>
-                    </a:lnR>
-                    <a:lnT w="6350" cap="flat" cmpd="sng" algn="ctr">
-                      <a:solidFill>
-                        <a:schemeClr val="bg1">
-                          <a:lumMod val="65000"/>
-                        </a:schemeClr>
-                      </a:solidFill>
-                      <a:prstDash val="solid"/>
-                      <a:round/>
-                      <a:headEnd type="none" w="med" len="med"/>
-                      <a:tailEnd type="none" w="med" len="med"/>
-                    </a:lnT>
-                    <a:lnB w="6350" cap="flat" cmpd="sng" algn="ctr">
-                      <a:solidFill>
-                        <a:schemeClr val="bg1">
-                          <a:lumMod val="65000"/>
-                        </a:schemeClr>
-                      </a:solidFill>
-                      <a:prstDash val="solid"/>
-                      <a:round/>
-                      <a:headEnd type="none" w="med" len="med"/>
-                      <a:tailEnd type="none" w="med" len="med"/>
-                    </a:lnB>
-                    <a:lnTlToBr w="12700" cmpd="sng">
-                      <a:noFill/>
-                      <a:prstDash val="solid"/>
-                    </a:lnTlToBr>
-                    <a:lnBlToTr w="12700" cmpd="sng">
-                      <a:noFill/>
-                      <a:prstDash val="solid"/>
-                    </a:lnBlToTr>
-                    <a:noFill/>
-                  </a:tcPr>
-                </a:tc>
-                <a:extLst>
-                  <a:ext uri="{0D108BD9-81ED-4DB2-BD59-A6C34878D82A}">
-                    <a16:rowId xmlns:a16="http://schemas.microsoft.com/office/drawing/2014/main" val="1440539583"/>
-                  </a:ext>
-                </a:extLst>
-              </a:tr>
-              <a:tr h="282443">
-                <a:tc>
-                  <a:txBody>
-                    <a:bodyPr/>
-                    <a:lstStyle/>
-                    <a:p>
-                      <a:pPr marL="0" marR="0" lvl="0" indent="0" algn="l" defTabSz="755934" rtl="0" eaLnBrk="1" fontAlgn="auto" latinLnBrk="0" hangingPunct="1">
-                        <a:lnSpc>
-                          <a:spcPct val="90000"/>
-                        </a:lnSpc>
-                        <a:spcBef>
-                          <a:spcPts val="0"/>
-                        </a:spcBef>
-                        <a:spcAft>
-                          <a:spcPts val="0"/>
-                        </a:spcAft>
-                        <a:buClrTx/>
-                        <a:buSzTx/>
-                        <a:buFontTx/>
-                        <a:buNone/>
-                        <a:tabLst/>
-                        <a:defRPr/>
-                      </a:pPr>
-                      <a:r>
-                        <a:rPr lang="fr-FR" sz="700" b="1" kern="1200">
-                          <a:solidFill>
-                            <a:srgbClr val="B9A049"/>
-                          </a:solidFill>
-                          <a:latin typeface="+mn-lt"/>
-                          <a:ea typeface="+mn-ea"/>
-                          <a:cs typeface="+mn-cs"/>
-                        </a:rPr>
-                        <a:t>DOUBLE VALORISATION</a:t>
-                      </a:r>
-                    </a:p>
-                  </a:txBody>
-                  <a:tcPr marT="46800" marB="46800" anchor="ctr" horzOverflow="overflow">
-                    <a:lnL w="12700" cap="flat" cmpd="sng" algn="ctr">
-                      <a:solidFill>
-                        <a:schemeClr val="bg1">
-                          <a:lumMod val="85000"/>
-                        </a:schemeClr>
-                      </a:solidFill>
-                      <a:prstDash val="solid"/>
-                      <a:round/>
-                      <a:headEnd type="none" w="med" len="med"/>
-                      <a:tailEnd type="none" w="med" len="med"/>
-                    </a:lnL>
-                    <a:lnR w="12700" cap="flat" cmpd="sng" algn="ctr">
-                      <a:solidFill>
-                        <a:schemeClr val="bg1"/>
-                      </a:solidFill>
-                      <a:prstDash val="solid"/>
-                      <a:round/>
-                      <a:headEnd type="none" w="med" len="med"/>
-                      <a:tailEnd type="none" w="med" len="med"/>
-                    </a:lnR>
-                    <a:lnT w="12700" cap="flat" cmpd="sng" algn="ctr">
-                      <a:solidFill>
-                        <a:schemeClr val="bg1"/>
-                      </a:solidFill>
-                      <a:prstDash val="solid"/>
-                      <a:round/>
-                      <a:headEnd type="none" w="med" len="med"/>
-                      <a:tailEnd type="none" w="med" len="med"/>
-                    </a:lnT>
-                    <a:lnB w="12700" cap="flat" cmpd="sng" algn="ctr">
-                      <a:solidFill>
-                        <a:schemeClr val="bg1"/>
-                      </a:solidFill>
-                      <a:prstDash val="solid"/>
-                      <a:round/>
-                      <a:headEnd type="none" w="med" len="med"/>
-                      <a:tailEnd type="none" w="med" len="med"/>
-                    </a:lnB>
-                    <a:lnTlToBr w="12700" cmpd="sng">
-                      <a:noFill/>
-                      <a:prstDash val="solid"/>
-                    </a:lnTlToBr>
-                    <a:lnBlToTr w="12700" cmpd="sng">
-                      <a:noFill/>
-                      <a:prstDash val="solid"/>
-                    </a:lnBlToTr>
-                    <a:solidFill>
-                      <a:schemeClr val="bg1">
-                        <a:lumMod val="95000"/>
-                      </a:schemeClr>
-                    </a:solidFill>
-                  </a:tcPr>
-                </a:tc>
-                <a:tc>
-                  <a:txBody>
-                    <a:bodyPr/>
-                    <a:lstStyle/>
-                    <a:p>
-                      <a:pPr marL="0" marR="0" lvl="0" indent="0" algn="just" defTabSz="755934" rtl="0" eaLnBrk="1" fontAlgn="auto" latinLnBrk="0" hangingPunct="1">
-                        <a:lnSpc>
-                          <a:spcPct val="90000"/>
-                        </a:lnSpc>
-                        <a:spcBef>
-                          <a:spcPts val="0"/>
-                        </a:spcBef>
-                        <a:spcAft>
-                          <a:spcPts val="0"/>
-                        </a:spcAft>
-                        <a:buClrTx/>
-                        <a:buSzTx/>
-                        <a:buFontTx/>
-                        <a:buNone/>
-                        <a:tabLst/>
-                        <a:defRPr/>
-                      </a:pPr>
-                      <a:r>
-                        <a:rPr lang="fr-FR" sz="700" b="0" i="0" kern="1200">
-                          <a:solidFill>
-                            <a:schemeClr val="tx1"/>
-                          </a:solidFill>
-                          <a:latin typeface="+mn-lt"/>
-                          <a:ea typeface="+mn-ea"/>
-                          <a:cs typeface="+mn-cs"/>
-                        </a:rPr>
-                        <a:t>Une double valorisation est établie par Finalyse (tous les 15jours). Cette société est un organisme indépendant distinct et non lié financièrement à l’entité Credit Suisse International ou à une autre entité du groupe Credit Suisse</a:t>
-                      </a:r>
-                    </a:p>
-                  </a:txBody>
-                  <a:tcPr marT="46800" marB="46800" anchor="ctr" horzOverflow="overflow">
-                    <a:lnL w="12700" cap="flat" cmpd="sng" algn="ctr">
-                      <a:solidFill>
-                        <a:schemeClr val="bg1"/>
-                      </a:solidFill>
-                      <a:prstDash val="solid"/>
-                      <a:round/>
-                      <a:headEnd type="none" w="med" len="med"/>
-                      <a:tailEnd type="none" w="med" len="med"/>
-                    </a:lnL>
-                    <a:lnR w="6350" cap="flat" cmpd="sng" algn="ctr">
-                      <a:solidFill>
-                        <a:schemeClr val="bg1">
-                          <a:lumMod val="65000"/>
-                        </a:schemeClr>
-                      </a:solidFill>
-                      <a:prstDash val="solid"/>
-                      <a:round/>
-                      <a:headEnd type="none" w="med" len="med"/>
-                      <a:tailEnd type="none" w="med" len="med"/>
-                    </a:lnR>
-                    <a:lnT w="6350" cap="flat" cmpd="sng" algn="ctr">
-                      <a:solidFill>
-                        <a:schemeClr val="bg1">
-                          <a:lumMod val="65000"/>
-                        </a:schemeClr>
-                      </a:solidFill>
-                      <a:prstDash val="solid"/>
-                      <a:round/>
-                      <a:headEnd type="none" w="med" len="med"/>
-                      <a:tailEnd type="none" w="med" len="med"/>
-                    </a:lnT>
-                    <a:lnB w="6350" cap="flat" cmpd="sng" algn="ctr">
-                      <a:solidFill>
-                        <a:schemeClr val="bg1">
-                          <a:lumMod val="65000"/>
-                        </a:schemeClr>
-                      </a:solidFill>
-                      <a:prstDash val="solid"/>
-                      <a:round/>
-                      <a:headEnd type="none" w="med" len="med"/>
-                      <a:tailEnd type="none" w="med" len="med"/>
-                    </a:lnB>
-                    <a:lnTlToBr w="12700" cmpd="sng">
-                      <a:noFill/>
-                      <a:prstDash val="solid"/>
-                    </a:lnTlToBr>
-                    <a:lnBlToTr w="12700" cmpd="sng">
-                      <a:noFill/>
-                      <a:prstDash val="solid"/>
-                    </a:lnBlToTr>
-                    <a:noFill/>
-                  </a:tcPr>
-                </a:tc>
-                <a:extLst>
-                  <a:ext uri="{0D108BD9-81ED-4DB2-BD59-A6C34878D82A}">
-                    <a16:rowId xmlns:a16="http://schemas.microsoft.com/office/drawing/2014/main" val="2111510760"/>
-                  </a:ext>
-                </a:extLst>
-              </a:tr>
-              <a:tr h="278173">
-                <a:tc>
-                  <a:txBody>
-                    <a:bodyPr/>
-                    <a:lstStyle/>
-                    <a:p>
-                      <a:pPr marL="0" marR="0" lvl="0" indent="0" algn="l" defTabSz="755934" rtl="0" eaLnBrk="1" fontAlgn="auto" latinLnBrk="0" hangingPunct="1">
-                        <a:lnSpc>
-                          <a:spcPct val="90000"/>
-                        </a:lnSpc>
-                        <a:spcBef>
-                          <a:spcPts val="0"/>
-                        </a:spcBef>
-                        <a:spcAft>
-                          <a:spcPts val="0"/>
-                        </a:spcAft>
-                        <a:buClrTx/>
-                        <a:buSzTx/>
-                        <a:buFontTx/>
-                        <a:buNone/>
-                        <a:tabLst/>
-                        <a:defRPr/>
-                      </a:pPr>
-                      <a:r>
-                        <a:rPr lang="fr-FR" sz="700" b="1" kern="1200">
-                          <a:solidFill>
-                            <a:srgbClr val="B9A049"/>
-                          </a:solidFill>
-                          <a:latin typeface="+mn-lt"/>
-                          <a:ea typeface="+mn-ea"/>
-                          <a:cs typeface="+mn-cs"/>
-                        </a:rPr>
-                        <a:t>MARCHÉ SECONDAIRE</a:t>
-                      </a:r>
-                    </a:p>
-                  </a:txBody>
-                  <a:tcPr marT="46800" marB="46800" anchor="ctr" horzOverflow="overflow">
-                    <a:lnL w="12700" cap="flat" cmpd="sng" algn="ctr">
-                      <a:solidFill>
-                        <a:schemeClr val="bg1">
-                          <a:lumMod val="85000"/>
-                        </a:schemeClr>
-                      </a:solidFill>
-                      <a:prstDash val="solid"/>
-                      <a:round/>
-                      <a:headEnd type="none" w="med" len="med"/>
-                      <a:tailEnd type="none" w="med" len="med"/>
-                    </a:lnL>
-                    <a:lnR w="12700" cap="flat" cmpd="sng" algn="ctr">
-                      <a:solidFill>
-                        <a:schemeClr val="bg1"/>
-                      </a:solidFill>
-                      <a:prstDash val="solid"/>
-                      <a:round/>
-                      <a:headEnd type="none" w="med" len="med"/>
-                      <a:tailEnd type="none" w="med" len="med"/>
-                    </a:lnR>
-                    <a:lnT w="12700" cap="flat" cmpd="sng" algn="ctr">
-                      <a:solidFill>
-                        <a:schemeClr val="bg1"/>
-                      </a:solidFill>
-                      <a:prstDash val="solid"/>
-                      <a:round/>
-                      <a:headEnd type="none" w="med" len="med"/>
-                      <a:tailEnd type="none" w="med" len="med"/>
-                    </a:lnT>
-                    <a:lnB w="12700" cap="flat" cmpd="sng" algn="ctr">
-                      <a:solidFill>
-                        <a:schemeClr val="bg1"/>
-                      </a:solidFill>
-                      <a:prstDash val="solid"/>
-                      <a:round/>
-                      <a:headEnd type="none" w="med" len="med"/>
-                      <a:tailEnd type="none" w="med" len="med"/>
-                    </a:lnB>
-                    <a:lnTlToBr w="12700" cmpd="sng">
-                      <a:noFill/>
-                      <a:prstDash val="solid"/>
-                    </a:lnTlToBr>
-                    <a:lnBlToTr w="12700" cmpd="sng">
-                      <a:noFill/>
-                      <a:prstDash val="solid"/>
-                    </a:lnBlToTr>
-                    <a:solidFill>
-                      <a:schemeClr val="bg1">
-                        <a:lumMod val="95000"/>
-                      </a:schemeClr>
-                    </a:solidFill>
-                  </a:tcPr>
-                </a:tc>
-                <a:tc>
-                  <a:txBody>
-                    <a:bodyPr/>
-                    <a:lstStyle/>
-                    <a:p>
-                      <a:pPr marL="0" marR="0" lvl="0" indent="0" algn="just" defTabSz="755934" rtl="0" eaLnBrk="1" fontAlgn="auto" latinLnBrk="0" hangingPunct="1">
-                        <a:lnSpc>
-                          <a:spcPct val="88000"/>
-                        </a:lnSpc>
-                        <a:spcBef>
-                          <a:spcPts val="0"/>
-                        </a:spcBef>
-                        <a:spcAft>
-                          <a:spcPts val="0"/>
-                        </a:spcAft>
-                        <a:buClrTx/>
-                        <a:buSzTx/>
-                        <a:buFontTx/>
-                        <a:buNone/>
-                        <a:tabLst/>
-                        <a:defRPr/>
-                      </a:pPr>
-                      <a:r>
-                        <a:rPr lang="fr-FR" sz="700" b="0" i="0" kern="1200" noProof="0" dirty="0" err="1">
-                          <a:solidFill>
-                            <a:schemeClr val="tx1"/>
-                          </a:solidFill>
-                          <a:latin typeface="+mn-lt"/>
-                          <a:ea typeface="+mn-ea"/>
-                          <a:cs typeface="+mn-cs"/>
-                        </a:rPr>
-                        <a:t>Credit</a:t>
-                      </a:r>
-                      <a:r>
-                        <a:rPr lang="fr-FR" sz="700" b="0" i="0" kern="1200" noProof="0" dirty="0">
-                          <a:solidFill>
-                            <a:schemeClr val="tx1"/>
-                          </a:solidFill>
-                          <a:latin typeface="+mn-lt"/>
-                          <a:ea typeface="+mn-ea"/>
-                          <a:cs typeface="+mn-cs"/>
-                        </a:rPr>
-                        <a:t> Suisse Bank (Europe) SA peut, mais ne doit pas nécessairement tenir un marché pour les titres. Tout prix acheteur ou vendeur des Titres sera défini par l’Emetteur ou </a:t>
-                      </a:r>
-                      <a:r>
-                        <a:rPr lang="fr-FR" sz="700" b="0" i="0" kern="1200" noProof="0" dirty="0" err="1">
-                          <a:solidFill>
-                            <a:schemeClr val="tx1"/>
-                          </a:solidFill>
-                          <a:latin typeface="+mn-lt"/>
-                          <a:ea typeface="+mn-ea"/>
-                          <a:cs typeface="+mn-cs"/>
-                        </a:rPr>
-                        <a:t>Credit</a:t>
-                      </a:r>
-                      <a:r>
-                        <a:rPr lang="fr-FR" sz="700" b="0" i="0" kern="1200" noProof="0" dirty="0">
-                          <a:solidFill>
-                            <a:schemeClr val="tx1"/>
-                          </a:solidFill>
-                          <a:latin typeface="+mn-lt"/>
-                          <a:ea typeface="+mn-ea"/>
-                          <a:cs typeface="+mn-cs"/>
-                        </a:rPr>
-                        <a:t> Suisse Bank (Europe) SA (le cas échéant). Sous réserve des conditions de marchés normales, l’écart entre les prix acheteur/vendeur ne </a:t>
-                      </a:r>
-                      <a:r>
-                        <a:rPr lang="fr-FR" sz="700" b="0" i="0" kern="1200" noProof="0" dirty="0" err="1">
-                          <a:solidFill>
-                            <a:schemeClr val="tx1"/>
-                          </a:solidFill>
-                          <a:latin typeface="+mn-lt"/>
-                          <a:ea typeface="+mn-ea"/>
-                          <a:cs typeface="+mn-cs"/>
-                        </a:rPr>
-                        <a:t>dépenssera</a:t>
-                      </a:r>
-                      <a:r>
-                        <a:rPr lang="fr-FR" sz="700" b="0" i="0" kern="1200" noProof="0" dirty="0">
-                          <a:solidFill>
-                            <a:schemeClr val="tx1"/>
-                          </a:solidFill>
-                          <a:latin typeface="+mn-lt"/>
-                          <a:ea typeface="+mn-ea"/>
-                          <a:cs typeface="+mn-cs"/>
-                        </a:rPr>
-                        <a:t> pas 1,00%. Aucune garantie ne peut être fournie quant à l’évolution ou à la liquidité de tout marché secondaire pour les titres. </a:t>
+                        <a:t>Sixtelekurs, REUTERS. Cours publié au moins une fois tous les 15 jours et tenu à la disposition du public en permanence.</a:t>
                       </a:r>
                     </a:p>
                   </a:txBody>
@@ -19624,13 +19258,13 @@
                   </a:ext>
                 </a:extLst>
               </a:tr>
-              <a:tr h="198049">
+              <a:tr h="0">
                 <a:tc>
                   <a:txBody>
                     <a:bodyPr/>
                     <a:lstStyle/>
                     <a:p>
-                      <a:pPr algn="l">
+                      <a:pPr algn="just">
                         <a:lnSpc>
                           <a:spcPct val="100000"/>
                         </a:lnSpc>
@@ -19644,7 +19278,7 @@
                           <a:ea typeface="+mn-ea"/>
                           <a:cs typeface="+mn-cs"/>
                         </a:rPr>
-                        <a:t>AGENT DE CALCUL</a:t>
+                        <a:t>Agent de calcul</a:t>
                       </a:r>
                     </a:p>
                   </a:txBody>
@@ -19709,7 +19343,7 @@
                     <a:p>
                       <a:pPr marL="0" marR="0" lvl="0" indent="0" algn="just" defTabSz="755934" rtl="0" eaLnBrk="1" fontAlgn="base" latinLnBrk="0" hangingPunct="1">
                         <a:lnSpc>
-                          <a:spcPct val="88000"/>
+                          <a:spcPct val="90000"/>
                         </a:lnSpc>
                         <a:spcBef>
                           <a:spcPct val="0"/>
@@ -19725,17 +19359,6 @@
                         <a:defRPr/>
                       </a:pPr>
                       <a:r>
-                        <a:rPr lang="fr-FR" sz="700" b="0" i="0" kern="1200" noProof="0" dirty="0" err="1">
-                          <a:solidFill>
-                            <a:schemeClr val="tx1"/>
-                          </a:solidFill>
-                          <a:latin typeface="+mn-lt"/>
-                          <a:ea typeface="+mn-ea"/>
-                          <a:cs typeface="+mn-cs"/>
-                        </a:rPr>
-                        <a:t>Credit</a:t>
-                      </a:r>
-                      <a:r>
                         <a:rPr lang="fr-FR" sz="700" b="0" i="0" kern="1200" noProof="0" dirty="0">
                           <a:solidFill>
                             <a:schemeClr val="tx1"/>
@@ -19744,7 +19367,7 @@
                           <a:ea typeface="+mn-ea"/>
                           <a:cs typeface="+mn-cs"/>
                         </a:rPr>
-                        <a:t> Suisse International, ce qui peut être source d’un conflit d’intérêts(2). </a:t>
+                        <a:t>Société Générale s’engage, dans des conditions normales de marché, à donner de manière quotidienne des prix indicatifs pendant toute la durée de vie des titres de créance avec une fourchette achat/vente de 1% de la Valeur Nominale.</a:t>
                       </a:r>
                     </a:p>
                   </a:txBody>
@@ -19808,13 +19431,13 @@
                   </a:ext>
                 </a:extLst>
               </a:tr>
-              <a:tr h="198049">
+              <a:tr h="198679">
                 <a:tc>
                   <a:txBody>
                     <a:bodyPr/>
                     <a:lstStyle/>
                     <a:p>
-                      <a:pPr marL="0" marR="0" lvl="0" indent="0" algn="l" defTabSz="1042988" rtl="0" eaLnBrk="1" fontAlgn="base" latinLnBrk="0" hangingPunct="1">
+                      <a:pPr marL="0" marR="0" lvl="0" indent="0" algn="just" defTabSz="1042988" rtl="0" eaLnBrk="1" fontAlgn="base" latinLnBrk="0" hangingPunct="1">
                         <a:lnSpc>
                           <a:spcPct val="100000"/>
                         </a:lnSpc>
@@ -19831,7 +19454,7 @@
                         <a:tabLst/>
                       </a:pPr>
                       <a:r>
-                        <a:rPr lang="fr-FR" sz="700" b="1" kern="1200">
+                        <a:rPr lang="fr-FR" sz="700" b="1" kern="1200" dirty="0">
                           <a:solidFill>
                             <a:srgbClr val="B9A049"/>
                           </a:solidFill>
@@ -19839,7 +19462,7 @@
                           <a:ea typeface="+mn-ea"/>
                           <a:cs typeface="+mn-cs"/>
                         </a:rPr>
-                        <a:t>CODE ISIN</a:t>
+                        <a:t>Code ISIN</a:t>
                       </a:r>
                     </a:p>
                   </a:txBody>
@@ -19904,18 +19527,25 @@
                     <a:bodyPr/>
                     <a:lstStyle/>
                     <a:p>
-                      <a:pPr marL="0" indent="0" algn="just">
+                      <a:pPr marL="0" marR="0" lvl="0" indent="0" algn="just" defTabSz="755934" rtl="0" eaLnBrk="1" fontAlgn="base" latinLnBrk="0" hangingPunct="1">
+                        <a:lnSpc>
+                          <a:spcPct val="90000"/>
+                        </a:lnSpc>
                         <a:spcBef>
-                          <a:spcPts val="1200"/>
+                          <a:spcPct val="0"/>
                         </a:spcBef>
-                        <a:buClr>
-                          <a:srgbClr val="1C1C1C"/>
-                        </a:buClr>
-                        <a:buFont typeface="Wingdings" panose="05000000000000000000" pitchFamily="2" charset="2"/>
+                        <a:spcAft>
+                          <a:spcPct val="0"/>
+                        </a:spcAft>
+                        <a:buClrTx/>
+                        <a:buSzTx/>
+                        <a:buFontTx/>
                         <a:buNone/>
+                        <a:tabLst/>
+                        <a:defRPr/>
                       </a:pPr>
                       <a:r>
-                        <a:rPr lang="fr-FR" sz="700" b="0" i="0" kern="1200" dirty="0">
+                        <a:rPr lang="fr-FR" sz="700" b="0" i="0" kern="1200" noProof="0" dirty="0">
                           <a:solidFill>
                             <a:schemeClr val="tx1"/>
                           </a:solidFill>
@@ -19923,7 +19553,7 @@
                           <a:ea typeface="+mn-ea"/>
                           <a:cs typeface="+mn-cs"/>
                         </a:rPr>
-                        <a:t>&lt;ISIN&gt;</a:t>
+                        <a:t>Société Générale, ce qui peut être source d’un conflit d’intérêts(2).</a:t>
                       </a:r>
                     </a:p>
                   </a:txBody>
@@ -20214,43 +19844,25 @@
           <a:p>
             <a:pPr algn="just"/>
             <a:r>
-              <a:rPr lang="fr-FR" sz="650" baseline="30000" dirty="0">
+              <a:rPr lang="fr-FR" sz="650" dirty="0">
                 <a:solidFill>
                   <a:srgbClr val="000000"/>
                 </a:solidFill>
                 <a:latin typeface="Proxima Nova Rg" panose="02000506030000020004" pitchFamily="2" charset="0"/>
               </a:rPr>
-              <a:t>(1) </a:t>
-            </a:r>
-            <a:r>
-              <a:rPr lang="fr-FR" sz="650" dirty="0">
-                <a:solidFill>
-                  <a:srgbClr val="000000"/>
-                </a:solidFill>
-                <a:latin typeface="Proxima Nova Rg" panose="02000506030000020004" pitchFamily="2" charset="0"/>
-              </a:rPr>
-              <a:t>Veuillez vous référer au tableau récapitulant les principales caractéristiques financières en &lt;PAGE&gt; pour le détail des dates. </a:t>
+              <a:t>(1) Veuillez vous référer au tableau récapitulant les principales caractéristiques financières en &lt;PAGE&gt; pour le détail des dates. </a:t>
             </a:r>
           </a:p>
           <a:p>
             <a:pPr algn="just"/>
             <a:r>
-              <a:rPr lang="fr-FR" sz="650" baseline="30000" dirty="0">
+              <a:rPr lang="fr-FR" sz="650" dirty="0">
                 <a:solidFill>
                   <a:srgbClr val="000000"/>
                 </a:solidFill>
                 <a:latin typeface="Proxima Nova Rg" panose="02000506030000020004" pitchFamily="2" charset="0"/>
               </a:rPr>
-              <a:t>(2)</a:t>
-            </a:r>
-            <a:r>
-              <a:rPr lang="fr-FR" sz="650" dirty="0">
-                <a:solidFill>
-                  <a:srgbClr val="000000"/>
-                </a:solidFill>
-                <a:latin typeface="Proxima Nova Rg" panose="02000506030000020004" pitchFamily="2" charset="0"/>
-              </a:rPr>
-              <a:t> En prenant comme hypothèse 1,00% de frais de gestion du contrat d’assurance vie ou de capitalisation. TRA nets hors autres frais, fiscalité et prélèvements sociaux applicables au cadre d’investissement, et hors défaut de paiement et/ou faillite de l’Émetteur et du Garant de la formule et hors mise en résolution du Garant de la formule. Les TRA sont calculés à partir du &lt;2PDC_MAJ&gt; jusqu’à la date de remboursement anticipé automatique éventuel</a:t>
+              <a:t>(2) En prenant comme hypothèse 1,00% de frais de gestion du contrat d’assurance vie ou de capitalisation. TRA nets hors autres frais, fiscalité et prélèvements sociaux applicables au cadre d’investissement, et hors défaut de paiement et/ou faillite de l’Émetteur et du Garant de la formule et hors mise en résolution du Garant de la formule. Les TRA sont calculés à partir du &lt;2PDC_MAJ&gt; jusqu’à la date de remboursement anticipé automatique éventuel</a:t>
             </a:r>
             <a:r>
               <a:rPr lang="fr-FR" sz="650" baseline="30000" dirty="0">
@@ -20292,34 +19904,13 @@
           <a:p>
             <a:pPr algn="just"/>
             <a:r>
-              <a:rPr lang="fr-FR" sz="650" baseline="30000" dirty="0">
+              <a:rPr lang="fr-FR" sz="650" dirty="0">
                 <a:solidFill>
                   <a:srgbClr val="000000"/>
                 </a:solidFill>
-                <a:highlight>
-                  <a:srgbClr val="FF00FF"/>
-                </a:highlight>
                 <a:latin typeface="Proxima Nova Rg" panose="02000506030000020004" pitchFamily="2" charset="0"/>
               </a:rPr>
-              <a:t>(</a:t>
-            </a:r>
-            <a:r>
-              <a:rPr lang="fr-FR" sz="650" baseline="30000" dirty="0">
-                <a:solidFill>
-                  <a:srgbClr val="000000"/>
-                </a:solidFill>
-                <a:latin typeface="Proxima Nova Rg" panose="02000506030000020004" pitchFamily="2" charset="0"/>
-              </a:rPr>
-              <a:t>3) </a:t>
-            </a:r>
-            <a:r>
-              <a:rPr lang="fr-FR" sz="650" dirty="0">
-                <a:solidFill>
-                  <a:srgbClr val="000000"/>
-                </a:solidFill>
-                <a:latin typeface="Proxima Nova Rg" panose="02000506030000020004" pitchFamily="2" charset="0"/>
-              </a:rPr>
-              <a:t> Veuillez vous référer à la section dédiée en page 3 pour une présentation de la détermination du &lt;NDR&gt;</a:t>
+              <a:t>(3)  Veuillez vous référer à la section dédiée en page 3 pour une présentation de la détermination du &lt;NDR&gt;</a:t>
             </a:r>
           </a:p>
         </p:txBody>
@@ -20596,7 +20187,7 @@
         </p:nvSpPr>
         <p:spPr>
           <a:xfrm>
-            <a:off x="458462" y="5904665"/>
+            <a:off x="458462" y="5205421"/>
             <a:ext cx="4248000" cy="230950"/>
           </a:xfrm>
           <a:prstGeom prst="rect">
@@ -20801,7 +20392,7 @@
         </p:nvSpPr>
         <p:spPr>
           <a:xfrm>
-            <a:off x="361950" y="5937925"/>
+            <a:off x="361950" y="5238681"/>
             <a:ext cx="45719" cy="138398"/>
           </a:xfrm>
           <a:prstGeom prst="rect">
@@ -21060,10 +20651,22 @@
                 <a:ea typeface="+mn-ea"/>
                 <a:cs typeface="+mn-cs"/>
               </a:rPr>
-              <a:t>Les termes « capital » et « capital initial » utilisés dans cette brochure désignent la Valeur Nominale des titres de créance « &lt;NOM&gt; » soit 1 000 EUR multiplié par le nombre de titres. Le montant remboursé est brut, hors frais et fiscalité applicable au cadre d’investissement. Les taux de Rendement Annuel (« TRA ») sont nets de frais de gestion pour les contrats d’assurance vie/capitalisation ou net de droits de garde en compte-titres (en prenant comme hypothèse un taux de frais de gestion ou de droits de garde de 1,00% annuel), mais sans prise en compte des autres frais, de la fiscalité t prélèvements sociaux applicables au cadre d’investissement. Ils sont calculés pour un investissement entre la &lt;</a:t>
-            </a:r>
-            <a:r>
-              <a:rPr kumimoji="0" lang="fr-FR" sz="800" b="0" i="0" u="none" strike="noStrike" kern="1200" cap="none" spc="0" normalizeH="0" baseline="0" noProof="0" dirty="0" err="1">
+              <a:t>Les termes « capital » et « capital initial » utilisés dans cette brochure désignent la Valeur Nominale des titres de créance « &lt;NOM&gt; » soit 1 000 EUR multiplié par le nombre de titres. Le montant remboursé est brut, hors frais et fiscalité applicable au cadre d’investissement. Les taux de Rendement Annuel (« TRA ») sont nets de frais de gestion pour les contrats d’assurance vie/capitalisation ou net de droits de garde en compte-titres (en prenant comme hypothèse un taux de frais de gestion ou de droits de garde de 1,00% annuel), mais sans prise en compte des autres frais, de la fiscalité et prélèvements sociaux applicables au cadre d’investissement. Ils sont calculés pour un investissement entre le &lt;2PDC&gt; et la date d’échéance</a:t>
+            </a:r>
+            <a:r>
+              <a:rPr lang="fr-FR" sz="800" baseline="30000" dirty="0">
+                <a:solidFill>
+                  <a:schemeClr val="tx2"/>
+                </a:solidFill>
+              </a:rPr>
+              <a:t>(1) </a:t>
+            </a:r>
+            <a:r>
+              <a:rPr lang="fr-FR" sz="800" b="1" baseline="30000" dirty="0"/>
+              <a:t> </a:t>
+            </a:r>
+            <a:r>
+              <a:rPr kumimoji="0" lang="fr-FR" sz="800" b="0" i="0" u="none" strike="noStrike" kern="1200" cap="none" spc="0" normalizeH="0" baseline="0" noProof="0" dirty="0">
                 <a:ln>
                   <a:noFill/>
                 </a:ln>
@@ -21077,24 +20680,7 @@
                 <a:ea typeface="+mn-ea"/>
                 <a:cs typeface="+mn-cs"/>
               </a:rPr>
-              <a:t>DDCI_M_B_Strike</a:t>
-            </a:r>
-            <a:r>
-              <a:rPr kumimoji="0" lang="fr-FR" sz="800" b="0" i="0" u="none" strike="noStrike" kern="1200" cap="none" spc="0" normalizeH="0" baseline="0" noProof="0" dirty="0">
-                <a:ln>
-                  <a:noFill/>
-                </a:ln>
-                <a:solidFill>
-                  <a:schemeClr val="tx1"/>
-                </a:solidFill>
-                <a:effectLst/>
-                <a:uLnTx/>
-                <a:uFillTx/>
-                <a:latin typeface="Proxima Nova Rg"/>
-                <a:ea typeface="+mn-ea"/>
-                <a:cs typeface="+mn-cs"/>
-              </a:rPr>
-              <a:t>&gt; date de constatation initiale</a:t>
+              <a:t>ou la date de remboursement automatique anticipé effective</a:t>
             </a:r>
             <a:r>
               <a:rPr lang="fr-FR" sz="800" baseline="30000" dirty="0">
@@ -21102,69 +20688,7 @@
                   <a:schemeClr val="tx2"/>
                 </a:solidFill>
               </a:rPr>
-              <a:t> (1)</a:t>
-            </a:r>
-            <a:r>
-              <a:rPr kumimoji="0" lang="fr-FR" sz="800" b="0" i="0" u="none" strike="noStrike" kern="1200" cap="none" spc="0" normalizeH="0" baseline="0" noProof="0" dirty="0">
-                <a:ln>
-                  <a:noFill/>
-                </a:ln>
-                <a:solidFill>
-                  <a:schemeClr val="tx1"/>
-                </a:solidFill>
-                <a:effectLst/>
-                <a:uLnTx/>
-                <a:uFillTx/>
-                <a:latin typeface="Proxima Nova Rg"/>
-                <a:ea typeface="+mn-ea"/>
-                <a:cs typeface="+mn-cs"/>
-              </a:rPr>
-              <a:t> (soit le &lt;2PDC&gt;) et la date d’échéance</a:t>
-            </a:r>
-            <a:r>
-              <a:rPr lang="fr-FR" sz="800" b="1" baseline="30000" dirty="0">
-                <a:solidFill>
-                  <a:schemeClr val="tx2"/>
-                </a:solidFill>
-              </a:rPr>
-              <a:t> </a:t>
-            </a:r>
-            <a:r>
-              <a:rPr lang="fr-FR" sz="800" baseline="30000" dirty="0">
-                <a:solidFill>
-                  <a:schemeClr val="tx2"/>
-                </a:solidFill>
-              </a:rPr>
-              <a:t>(1) </a:t>
-            </a:r>
-            <a:r>
-              <a:rPr lang="fr-FR" sz="800" b="1" baseline="30000" dirty="0"/>
-              <a:t> </a:t>
-            </a:r>
-            <a:r>
-              <a:rPr kumimoji="0" lang="fr-FR" sz="800" b="0" i="0" u="none" strike="noStrike" kern="1200" cap="none" spc="0" normalizeH="0" baseline="0" noProof="0" dirty="0">
-                <a:ln>
-                  <a:noFill/>
-                </a:ln>
-                <a:solidFill>
-                  <a:schemeClr val="tx1"/>
-                </a:solidFill>
-                <a:effectLst/>
-                <a:uLnTx/>
-                <a:uFillTx/>
-                <a:latin typeface="Proxima Nova Rg"/>
-                <a:ea typeface="+mn-ea"/>
-                <a:cs typeface="+mn-cs"/>
-              </a:rPr>
-              <a:t>ou la date de remboursement automatique anticipé effective</a:t>
-            </a:r>
-            <a:r>
-              <a:rPr lang="fr-FR" sz="800" baseline="30000" dirty="0">
-                <a:solidFill>
-                  <a:schemeClr val="tx2"/>
-                </a:solidFill>
-              </a:rPr>
-              <a:t> (1) </a:t>
+              <a:t>(1) </a:t>
             </a:r>
             <a:r>
               <a:rPr kumimoji="0" lang="fr-FR" sz="800" b="0" i="0" u="none" strike="noStrike" kern="1200" cap="none" spc="0" normalizeH="0" baseline="0" noProof="0" dirty="0">
@@ -21248,7 +20772,33 @@
                 <a:ea typeface="+mn-ea"/>
                 <a:cs typeface="+mn-cs"/>
               </a:rPr>
-              <a:t>Pour un investissement dans « &lt;NOM&gt; », vous êtes exposé pour une durée de &lt;1PR&gt; à &lt;DPRR&gt; &lt;F0&gt;&lt;F0s&gt; à la performance positive ou négative &lt;SJR6&gt;</a:t>
+              <a:t>Pour un investissement dans « &lt;NOM&gt; », vous êtes exposés pour une durée </a:t>
+            </a:r>
+            <a:r>
+              <a:rPr lang="fr-FR" sz="800" b="1" dirty="0">
+                <a:solidFill>
+                  <a:schemeClr val="tx1"/>
+                </a:solidFill>
+                <a:latin typeface="Proxima Nova Rg"/>
+              </a:rPr>
+              <a:t>&lt;DUREE&gt; </a:t>
+            </a:r>
+            <a:r>
+              <a:rPr kumimoji="0" lang="fr-FR" sz="800" b="1" i="0" u="none" strike="noStrike" kern="1200" cap="none" spc="0" normalizeH="0" baseline="0" noProof="0" dirty="0">
+                <a:ln>
+                  <a:noFill/>
+                </a:ln>
+                <a:solidFill>
+                  <a:schemeClr val="tx1"/>
+                </a:solidFill>
+                <a:effectLst/>
+                <a:uLnTx/>
+                <a:uFillTx/>
+                <a:latin typeface="Proxima Nova Rg"/>
+                <a:ea typeface="+mn-ea"/>
+                <a:cs typeface="+mn-cs"/>
+              </a:rPr>
+              <a:t>à l’évolution &lt;SJR6&gt;</a:t>
             </a:r>
             <a:r>
               <a:rPr lang="fr-FR" sz="800" b="1" dirty="0">
@@ -21372,7 +20922,7 @@
                 <a:ea typeface="+mn-ea"/>
                 <a:cs typeface="+mn-cs"/>
               </a:rPr>
-              <a:t>si &lt;SJR2&gt; clôture, à la date de constatation finale</a:t>
+              <a:t>si &lt;SJR2&gt;, à la date de constatation finale</a:t>
             </a:r>
             <a:r>
               <a:rPr kumimoji="0" lang="fr-FR" sz="800" b="0" i="0" u="none" strike="noStrike" kern="1200" cap="none" spc="0" normalizeH="0" baseline="30000" noProof="0" dirty="0">
@@ -21400,7 +20950,7 @@
                 <a:ea typeface="+mn-ea"/>
                 <a:cs typeface="+mn-cs"/>
               </a:rPr>
-              <a:t>, à un &lt;SJR3&gt; strictement inférieur à &lt;PDI&gt; de son &lt;NDR&gt;.</a:t>
+              <a:t>, clôture à un &lt;SJR3&gt; strictement inférieur à &lt;PDI&gt; de son &lt;NDR&gt;.</a:t>
             </a:r>
           </a:p>
           <a:p>
@@ -21436,21 +20986,7 @@
                 <a:ea typeface="+mn-ea"/>
                 <a:cs typeface="+mn-cs"/>
               </a:rPr>
-              <a:t>… avec un mécanisme de remboursement anticipé activable automatiquement à la fin &lt;DU&gt; &lt;F0&gt; &lt;1PR&gt; jusqu'à la fin &lt;DU&gt; &lt;F0&gt; &lt;ADPR&gt;</a:t>
-            </a:r>
-            <a:r>
-              <a:rPr kumimoji="0" lang="fr-FR" sz="800" b="1" i="0" u="none" strike="noStrike" kern="1200" cap="none" spc="0" normalizeH="0" baseline="0" noProof="0" dirty="0">
-                <a:ln>
-                  <a:noFill/>
-                </a:ln>
-                <a:effectLst/>
-                <a:uLnTx/>
-                <a:uFillTx/>
-                <a:latin typeface="Proxima Nova Rg"/>
-                <a:ea typeface="+mn-ea"/>
-                <a:cs typeface="+mn-cs"/>
-              </a:rPr>
-              <a:t> </a:t>
+              <a:t>… avec un mécanisme de remboursement anticipé à hauteur de l’intégralité du capital initial, activable automatiquement &lt;PERIODE_DE_REMBOURSEMENT&gt; </a:t>
             </a:r>
             <a:r>
               <a:rPr kumimoji="0" lang="fr-FR" sz="800" b="0" i="0" u="none" strike="noStrike" kern="1200" cap="none" spc="0" normalizeH="0" baseline="0" noProof="0" dirty="0">
@@ -21590,7 +21126,16 @@
                 <a:ea typeface="+mn-ea"/>
                 <a:cs typeface="+mn-cs"/>
               </a:rPr>
-              <a:t>avec un objectif de gain fixe plafonné à &lt;CPN&gt; par &lt;F0&gt; &lt;F2&gt; depuis le &lt;DDCI&gt; (soit &lt;GCA&gt; par année écoulée) </a:t>
+              <a:t>avec un objectif de gain fixe plafonné à &lt;CPN&gt; &lt;environ&gt; par &lt;F0&gt; &lt;F2&gt; depuis le &lt;DDCI&gt;&lt;exclus&gt; &lt;ANNUALISE&gt;</a:t>
+            </a:r>
+            <a:r>
+              <a:rPr lang="fr-FR" sz="800" b="1" dirty="0">
+                <a:solidFill>
+                  <a:srgbClr val="B9A049"/>
+                </a:solidFill>
+                <a:latin typeface="Proxima Nova Rg"/>
+              </a:rPr>
+              <a:t> </a:t>
             </a:r>
             <a:r>
               <a:rPr kumimoji="0" lang="fr-FR" sz="800" b="0" i="0" u="none" strike="noStrike" kern="1200" cap="none" spc="0" normalizeH="0" baseline="0" noProof="0" dirty="0">
@@ -21660,7 +21205,7 @@
                 <a:ea typeface="+mn-ea"/>
                 <a:cs typeface="+mn-cs"/>
               </a:rPr>
-              <a:t>ou égal à &lt;BCPN&gt; &lt;balisedeg1&gt;</a:t>
+              <a:t>ou égal à &lt;ABAC&gt; &lt;balisedeg1&gt;</a:t>
             </a:r>
             <a:r>
               <a:rPr kumimoji="0" lang="fr-FR" sz="800" b="0" i="0" u="none" strike="noStrike" kern="1200" cap="none" spc="0" normalizeH="0" baseline="0" noProof="0" dirty="0">
@@ -21808,15 +21353,24 @@
                 <a:ea typeface="+mn-ea"/>
                 <a:cs typeface="+mn-cs"/>
               </a:rPr>
-              <a:t>: En acceptant de limiter leurs gains à &lt;CPN&gt; par &lt;F0&gt; écoulé (soit un Taux de Rendement Annuel net maximum de &lt;TRA.F.A&gt;%), les investisseurs recevront en contrepartie l’intégralité du capital initial si &lt;SJR1&gt; ne baisse pas de plus de &lt;</a:t>
-            </a:r>
-            <a:r>
-              <a:rPr lang="fr-FR" sz="800" dirty="0">
-                <a:solidFill>
-                  <a:srgbClr val="000000"/>
-                </a:solidFill>
-              </a:rPr>
-              <a:t>PDIPERF&gt;</a:t>
+              <a:t>: afin de bénéficier d’un remboursement du capital à l’échéance</a:t>
+            </a:r>
+            <a:r>
+              <a:rPr kumimoji="0" lang="fr-FR" sz="800" b="0" i="0" u="none" strike="noStrike" kern="1200" cap="none" spc="0" normalizeH="0" baseline="30000" noProof="0" dirty="0">
+                <a:ln>
+                  <a:noFill/>
+                </a:ln>
+                <a:solidFill>
+                  <a:schemeClr val="tx1"/>
+                </a:solidFill>
+                <a:effectLst/>
+                <a:uLnTx/>
+                <a:uFillTx/>
+                <a:latin typeface="Proxima Nova Rg"/>
+                <a:ea typeface="+mn-ea"/>
+                <a:cs typeface="+mn-cs"/>
+              </a:rPr>
+              <a:t>(1)</a:t>
             </a:r>
             <a:r>
               <a:rPr kumimoji="0" lang="fr-FR" sz="800" b="0" i="0" u="none" strike="noStrike" kern="1200" cap="none" spc="0" normalizeH="0" baseline="0" noProof="0" dirty="0">
@@ -21833,7 +21387,93 @@
                 <a:ea typeface="+mn-ea"/>
                 <a:cs typeface="+mn-cs"/>
               </a:rPr>
-              <a:t> par rapport à son &lt;NDR&gt; </a:t>
+              <a:t> si &lt;SJR1&gt;</a:t>
+            </a:r>
+            <a:r>
+              <a:rPr kumimoji="0" lang="it-IT" sz="800" b="0" i="0" u="none" strike="noStrike" kern="1200" cap="none" spc="0" normalizeH="0" baseline="0" noProof="0" dirty="0">
+                <a:ln>
+                  <a:noFill/>
+                </a:ln>
+                <a:solidFill>
+                  <a:schemeClr val="tx1"/>
+                </a:solidFill>
+                <a:effectLst/>
+                <a:uLnTx/>
+                <a:uFillTx/>
+                <a:latin typeface="Proxima Nova Rg"/>
+                <a:ea typeface="+mn-ea"/>
+                <a:cs typeface="+mn-cs"/>
+              </a:rPr>
+              <a:t> </a:t>
+            </a:r>
+            <a:r>
+              <a:rPr kumimoji="0" lang="fr-FR" sz="800" b="0" i="0" u="none" strike="noStrike" kern="1200" cap="none" spc="0" normalizeH="0" baseline="0" noProof="0" dirty="0">
+                <a:ln>
+                  <a:noFill/>
+                </a:ln>
+                <a:solidFill>
+                  <a:schemeClr val="tx1"/>
+                </a:solidFill>
+                <a:effectLst/>
+                <a:uLnTx/>
+                <a:uFillTx/>
+                <a:latin typeface="Proxima Nova Rg"/>
+                <a:ea typeface="+mn-ea"/>
+                <a:cs typeface="+mn-cs"/>
+              </a:rPr>
+              <a:t>n’enregistre pas de baisse de plus de &lt;PDIPERF&gt; par rapport à son &lt;NDR&gt;, l’investisseur accepte de limiter ses gains en cas de forte hausse &lt;SJR7&gt; (taux de rendement annuel net maximum de </a:t>
+            </a:r>
+            <a:r>
+              <a:rPr lang="fr-FR" sz="800" dirty="0">
+                <a:solidFill>
+                  <a:schemeClr val="tx1"/>
+                </a:solidFill>
+                <a:latin typeface="Proxima Nova Rg"/>
+              </a:rPr>
+              <a:t>&lt;TRA.F.A&gt;</a:t>
+            </a:r>
+            <a:r>
+              <a:rPr lang="fr-FR" sz="800" baseline="30000" dirty="0">
+                <a:solidFill>
+                  <a:schemeClr val="tx1"/>
+                </a:solidFill>
+                <a:latin typeface="Proxima Nova Rg"/>
+              </a:rPr>
+              <a:t>(</a:t>
+            </a:r>
+            <a:r>
+              <a:rPr kumimoji="0" lang="fr-FR" sz="800" b="0" i="0" u="none" strike="noStrike" kern="1200" cap="none" spc="0" normalizeH="0" baseline="30000" noProof="0" dirty="0">
+                <a:ln>
+                  <a:noFill/>
+                </a:ln>
+                <a:solidFill>
+                  <a:schemeClr val="tx1"/>
+                </a:solidFill>
+                <a:effectLst/>
+                <a:uLnTx/>
+                <a:uFillTx/>
+                <a:latin typeface="Proxima Nova Rg"/>
+                <a:ea typeface="+mn-ea"/>
+                <a:cs typeface="+mn-cs"/>
+              </a:rPr>
+              <a:t>2)</a:t>
+            </a:r>
+            <a:r>
+              <a:rPr kumimoji="0" lang="fr-FR" sz="800" b="0" i="0" u="none" strike="noStrike" kern="1200" cap="none" spc="0" normalizeH="0" baseline="0" noProof="0" dirty="0">
+                <a:ln>
+                  <a:noFill/>
+                </a:ln>
+                <a:solidFill>
+                  <a:schemeClr val="tx1"/>
+                </a:solidFill>
+                <a:effectLst/>
+                <a:uLnTx/>
+                <a:uFillTx/>
+                <a:latin typeface="Proxima Nova Rg"/>
+                <a:ea typeface="+mn-ea"/>
+                <a:cs typeface="+mn-cs"/>
+              </a:rPr>
+              <a:t>).</a:t>
             </a:r>
           </a:p>
           <a:p>
@@ -21906,12 +21546,6 @@
               <a:t>&lt;NOM&gt; » peuvent être proposés comme un actif représentatif d’une unité de compte dans le cadre de contrats d’assurance vie et/ou de capitalisation. L’Assureur s’engage sur le nombre d’unités de compte mais pas sur leur valeur, qu’il ne garantit pas. La présente brochure décrit les caractéristiques du support « &lt;NOM&gt; » et ne prend pas en compte les spécificités des contrats d’assurance vie ou de capitalisation dans le cadre desquels ce produit est proposé. </a:t>
             </a:r>
             <a:r>
-              <a:rPr lang="fr-FR" sz="800" b="1" i="1" dirty="0">
-                <a:latin typeface="Proxima Nova Rg" panose="02000506030000020004" pitchFamily="2" charset="0"/>
-              </a:rPr>
-              <a:t>Dans le cadre d’un contrat d’assurance vie ou de capitalisation, l’assureur s’engage exclusivement sur le nombre d’unités de compte mais non sur leur valeur, qu’il ne garantit pas. L'émetteur ne s'engage pas sur l'éligibilité des titres dans des contrats d'assurance-vie. La détermination de cette éligibilité est du ressort de l'assureur. Il est précisé que l’Assureur d’une part et l’Émetteur d’autre part, sont des entités juridiques distinctes. Ce document n’a pas été rédigé par l’Assureur.</a:t>
-            </a:r>
-            <a:r>
               <a:rPr kumimoji="0" lang="fr-FR" sz="800" b="1" i="1" u="none" strike="noStrike" kern="1200" cap="none" spc="0" normalizeH="0" baseline="0" noProof="0" dirty="0">
                 <a:ln>
                   <a:noFill/>
@@ -21926,7 +21560,69 @@
                 <a:ea typeface="+mn-ea"/>
                 <a:cs typeface="+mn-cs"/>
               </a:rPr>
-              <a:t> </a:t>
+              <a:t>Il est précisé que l’Assureur d’une part, l’Émetteur et le Garant de la formule d’autre part, sont des entités juridiques distinctes. Ce document n’a pas été rédigé par l’Assureur.</a:t>
+            </a:r>
+          </a:p>
+          <a:p>
+            <a:pPr marL="0" marR="0" lvl="4" indent="0" algn="just" defTabSz="755934" rtl="0" eaLnBrk="1" fontAlgn="auto" latinLnBrk="0" hangingPunct="1">
+              <a:lnSpc>
+                <a:spcPct val="90000"/>
+              </a:lnSpc>
+              <a:spcBef>
+                <a:spcPts val="600"/>
+              </a:spcBef>
+              <a:spcAft>
+                <a:spcPts val="0"/>
+              </a:spcAft>
+              <a:buClrTx/>
+              <a:buSzTx/>
+              <a:buFont typeface="Arial" panose="020B0604020202020204" pitchFamily="34" charset="0"/>
+              <a:buNone/>
+              <a:tabLst/>
+              <a:defRPr/>
+            </a:pPr>
+            <a:r>
+              <a:rPr kumimoji="0" lang="fr-FR" b="1" i="1" u="none" strike="noStrike" kern="1200" cap="none" spc="0" normalizeH="0" baseline="0" noProof="0" dirty="0">
+                <a:ln>
+                  <a:noFill/>
+                </a:ln>
+                <a:solidFill>
+                  <a:schemeClr val="tx1"/>
+                </a:solidFill>
+                <a:effectLst/>
+                <a:uLnTx/>
+                <a:uFillTx/>
+                <a:latin typeface="Proxima Nova Rg"/>
+                <a:ea typeface="+mn-ea"/>
+                <a:cs typeface="+mn-cs"/>
+              </a:rPr>
+              <a:t> « &lt;NOM&gt; » ne peut constituer l’intégralité d’un portefeuille d’investissement. L’investisseur est exposé pour une durée &lt;DUREE&gt; à </a:t>
+            </a:r>
+            <a:r>
+              <a:rPr lang="fr-FR" b="1" i="1" dirty="0">
+                <a:solidFill>
+                  <a:schemeClr val="tx1"/>
+                </a:solidFill>
+                <a:latin typeface="Proxima Nova Rg"/>
+              </a:rPr>
+              <a:t>&lt;SJR1&gt; &lt;DIVERSACTION&gt;. Vous </a:t>
+            </a:r>
+            <a:r>
+              <a:rPr kumimoji="0" lang="fr-FR" b="1" i="1" u="none" strike="noStrike" kern="1200" cap="none" spc="0" normalizeH="0" baseline="0" noProof="0" dirty="0">
+                <a:ln>
+                  <a:noFill/>
+                </a:ln>
+                <a:solidFill>
+                  <a:schemeClr val="tx1"/>
+                </a:solidFill>
+                <a:effectLst/>
+                <a:uLnTx/>
+                <a:uFillTx/>
+                <a:latin typeface="Proxima Nova Rg"/>
+                <a:ea typeface="+mn-ea"/>
+                <a:cs typeface="+mn-cs"/>
+              </a:rPr>
+              <a:t>êtes sur le point d’acheter un produit qui n’est pas simple et qui peut être difficile à comprendre.</a:t>
             </a:r>
           </a:p>
         </p:txBody>
@@ -21945,7 +21641,7 @@
         </p:nvSpPr>
         <p:spPr>
           <a:xfrm>
-            <a:off x="407669" y="6830047"/>
+            <a:off x="407669" y="6130803"/>
             <a:ext cx="6242589" cy="369332"/>
           </a:xfrm>
           <a:prstGeom prst="rect">
@@ -22065,43 +21761,25 @@
           <a:p>
             <a:pPr algn="just"/>
             <a:r>
-              <a:rPr lang="fr-FR" sz="650" baseline="30000" dirty="0">
+              <a:rPr lang="fr-FR" sz="650" dirty="0">
                 <a:solidFill>
                   <a:srgbClr val="000000"/>
                 </a:solidFill>
                 <a:latin typeface="Proxima Nova Rg" panose="02000506030000020004" pitchFamily="2" charset="0"/>
               </a:rPr>
-              <a:t>(1) </a:t>
-            </a:r>
-            <a:r>
-              <a:rPr lang="fr-FR" sz="650" dirty="0">
-                <a:solidFill>
-                  <a:srgbClr val="000000"/>
-                </a:solidFill>
-                <a:latin typeface="Proxima Nova Rg" panose="02000506030000020004" pitchFamily="2" charset="0"/>
-              </a:rPr>
-              <a:t>Veuillez vous référer au tableau récapitulant les principales caractéristiques financières en &lt;PAGE&gt; pour le détail des dates. </a:t>
+              <a:t>(1) Veuillez vous référer au tableau récapitulant les principales caractéristiques financières en &lt;PAGE&gt; pour le détail des dates. </a:t>
             </a:r>
           </a:p>
           <a:p>
             <a:pPr algn="just"/>
             <a:r>
-              <a:rPr lang="fr-FR" sz="650" baseline="30000" dirty="0">
+              <a:rPr lang="fr-FR" sz="650" dirty="0">
                 <a:solidFill>
                   <a:srgbClr val="000000"/>
                 </a:solidFill>
                 <a:latin typeface="Proxima Nova Rg" panose="02000506030000020004" pitchFamily="2" charset="0"/>
               </a:rPr>
-              <a:t>(2)</a:t>
-            </a:r>
-            <a:r>
-              <a:rPr lang="fr-FR" sz="650" dirty="0">
-                <a:solidFill>
-                  <a:srgbClr val="000000"/>
-                </a:solidFill>
-                <a:latin typeface="Proxima Nova Rg" panose="02000506030000020004" pitchFamily="2" charset="0"/>
-              </a:rPr>
-              <a:t> En prenant comme hypothèse 1,00% de frais de gestion du contrat d’assurance vie ou de capitalisation. TRA nets hors autres frais, fiscalité et prélèvements sociaux applicables au cadre d’investissement, et hors défaut de paiement et/ou faillite de l’Émetteur et du Garant de la formule et hors mise en résolution du Garant de la formule. Les TRA sont calculés à partir du &lt;2PDC&gt; jusqu’à la date de remboursement anticipé automatique éventuel</a:t>
+              <a:t>(2) En prenant comme hypothèse 1,00% de frais de gestion du contrat d’assurance vie ou de capitalisation. TRA nets hors autres frais, fiscalité et prélèvements sociaux applicables au cadre d’investissement, et hors défaut de paiement et/ou faillite de l’Émetteur et du Garant de la formule et hors mise en résolution du Garant de la formule. Les TRA sont calculés à partir du &lt;2PDC&gt; jusqu’à la date de remboursement anticipé automatique éventuel</a:t>
             </a:r>
             <a:r>
               <a:rPr lang="fr-FR" sz="650" baseline="30000" dirty="0">
@@ -22143,27 +21821,18 @@
           <a:p>
             <a:pPr algn="just"/>
             <a:r>
-              <a:rPr lang="fr-FR" sz="650" baseline="30000">
+              <a:rPr lang="fr-FR" sz="650" dirty="0">
                 <a:solidFill>
                   <a:srgbClr val="000000"/>
                 </a:solidFill>
                 <a:latin typeface="Proxima Nova Rg" panose="02000506030000020004" pitchFamily="2" charset="0"/>
               </a:rPr>
-              <a:t>(3) </a:t>
-            </a:r>
-            <a:r>
-              <a:rPr lang="fr-FR" sz="650">
-                <a:solidFill>
-                  <a:srgbClr val="000000"/>
-                </a:solidFill>
-                <a:latin typeface="Proxima Nova Rg" panose="02000506030000020004" pitchFamily="2" charset="0"/>
-              </a:rPr>
-              <a:t> Veuillez vous référer à la section dédiée en page 3 pour une présentation de la détermination du &lt;NDR&gt;</a:t>
+              <a:t>(3)  Veuillez vous référer à la section dédiée en page 3 pour une présentation de la détermination du &lt;NDR&gt;</a:t>
             </a:r>
           </a:p>
           <a:p>
             <a:pPr algn="just"/>
-            <a:endParaRPr lang="fr-FR" sz="650">
+            <a:endParaRPr lang="fr-FR" sz="650" dirty="0">
               <a:solidFill>
                 <a:srgbClr val="000000"/>
               </a:solidFill>
@@ -22908,10 +22577,22 @@
                 <a:ea typeface="+mn-ea"/>
                 <a:cs typeface="+mn-cs"/>
               </a:rPr>
-              <a:t>Les termes « capital » et « capital initial » utilisés dans cette brochure désignent la Valeur Nominale des titres de créance « &lt;NOM&gt; » soit 1 000 EUR multiplié par le nombre de titres. Le montant remboursé est brut, hors frais et fiscalité applicable au cadre d’investissement. Les taux de Rendement Annuel (« TRA ») sont nets de frais de gestion pour les contrats d’assurance vie/capitalisation ou net de droits de garde en compte-titres (en prenant comme hypothèse un taux de frais de gestion ou de droits de garde de 1,00% annuel), mais sans prise en compte des autres frais, de la fiscalité t prélèvements sociaux applicables au cadre d’investissement. Ils sont calculés pour un investissement entre la &lt;</a:t>
-            </a:r>
-            <a:r>
-              <a:rPr kumimoji="0" lang="fr-FR" sz="800" b="0" i="0" u="none" strike="noStrike" kern="1200" cap="none" spc="0" normalizeH="0" baseline="0" noProof="0" dirty="0" err="1">
+              <a:t>Les termes « capital » et « capital initial » utilisés dans cette brochure désignent la Valeur Nominale des titres de créance « &lt;NOM&gt; » soit 1 000 EUR multiplié par le nombre de titres. Le montant remboursé est brut, hors frais et fiscalité applicable au cadre d’investissement. Les taux de Rendement Annuel (« TRA ») sont nets de frais de gestion pour les contrats d’assurance vie/capitalisation ou net de droits de garde en compte-titres (en prenant comme hypothèse un taux de frais de gestion ou de droits de garde de 1,00% annuel), mais sans prise en compte des autres frais, de la fiscalité et prélèvements sociaux applicables au cadre d’investissement. Ils sont calculés pour un investissement entre le &lt;2PDC&gt; et la date d’échéance</a:t>
+            </a:r>
+            <a:r>
+              <a:rPr lang="fr-FR" sz="800" baseline="30000" dirty="0">
+                <a:solidFill>
+                  <a:schemeClr val="tx2"/>
+                </a:solidFill>
+              </a:rPr>
+              <a:t>(1) </a:t>
+            </a:r>
+            <a:r>
+              <a:rPr lang="fr-FR" sz="800" b="1" baseline="30000" dirty="0"/>
+              <a:t> </a:t>
+            </a:r>
+            <a:r>
+              <a:rPr kumimoji="0" lang="fr-FR" sz="800" b="0" i="0" u="none" strike="noStrike" kern="1200" cap="none" spc="0" normalizeH="0" baseline="0" noProof="0" dirty="0">
                 <a:ln>
                   <a:noFill/>
                 </a:ln>
@@ -22925,24 +22606,7 @@
                 <a:ea typeface="+mn-ea"/>
                 <a:cs typeface="+mn-cs"/>
               </a:rPr>
-              <a:t>DDCI_M_B_Strike</a:t>
-            </a:r>
-            <a:r>
-              <a:rPr kumimoji="0" lang="fr-FR" sz="800" b="0" i="0" u="none" strike="noStrike" kern="1200" cap="none" spc="0" normalizeH="0" baseline="0" noProof="0" dirty="0">
-                <a:ln>
-                  <a:noFill/>
-                </a:ln>
-                <a:solidFill>
-                  <a:schemeClr val="tx1"/>
-                </a:solidFill>
-                <a:effectLst/>
-                <a:uLnTx/>
-                <a:uFillTx/>
-                <a:latin typeface="Proxima Nova Rg"/>
-                <a:ea typeface="+mn-ea"/>
-                <a:cs typeface="+mn-cs"/>
-              </a:rPr>
-              <a:t>&gt; date de constatation initiale</a:t>
+              <a:t>ou la date de remboursement automatique anticipé effective</a:t>
             </a:r>
             <a:r>
               <a:rPr lang="fr-FR" sz="800" baseline="30000" dirty="0">
@@ -22950,69 +22614,7 @@
                   <a:schemeClr val="tx2"/>
                 </a:solidFill>
               </a:rPr>
-              <a:t> (1)</a:t>
-            </a:r>
-            <a:r>
-              <a:rPr kumimoji="0" lang="fr-FR" sz="800" b="0" i="0" u="none" strike="noStrike" kern="1200" cap="none" spc="0" normalizeH="0" baseline="0" noProof="0" dirty="0">
-                <a:ln>
-                  <a:noFill/>
-                </a:ln>
-                <a:solidFill>
-                  <a:schemeClr val="tx1"/>
-                </a:solidFill>
-                <a:effectLst/>
-                <a:uLnTx/>
-                <a:uFillTx/>
-                <a:latin typeface="Proxima Nova Rg"/>
-                <a:ea typeface="+mn-ea"/>
-                <a:cs typeface="+mn-cs"/>
-              </a:rPr>
-              <a:t> (soit le &lt;2PDC&gt;) et la date d’échéance</a:t>
-            </a:r>
-            <a:r>
-              <a:rPr lang="fr-FR" sz="800" b="1" baseline="30000" dirty="0">
-                <a:solidFill>
-                  <a:schemeClr val="tx2"/>
-                </a:solidFill>
-              </a:rPr>
-              <a:t> </a:t>
-            </a:r>
-            <a:r>
-              <a:rPr lang="fr-FR" sz="800" baseline="30000" dirty="0">
-                <a:solidFill>
-                  <a:schemeClr val="tx2"/>
-                </a:solidFill>
-              </a:rPr>
-              <a:t>(1) </a:t>
-            </a:r>
-            <a:r>
-              <a:rPr lang="fr-FR" sz="800" b="1" baseline="30000" dirty="0"/>
-              <a:t> </a:t>
-            </a:r>
-            <a:r>
-              <a:rPr kumimoji="0" lang="fr-FR" sz="800" b="0" i="0" u="none" strike="noStrike" kern="1200" cap="none" spc="0" normalizeH="0" baseline="0" noProof="0" dirty="0">
-                <a:ln>
-                  <a:noFill/>
-                </a:ln>
-                <a:solidFill>
-                  <a:schemeClr val="tx1"/>
-                </a:solidFill>
-                <a:effectLst/>
-                <a:uLnTx/>
-                <a:uFillTx/>
-                <a:latin typeface="Proxima Nova Rg"/>
-                <a:ea typeface="+mn-ea"/>
-                <a:cs typeface="+mn-cs"/>
-              </a:rPr>
-              <a:t>ou la date de remboursement automatique anticipé effective</a:t>
-            </a:r>
-            <a:r>
-              <a:rPr lang="fr-FR" sz="800" baseline="30000" dirty="0">
-                <a:solidFill>
-                  <a:schemeClr val="tx2"/>
-                </a:solidFill>
-              </a:rPr>
-              <a:t> (1) </a:t>
+              <a:t>(1) </a:t>
             </a:r>
             <a:r>
               <a:rPr kumimoji="0" lang="fr-FR" sz="800" b="0" i="0" u="none" strike="noStrike" kern="1200" cap="none" spc="0" normalizeH="0" baseline="0" noProof="0" dirty="0">
@@ -23096,7 +22698,7 @@
                 <a:ea typeface="+mn-ea"/>
                 <a:cs typeface="+mn-cs"/>
               </a:rPr>
-              <a:t>Pour un investissement dans « &lt;NOM&gt; », vous êtes exposé pour une durée de &lt;1PR&gt; à &lt;DPRR&gt; &lt;F0&gt;&lt;F0s&gt; à l’évolution &lt;SJR6&gt;</a:t>
+              <a:t>Pour un investissement dans « &lt;NOM&gt; », vous êtes exposé pour une durée &lt;DUREE&gt; à l’évolution &lt;SJR6&gt;</a:t>
             </a:r>
             <a:r>
               <a:rPr lang="fr-FR" sz="800" b="1" dirty="0">
@@ -23438,7 +23040,7 @@
                 <a:ea typeface="+mn-ea"/>
                 <a:cs typeface="+mn-cs"/>
               </a:rPr>
-              <a:t>avec un objectif de coupon fixe plafonné à &lt;CPN&gt; par &lt;F0&gt; (soit &lt;GCA&gt; par année écoulée)&lt;Mémoire6&gt; </a:t>
+              <a:t>avec un objectif de coupon fixe plafonné à &lt;CPN&gt; &lt;environ&gt; par &lt;F0&gt; &lt;ANNUALISE&gt; &lt;Mémoire6&gt; </a:t>
             </a:r>
             <a:r>
               <a:rPr kumimoji="0" lang="fr-FR" sz="800" b="0" i="0" u="none" strike="noStrike" kern="1200" cap="none" spc="0" normalizeH="0" baseline="0" noProof="0" dirty="0">
@@ -23724,27 +23326,7 @@
                 <a:ea typeface="+mn-ea"/>
                 <a:cs typeface="+mn-cs"/>
               </a:rPr>
-              <a:t>n’enregistre pas de baisse de plus de &lt;PDIPERF&gt; par rapport à son &lt;NDR&gt;, l’investisseur accepte de limiter ses gains en cas de forte hausse des marchés (Taux de Rendement Annuel net maximum de </a:t>
-            </a:r>
-            <a:r>
-              <a:rPr kumimoji="0" lang="fr-FR" sz="800" b="0" i="0" u="none" strike="noStrike" kern="1200" cap="none" spc="0" normalizeH="0" baseline="0" noProof="0" dirty="0">
-                <a:ln>
-                  <a:noFill/>
-                </a:ln>
-                <a:solidFill>
-                  <a:schemeClr val="tx1"/>
-                </a:solidFill>
-                <a:effectLst/>
-                <a:highlight>
-                  <a:srgbClr val="00FFFF"/>
-                </a:highlight>
-                <a:uLnTx/>
-                <a:uFillTx/>
-                <a:latin typeface="Proxima Nova Rg"/>
-                <a:ea typeface="+mn-ea"/>
-                <a:cs typeface="+mn-cs"/>
-              </a:rPr>
-              <a:t>&lt;TRA.MAX.P&gt;</a:t>
+              <a:t>n’enregistre pas de baisse de plus de &lt;PDIPERF&gt; par rapport à son &lt;NDR&gt;, l’investisseur accepte de limiter ses gains en cas de forte hausse des marchés (taux de rendement annuel net maximum de &lt;TRA.MAX.P&gt;</a:t>
             </a:r>
             <a:r>
               <a:rPr kumimoji="0" lang="fr-FR" sz="800" b="0" i="0" u="none" strike="noStrike" kern="1200" cap="none" spc="0" normalizeH="0" baseline="30000" noProof="0" dirty="0">
@@ -23755,33 +23337,13 @@
                   <a:schemeClr val="tx1"/>
                 </a:solidFill>
                 <a:effectLst/>
-                <a:highlight>
-                  <a:srgbClr val="00FFFF"/>
-                </a:highlight>
                 <a:uLnTx/>
                 <a:uFillTx/>
                 <a:latin typeface="Proxima Nova Rg"/>
                 <a:ea typeface="+mn-ea"/>
                 <a:cs typeface="+mn-cs"/>
               </a:rPr>
-              <a:t>(</a:t>
-            </a:r>
-            <a:r>
-              <a:rPr kumimoji="0" lang="fr-FR" sz="800" b="0" i="0" u="none" strike="noStrike" kern="1200" cap="none" spc="0" normalizeH="0" baseline="30000" noProof="0" dirty="0">
-                <a:ln>
-                  <a:noFill/>
-                </a:ln>
-                <a:solidFill>
-                  <a:schemeClr val="tx1"/>
-                </a:solidFill>
-                <a:effectLst/>
-                <a:uLnTx/>
-                <a:uFillTx/>
-                <a:latin typeface="Proxima Nova Rg"/>
-                <a:ea typeface="+mn-ea"/>
-                <a:cs typeface="+mn-cs"/>
-              </a:rPr>
-              <a:t>2)</a:t>
+              <a:t>(2)</a:t>
             </a:r>
             <a:r>
               <a:rPr kumimoji="0" lang="fr-FR" sz="800" b="0" i="0" u="none" strike="noStrike" kern="1200" cap="none" spc="0" normalizeH="0" baseline="0" noProof="0" dirty="0">
@@ -24024,43 +23586,25 @@
           <a:p>
             <a:pPr algn="just"/>
             <a:r>
-              <a:rPr lang="fr-FR" sz="650" baseline="30000" dirty="0">
+              <a:rPr lang="fr-FR" sz="650" dirty="0">
                 <a:solidFill>
                   <a:srgbClr val="000000"/>
                 </a:solidFill>
                 <a:latin typeface="Proxima Nova Rg" panose="02000506030000020004" pitchFamily="2" charset="0"/>
               </a:rPr>
-              <a:t>(1) </a:t>
-            </a:r>
-            <a:r>
-              <a:rPr lang="fr-FR" sz="650" dirty="0">
-                <a:solidFill>
-                  <a:srgbClr val="000000"/>
-                </a:solidFill>
-                <a:latin typeface="Proxima Nova Rg" panose="02000506030000020004" pitchFamily="2" charset="0"/>
-              </a:rPr>
-              <a:t>Veuillez vous référer au tableau récapitulant les principales caractéristiques financières en &lt;PAGE&gt; pour le détail des dates. </a:t>
+              <a:t>(1) Veuillez vous référer au tableau récapitulant les principales caractéristiques financières en &lt;PAGE&gt; pour le détail des dates. </a:t>
             </a:r>
           </a:p>
           <a:p>
             <a:pPr algn="just"/>
             <a:r>
-              <a:rPr lang="fr-FR" sz="650" baseline="30000" dirty="0">
+              <a:rPr lang="fr-FR" sz="650" dirty="0">
                 <a:solidFill>
                   <a:srgbClr val="000000"/>
                 </a:solidFill>
                 <a:latin typeface="Proxima Nova Rg" panose="02000506030000020004" pitchFamily="2" charset="0"/>
               </a:rPr>
-              <a:t>(2)</a:t>
-            </a:r>
-            <a:r>
-              <a:rPr lang="fr-FR" sz="650" dirty="0">
-                <a:solidFill>
-                  <a:srgbClr val="000000"/>
-                </a:solidFill>
-                <a:latin typeface="Proxima Nova Rg" panose="02000506030000020004" pitchFamily="2" charset="0"/>
-              </a:rPr>
-              <a:t> En prenant comme hypothèse 1,00% de frais de gestion du contrat d’assurance vie ou de capitalisation. TRA nets hors autres frais, fiscalité et prélèvements sociaux applicables au cadre d’investissement, et hors défaut de paiement et/ou faillite de l’Émetteur et du Garant de la formule et hors mise en résolution du Garant de la formule. Les TRA sont calculés à partir du &lt;2PDC&gt; jusqu’à la date de remboursement anticipé automatique éventuel</a:t>
+              <a:t>(2) En prenant comme hypothèse 1,00% de frais de gestion du contrat d’assurance vie ou de capitalisation. TRA nets hors autres frais, fiscalité et prélèvements sociaux applicables au cadre d’investissement, et hors défaut de paiement et/ou faillite de l’Émetteur et du Garant de la formule et hors mise en résolution du Garant de la formule. Les TRA sont calculés à partir du &lt;2PDC&gt; jusqu’à la date de remboursement anticipé automatique éventuel</a:t>
             </a:r>
             <a:r>
               <a:rPr lang="fr-FR" sz="650" baseline="30000" dirty="0">
@@ -24596,7 +24140,7 @@
             </a:pPr>
             <a:r>
               <a:rPr lang="fr-FR" sz="800" dirty="0"/>
-              <a:t>Un gain plafonné fixe de &lt;CPN&gt; par &lt;F0&gt; &lt;F2&gt; depuis le &lt;DDCI&gt;</a:t>
+              <a:t>Un gain de &lt;CPN&gt; &lt;environ&gt; &lt;environ&gt; par &lt;F0&gt; &lt;F2&gt; depuis le &lt;DDCI&gt;&lt;exclus&gt;</a:t>
             </a:r>
           </a:p>
           <a:p>
@@ -24611,15 +24155,7 @@
             </a:pPr>
             <a:r>
               <a:rPr lang="fr-FR" sz="800" dirty="0"/>
-              <a:t>(soit un &lt;GC&gt; de &lt;GCE&gt; et un Taux de Rendement Annuel net de </a:t>
-            </a:r>
-            <a:r>
-              <a:rPr lang="fr-FR" sz="800" dirty="0">
-                <a:highlight>
-                  <a:srgbClr val="FFFF00"/>
-                </a:highlight>
-              </a:rPr>
-              <a:t>&lt;TRA.MG.A&gt;</a:t>
+              <a:t>(soit un &lt;GC&gt; total de &lt;GCE&gt; et un taux de rendement annuel net de &lt;TRA.MG.A&gt;</a:t>
             </a:r>
             <a:r>
               <a:rPr lang="fr-FR" sz="800" baseline="30000" dirty="0"/>
@@ -24871,7 +24407,7 @@
             </a:pPr>
             <a:r>
               <a:rPr lang="fr-FR" sz="800" dirty="0"/>
-              <a:t>Un gain plafonné fixe de &lt;CPN&gt; par &lt;F0&gt; &lt;F2&gt; depuis le &lt;DDCI&gt; </a:t>
+              <a:t>Un gain de &lt;CPN&gt; par &lt;F0&gt; &lt;F2&gt; depuis le &lt;DDCI&gt;&lt;exclus&gt; </a:t>
             </a:r>
           </a:p>
           <a:p>
@@ -24886,15 +24422,7 @@
             </a:pPr>
             <a:r>
               <a:rPr lang="fr-FR" sz="800" dirty="0"/>
-              <a:t>(Soit un Taux de Rendement Annuel net compris entre </a:t>
-            </a:r>
-            <a:r>
-              <a:rPr lang="fr-FR" sz="800" dirty="0">
-                <a:highlight>
-                  <a:srgbClr val="FFFF00"/>
-                </a:highlight>
-              </a:rPr>
-              <a:t>&lt;TRA.MRA.MIN.A&gt;</a:t>
+              <a:t>(Soit un Taux de Rendement Annuel net compris entre &lt;TRA.MRA.MIN.A&gt;</a:t>
             </a:r>
             <a:r>
               <a:rPr lang="fr-FR" sz="800" baseline="30000" dirty="0"/>
@@ -24902,15 +24430,7 @@
             </a:r>
             <a:r>
               <a:rPr lang="fr-FR" sz="800" dirty="0"/>
-              <a:t>et </a:t>
-            </a:r>
-            <a:r>
-              <a:rPr lang="fr-FR" sz="800" dirty="0">
-                <a:highlight>
-                  <a:srgbClr val="FFFF00"/>
-                </a:highlight>
-              </a:rPr>
-              <a:t>&lt;TRA.F.A&gt;</a:t>
+              <a:t>et &lt;TRA.F.A&gt;</a:t>
             </a:r>
             <a:r>
               <a:rPr lang="fr-FR" sz="800" baseline="30000" dirty="0"/>
@@ -24938,7 +24458,7 @@
         <p:spPr>
           <a:xfrm>
             <a:off x="910052" y="2345793"/>
-            <a:ext cx="6005163" cy="738664"/>
+            <a:ext cx="6005163" cy="615553"/>
           </a:xfrm>
           <a:prstGeom prst="rect">
             <a:avLst/>
@@ -24966,7 +24486,7 @@
                   <a:schemeClr val="tx2"/>
                 </a:solidFill>
               </a:rPr>
-              <a:t>(1) </a:t>
+              <a:t>(1)  </a:t>
             </a:r>
             <a:r>
               <a:rPr lang="fr-FR" sz="800" dirty="0">
@@ -24974,7 +24494,7 @@
                   <a:schemeClr val="tx2"/>
                 </a:solidFill>
               </a:rPr>
-              <a:t>à partir de la fin &lt;DU&gt; &lt;F0&gt; &lt;1PR&gt; et jusqu’à la fin &lt;DU&gt; &lt;F0&gt; &lt;ADPR&gt;, on observe le &lt;SJR3&gt; de clôture &lt;SJR7&gt;</a:t>
+              <a:t>&lt;PERIODE_DE_REMBOURSEMENT&gt; , on observe le &lt;SJR3&gt; de clôture &lt;SJR7&gt;</a:t>
             </a:r>
             <a:r>
               <a:rPr lang="en-US" sz="800" dirty="0">
@@ -25698,7 +25218,7 @@
             </a:pPr>
             <a:r>
               <a:rPr lang="fr-FR" sz="800" dirty="0"/>
-              <a:t>par &lt;SJR1&gt; entre le &lt;DDCI&gt; et le &lt;DCF&gt;</a:t>
+              <a:t>par &lt;SJR1&gt; entre son &lt;NDR&gt; et son &lt;SJR3&gt; final le &lt;DCF&gt;</a:t>
             </a:r>
           </a:p>
           <a:p>
@@ -25713,19 +25233,11 @@
             </a:pPr>
             <a:r>
               <a:rPr lang="fr-FR" sz="800" dirty="0"/>
-              <a:t>(Soit un Taux de Rendement Annuel net inférieur ou égal </a:t>
-            </a:r>
-            <a:r>
-              <a:rPr lang="fr-FR" sz="800"/>
-              <a:t>à &lt;TRA.ECHEANCE.PERTE.A&gt;</a:t>
-            </a:r>
-            <a:r>
-              <a:rPr lang="fr-FR" sz="800" baseline="30000"/>
-              <a:t>(</a:t>
+              <a:t>(Soit un taux de rendement annuel net inférieur ou égal à &lt;TRA.ECHEANCE.PERTE.A&gt;</a:t>
             </a:r>
             <a:r>
               <a:rPr lang="fr-FR" sz="800" baseline="30000" dirty="0"/>
-              <a:t>2)</a:t>
+              <a:t>(2)</a:t>
             </a:r>
             <a:r>
               <a:rPr lang="fr-FR" sz="800" dirty="0"/>
@@ -26680,19 +26192,7 @@
           <a:p>
             <a:r>
               <a:rPr lang="fr-FR" sz="800" dirty="0"/>
-              <a:t>&lt;balisedeg2&gt; </a:t>
-            </a:r>
-            <a:r>
-              <a:rPr lang="fr-FR" sz="800" dirty="0">
-                <a:highlight>
-                  <a:srgbClr val="FF00FF"/>
-                </a:highlight>
-              </a:rPr>
-              <a:t>&lt;balisedeg3</a:t>
-            </a:r>
-            <a:r>
-              <a:rPr lang="fr-FR" sz="800" dirty="0"/>
-              <a:t>&gt;</a:t>
+              <a:t>&lt;balisedeg2&gt;</a:t>
             </a:r>
             <a:endParaRPr lang="en-US" sz="800" dirty="0"/>
           </a:p>
@@ -26796,43 +26296,25 @@
           <a:p>
             <a:pPr algn="just"/>
             <a:r>
-              <a:rPr lang="fr-FR" sz="650" baseline="30000" dirty="0">
+              <a:rPr lang="fr-FR" sz="650" dirty="0">
                 <a:solidFill>
                   <a:srgbClr val="000000"/>
                 </a:solidFill>
                 <a:latin typeface="Proxima Nova Rg" panose="02000506030000020004" pitchFamily="2" charset="0"/>
               </a:rPr>
-              <a:t>(1) </a:t>
-            </a:r>
-            <a:r>
-              <a:rPr lang="fr-FR" sz="650" dirty="0">
-                <a:solidFill>
-                  <a:srgbClr val="000000"/>
-                </a:solidFill>
-                <a:latin typeface="Proxima Nova Rg" panose="02000506030000020004" pitchFamily="2" charset="0"/>
-              </a:rPr>
-              <a:t>Veuillez vous référer au tableau récapitulant les principales caractéristiques financières en &lt;PAGE&gt; pour le détail des dates. </a:t>
+              <a:t>(1) Veuillez vous référer au tableau récapitulant les principales caractéristiques financières en &lt;PAGE&gt; pour le détail des dates. </a:t>
             </a:r>
           </a:p>
           <a:p>
             <a:pPr algn="just"/>
             <a:r>
-              <a:rPr lang="fr-FR" sz="650" baseline="30000" dirty="0">
+              <a:rPr lang="fr-FR" sz="650" dirty="0">
                 <a:solidFill>
                   <a:srgbClr val="000000"/>
                 </a:solidFill>
                 <a:latin typeface="Proxima Nova Rg" panose="02000506030000020004" pitchFamily="2" charset="0"/>
               </a:rPr>
-              <a:t>(2)</a:t>
-            </a:r>
-            <a:r>
-              <a:rPr lang="fr-FR" sz="650" dirty="0">
-                <a:solidFill>
-                  <a:srgbClr val="000000"/>
-                </a:solidFill>
-                <a:latin typeface="Proxima Nova Rg" panose="02000506030000020004" pitchFamily="2" charset="0"/>
-              </a:rPr>
-              <a:t> </a:t>
+              <a:t>(2) </a:t>
             </a:r>
             <a:r>
               <a:rPr lang="fr-FR" sz="700" dirty="0">
@@ -28629,8 +28111,8 @@
         </p:nvSpPr>
         <p:spPr bwMode="auto">
           <a:xfrm>
-            <a:off x="133350" y="9765983"/>
-            <a:ext cx="6483350" cy="630942"/>
+            <a:off x="-87630" y="9765983"/>
+            <a:ext cx="7032722" cy="630942"/>
           </a:xfrm>
           <a:prstGeom prst="rect">
             <a:avLst/>
@@ -28651,43 +28133,25 @@
           <a:p>
             <a:pPr lvl="1" algn="just"/>
             <a:r>
-              <a:rPr lang="fr-FR" sz="700" baseline="30000" dirty="0">
+              <a:rPr lang="fr-FR" sz="700" dirty="0">
                 <a:solidFill>
                   <a:srgbClr val="000000"/>
                 </a:solidFill>
                 <a:latin typeface="Proxima Nova Rg" panose="02000506030000020004" pitchFamily="2" charset="0"/>
               </a:rPr>
-              <a:t>(1)</a:t>
-            </a:r>
-            <a:r>
-              <a:rPr lang="fr-FR" sz="700" dirty="0">
-                <a:solidFill>
-                  <a:srgbClr val="000000"/>
-                </a:solidFill>
-                <a:latin typeface="Proxima Nova Rg" panose="02000506030000020004" pitchFamily="2" charset="0"/>
-              </a:rPr>
-              <a:t> Veuillez vous référer au tableau récapitulant les principales caractéristiques financières en page 7 pour le détail des dates. </a:t>
+              <a:t>(1) Veuillez vous référer au tableau récapitulant les principales caractéristiques financières en page 7 pour le détail des dates. </a:t>
             </a:r>
           </a:p>
           <a:p>
             <a:pPr lvl="1" algn="just"/>
             <a:r>
-              <a:rPr lang="fr-FR" sz="700" baseline="30000" dirty="0">
+              <a:rPr lang="fr-FR" sz="700" dirty="0">
                 <a:solidFill>
                   <a:srgbClr val="000000"/>
                 </a:solidFill>
                 <a:latin typeface="Proxima Nova Rg" panose="02000506030000020004" pitchFamily="2" charset="0"/>
               </a:rPr>
-              <a:t>(2)</a:t>
-            </a:r>
-            <a:r>
-              <a:rPr lang="fr-FR" sz="700" dirty="0">
-                <a:solidFill>
-                  <a:srgbClr val="000000"/>
-                </a:solidFill>
-                <a:latin typeface="Proxima Nova Rg" panose="02000506030000020004" pitchFamily="2" charset="0"/>
-              </a:rPr>
-              <a:t> En prenant comme hypothèse 1,00% de frais de gestion du contrat d’assurance vie ou de capitalisation ou de droits de garde en compte-titres. TRA net hors autres frais, fiscalité et prélèvements sociaux applicables au cadre d’investissement, et hors défaut de paiement et/ou faillite et hors mise en résolution de l’Émetteur. Les TRA sont calculés à partir </a:t>
+              <a:t>(2) En prenant comme hypothèse 1,00% de frais de gestion du contrat d’assurance vie ou de capitalisation ou de droits de garde en compte-titres. TRA net hors autres frais, fiscalité et prélèvements sociaux applicables au cadre d’investissement, et hors défaut de paiement et/ou faillite et hors mise en résolution de l’Émetteur. Les TRA sont calculés à partir </a:t>
             </a:r>
             <a:r>
               <a:rPr lang="fr-FR" sz="650" dirty="0">
@@ -29247,15 +28711,7 @@
             </a:pPr>
             <a:r>
               <a:rPr lang="fr-FR" sz="800" dirty="0"/>
-              <a:t>(soit un Taux de Rendement Annuel net entre </a:t>
-            </a:r>
-            <a:r>
-              <a:rPr lang="fr-FR" sz="800" dirty="0">
-                <a:highlight>
-                  <a:srgbClr val="00FFFF"/>
-                </a:highlight>
-              </a:rPr>
-              <a:t>&lt;TRA.MRE.MIN.PM&gt;</a:t>
+              <a:t>(soit un Taux de Rendement Annuel net entre &lt;TRA.MRE.MIN.PM&gt;</a:t>
             </a:r>
             <a:r>
               <a:rPr lang="fr-FR" sz="800" baseline="30000" dirty="0"/>
@@ -29263,15 +28719,7 @@
             </a:r>
             <a:r>
               <a:rPr lang="fr-FR" sz="800" dirty="0"/>
-              <a:t> et </a:t>
-            </a:r>
-            <a:r>
-              <a:rPr lang="fr-FR" sz="800" dirty="0">
-                <a:highlight>
-                  <a:srgbClr val="00FFFF"/>
-                </a:highlight>
-              </a:rPr>
-              <a:t>&lt;TRA.TOUT.P&gt;</a:t>
+              <a:t> et &lt;TRA.TOUT.P&gt;</a:t>
             </a:r>
             <a:r>
               <a:rPr lang="fr-FR" sz="800" baseline="30000" dirty="0"/>
@@ -29912,7 +29360,7 @@
             </a:pPr>
             <a:r>
               <a:rPr lang="fr-FR" sz="800" dirty="0"/>
-              <a:t>par &lt;SJR1&gt; entre le &lt;NDR&gt; et son niveau de clôture le &lt;DCF&gt;</a:t>
+              <a:t>par &lt;SJR1&gt; entre son &lt;NDR&gt; et son &lt;SJR3&gt; final le &lt;DCF&gt;</a:t>
             </a:r>
           </a:p>
           <a:p>
@@ -29927,7 +29375,11 @@
             </a:pPr>
             <a:r>
               <a:rPr lang="fr-FR" sz="800" dirty="0"/>
-              <a:t>(Soit un Taux de Rendement Annuel net inférieur ou égal à &lt;TRA.MED.P&gt;</a:t>
+              <a:t>(Soit un taux de rendement annuel net inférieur ou égal à &lt;TRA.MED.P&gt;</a:t>
+            </a:r>
+            <a:r>
+              <a:rPr lang="fr-FR" sz="800" baseline="30000" dirty="0"/>
+              <a:t>(2)</a:t>
             </a:r>
           </a:p>
           <a:p>
@@ -30119,11 +29571,7 @@
               <a:t>(soit un Taux de Rendement Annuel net compris entre -1,00% et </a:t>
             </a:r>
             <a:r>
-              <a:rPr lang="fr-FR" sz="800" dirty="0">
-                <a:highlight>
-                  <a:srgbClr val="00FFFF"/>
-                </a:highlight>
-              </a:rPr>
+              <a:rPr lang="fr-FR" sz="800" dirty="0"/>
               <a:t>&lt;TRA.TOUT.SAUF.P&gt;</a:t>
             </a:r>
             <a:r>
@@ -30459,15 +29907,7 @@
             </a:pPr>
             <a:r>
               <a:rPr lang="fr-FR" sz="800" dirty="0"/>
-              <a:t>(Soit un Taux de Rendement Annuel net compris entre </a:t>
-            </a:r>
-            <a:r>
-              <a:rPr lang="fr-FR" sz="800" dirty="0">
-                <a:highlight>
-                  <a:srgbClr val="00FFFF"/>
-                </a:highlight>
-              </a:rPr>
-              <a:t>&lt;TRA.MRA.MIN.PM&gt;</a:t>
+              <a:t>(Soit un Taux de Rendement Annuel net entre &lt;TRA.MRA.MIN.PM&gt;</a:t>
             </a:r>
             <a:r>
               <a:rPr lang="fr-FR" sz="800" baseline="30000" dirty="0"/>
@@ -30478,16 +29918,8 @@
               <a:t>et &lt;TRA.TOUT-1.P&gt;</a:t>
             </a:r>
             <a:r>
-              <a:rPr lang="fr-FR" sz="800" baseline="30000" dirty="0">
-                <a:highlight>
-                  <a:srgbClr val="00FFFF"/>
-                </a:highlight>
-              </a:rPr>
-              <a:t>(</a:t>
-            </a:r>
-            <a:r>
               <a:rPr lang="fr-FR" sz="800" baseline="30000" dirty="0"/>
-              <a:t>2)</a:t>
+              <a:t>(2)</a:t>
             </a:r>
             <a:r>
               <a:rPr lang="fr-FR" sz="800" dirty="0"/>
@@ -30978,43 +30410,25 @@
           <a:p>
             <a:pPr marL="0" lvl="1" algn="just"/>
             <a:r>
-              <a:rPr lang="fr-FR" sz="650" baseline="30000" dirty="0">
+              <a:rPr lang="fr-FR" sz="650" dirty="0">
                 <a:solidFill>
                   <a:schemeClr val="tx2"/>
                 </a:solidFill>
                 <a:latin typeface="+mn-lt"/>
               </a:rPr>
-              <a:t>(1)</a:t>
-            </a:r>
-            <a:r>
-              <a:rPr lang="fr-FR" sz="650" dirty="0">
-                <a:solidFill>
-                  <a:schemeClr val="tx2"/>
-                </a:solidFill>
-                <a:latin typeface="+mn-lt"/>
-              </a:rPr>
-              <a:t> Veuillez vous référer au tableau récapitulant les principales caractéristiques financières en &lt;PAGE&gt; pour le détail des dates. </a:t>
+              <a:t>(1) Veuillez vous référer au tableau récapitulant les principales caractéristiques financières en &lt;PAGE&gt; pour le détail des dates. </a:t>
             </a:r>
           </a:p>
           <a:p>
             <a:pPr marL="0" lvl="1" algn="just"/>
             <a:r>
-              <a:rPr lang="fr-FR" sz="650" baseline="30000" dirty="0">
+              <a:rPr lang="fr-FR" sz="650" dirty="0">
                 <a:solidFill>
                   <a:schemeClr val="tx2"/>
                 </a:solidFill>
                 <a:latin typeface="+mn-lt"/>
               </a:rPr>
-              <a:t>(2)</a:t>
-            </a:r>
-            <a:r>
-              <a:rPr lang="fr-FR" sz="650" dirty="0">
-                <a:solidFill>
-                  <a:schemeClr val="tx2"/>
-                </a:solidFill>
-                <a:latin typeface="+mn-lt"/>
-              </a:rPr>
-              <a:t> En prenant comme hypothèse 1,00% de frais de gestion du contrat d’assurance vie ou de capitalisation. TRA nets hors autres frais, fiscalité et prélèvements sociaux applicables au cadre d’investissement, et hors défaut de paiement et/ou faillite de l’Émetteur et du Garant de la formule et hors mise en résolution du Garant de la formule. Les TRA sont calculés à partir du &lt;2PDC&gt; jusqu’à la date de remboursement anticipé automatique éventuel</a:t>
+              <a:t>(2) En prenant comme hypothèse 1,00% de frais de gestion du contrat d’assurance vie ou de capitalisation. TRA nets hors autres frais, fiscalité et prélèvements sociaux applicables au cadre d’investissement, et hors défaut de paiement et/ou faillite de l’Émetteur et du Garant de la formule et hors mise en résolution du Garant de la formule. Les TRA sont calculés à partir du &lt;2PDC&gt; jusqu’à la date de remboursement anticipé automatique éventuel</a:t>
             </a:r>
             <a:r>
               <a:rPr lang="fr-FR" sz="650" baseline="30000" dirty="0">
@@ -31373,7 +30787,7 @@
                   <a:srgbClr val="000000"/>
                 </a:solidFill>
               </a:rPr>
-              <a:t>De la fin &lt;DU&gt; &lt;F0&gt; &lt;1PR&gt; jusqu'à la fin &lt;DU&gt; &lt;F0&gt; &lt;ADPR&gt;, si à l’une des dates de constatation</a:t>
+              <a:t>&lt;PERIODE_DE_REMBOURSEMENT&gt;, si à l’une des dates de constatation &lt;F1&gt; correspondantes</a:t>
             </a:r>
             <a:r>
               <a:rPr lang="fr-FR" sz="800" baseline="30000" dirty="0">
@@ -31389,7 +30803,7 @@
                   <a:srgbClr val="000000"/>
                 </a:solidFill>
               </a:rPr>
-              <a:t> &lt;F1&gt; &lt;SJR1&gt; clôture à un &lt;SJR3&gt; supérieur ou égal à &lt;ABAC&gt;, </a:t>
+              <a:t> &lt;SJR1&gt; clôture à un &lt;SJR3&gt; supérieur ou égal à &lt;ABAC&gt;, </a:t>
             </a:r>
             <a:r>
               <a:rPr lang="fr-FR" sz="800" b="1" dirty="0">
@@ -31405,7 +30819,7 @@
                   <a:srgbClr val="000000"/>
                 </a:solidFill>
               </a:rPr>
-              <a:t>et l’investisseur récupère alors l’intégralité de son capital initial, majorée d’un &lt;GC&gt; de &lt;CPN&gt; par &lt;F0&gt; &lt;F2&gt; depuis le &lt;DDCI&gt; (soit &lt;GCA&gt;</a:t>
+              <a:t>et l’investisseur récupère alors l’intégralité de son capital initial, majorée d’un &lt;GC&gt; de &lt;CPN&gt; &lt;environ&gt; par &lt;F0&gt; &lt;F2&gt; depuis le &lt;DDCI&gt;&lt;exclus&gt; (soit &lt;GCA&gt;</a:t>
             </a:r>
             <a:r>
               <a:rPr lang="fr-FR" sz="800" i="1" dirty="0">
@@ -31421,7 +30835,7 @@
                   <a:srgbClr val="000000"/>
                 </a:solidFill>
               </a:rPr>
-              <a:t>par année écoulée et un Taux de Rendement Annuel net maximum de &lt;TRA.F.A&gt;</a:t>
+              <a:t>par année écoulée et un taux de rendement annuel net maximum de &lt;TRA.F.A&gt;</a:t>
             </a:r>
             <a:r>
               <a:rPr lang="fr-FR" sz="800" baseline="30000" dirty="0">
@@ -31482,7 +30896,7 @@
                   <a:srgbClr val="000000"/>
                 </a:solidFill>
               </a:rPr>
-              <a:t>, si le mécanisme de remboursement anticipé n’a pas été activé au préalable, et si &lt;SJR1&gt; clôture à un &lt;SJR3&gt; supérieur ou égal à &lt;DBAC&gt; de son &lt;NDR&gt;, l’investisseur récupère alors l’intégralité de son capital initial, majorée d’un &lt;GC&gt; de &lt;CPN&gt; par &lt;F0&gt; &lt;F2&gt; depuis le &lt;DDCI&gt;  (soit un &lt;GC&gt; de &lt;GCE&gt; et un Taux de Rendement Annuel net de &lt;TRA.MG.A&gt;</a:t>
+              <a:t>, si le mécanisme de remboursement anticipé n’a pas été activé au préalable, et si &lt;SJR1&gt; clôture à un &lt;SJR3&gt; supérieur ou égal à &lt;DBAC&gt; de son &lt;NDR&gt;, l’investisseur récupère alors l’intégralité de son capital initial, majorée d’un &lt;GC&gt; de &lt;CPN&gt; &lt;environ&gt; par &lt;F0&gt; &lt;F2&gt; depuis le &lt;DDCI&gt;&lt;exclus&gt;  (soit un &lt;GC&gt; de &lt;GCE&gt; et un taux de rendement annuel net de &lt;TRA.MG.A&gt;</a:t>
             </a:r>
             <a:r>
               <a:rPr lang="fr-FR" sz="800" baseline="30000" dirty="0">
@@ -31691,7 +31105,7 @@
                   <a:srgbClr val="000000"/>
                 </a:solidFill>
               </a:rPr>
-              <a:t>L’investisseur est exposé à un éventuel défaut de paiement et/ou de faillite </a:t>
+              <a:t>L’investisseur est exposé à un éventuel défaut de paiement et de faillite </a:t>
             </a:r>
             <a:r>
               <a:rPr lang="fr-FR" sz="800" dirty="0">
@@ -31715,22 +31129,24 @@
                   <a:srgbClr val="000000"/>
                 </a:solidFill>
               </a:rPr>
-              <a:t> </a:t>
+              <a:t> (qui induit un risque sur la valeur de marché du produit) de l’Émetteur ainsi qu’au </a:t>
+            </a:r>
+            <a:r>
+              <a:rPr lang="fr-FR" sz="800" b="1" dirty="0">
+                <a:solidFill>
+                  <a:srgbClr val="000000"/>
+                </a:solidFill>
+              </a:rPr>
+              <a:t>risque de défaut de paiement, de faillite et de mise en résolution </a:t>
             </a:r>
             <a:r>
               <a:rPr lang="fr-FR" sz="800" dirty="0">
                 <a:solidFill>
                   <a:srgbClr val="000000"/>
                 </a:solidFill>
-                <a:latin typeface="Proxima Nova Rg" panose="02000506030000020004" pitchFamily="2" charset="0"/>
-              </a:rPr>
-              <a:t>(qui induit un risque sur la valeur de marché du titre de créance) de l’Émetteur.</a:t>
-            </a:r>
-            <a:endParaRPr lang="fr-FR" sz="800" dirty="0">
-              <a:solidFill>
-                <a:srgbClr val="000000"/>
-              </a:solidFill>
-            </a:endParaRPr>
+              </a:rPr>
+              <a:t>du Garant de la formule et du paiement des sommes dues au titre du produit.</a:t>
+            </a:r>
           </a:p>
           <a:p>
             <a:pPr marL="171450" indent="-171450" algn="just">
@@ -31752,7 +31168,7 @@
                   <a:srgbClr val="000000"/>
                 </a:solidFill>
               </a:rPr>
-              <a:t>L’investisseur ne connaît pas à l’avance la durée exacte de son investissement qui peut varier de </a:t>
+              <a:t>L’investisseur ne connaît pas à l’avance la durée exacte de son investissement qui peut varier de &lt;DUREE&gt;</a:t>
             </a:r>
             <a:r>
               <a:rPr lang="fr-FR" sz="800" b="1" dirty="0">
@@ -31760,7 +31176,7 @@
                   <a:srgbClr val="000000"/>
                 </a:solidFill>
               </a:rPr>
-              <a:t>&lt;1PR&gt; à &lt;DPRR&gt; &lt;F0&gt;&lt;F0s&gt;.</a:t>
+              <a:t>.</a:t>
             </a:r>
           </a:p>
           <a:p>
@@ -31791,7 +31207,7 @@
                   <a:srgbClr val="000000"/>
                 </a:solidFill>
               </a:rPr>
-              <a:t>mécanisme de plafonnement des gains à &lt;CPN&gt; par &lt;F0&gt; &lt;F2&gt; depuis le &lt;DDCI&gt; </a:t>
+              <a:t>mécanisme de plafonnement des gains à &lt;CPN&gt; &lt;environ&gt; par &lt;F0&gt; &lt;F2&gt; depuis le &lt;DDCI&gt;&lt;exclus&gt; </a:t>
             </a:r>
             <a:r>
               <a:rPr lang="fr-FR" sz="800" dirty="0">
@@ -31799,7 +31215,7 @@
                   <a:srgbClr val="000000"/>
                 </a:solidFill>
               </a:rPr>
-              <a:t>(soit un Taux de Rendement Annuel net maximum de &lt;TRA.F.A&gt;</a:t>
+              <a:t>(soit un taux de rendement annuel net maximum de &lt;TRA.F.A&gt;</a:t>
             </a:r>
             <a:r>
               <a:rPr lang="fr-FR" sz="800" baseline="30000" dirty="0">
@@ -31860,7 +31276,7 @@
                 <a:effectLst/>
                 <a:ea typeface="Calibri" panose="020F0502020204030204" pitchFamily="34" charset="0"/>
               </a:rPr>
-              <a:t>&lt;ABAC&gt; de son &lt;NDR&gt; </a:t>
+              <a:t>&lt;ABAC&gt; &lt;EBAC&gt; &lt;DESONNDR&gt; </a:t>
             </a:r>
             <a:r>
               <a:rPr lang="fr-FR" sz="800" b="1" dirty="0">
@@ -31904,23 +31320,7 @@
                   <a:srgbClr val="000000"/>
                 </a:solidFill>
               </a:rPr>
-              <a:t>&lt;</a:t>
-            </a:r>
-            <a:r>
-              <a:rPr lang="fr-FR" sz="800" dirty="0" err="1">
-                <a:solidFill>
-                  <a:srgbClr val="000000"/>
-                </a:solidFill>
-              </a:rPr>
-              <a:t>inconv</a:t>
-            </a:r>
-            <a:r>
-              <a:rPr lang="fr-FR" sz="800" dirty="0">
-                <a:solidFill>
-                  <a:srgbClr val="000000"/>
-                </a:solidFill>
-              </a:rPr>
-              <a:t>&gt;.</a:t>
+              <a:t>&lt;inconvénient&gt;</a:t>
             </a:r>
             <a:endParaRPr lang="fr-FR" sz="800" dirty="0">
               <a:solidFill>
@@ -32120,12 +31520,20 @@
               <a:buChar char="•"/>
             </a:pPr>
             <a:r>
+              <a:rPr lang="fr-FR" sz="800" b="1" dirty="0">
+                <a:solidFill>
+                  <a:srgbClr val="000000"/>
+                </a:solidFill>
+              </a:rPr>
+              <a:t>Risque lié au sous-jacent </a:t>
+            </a:r>
+            <a:r>
               <a:rPr lang="fr-FR" sz="800" dirty="0">
                 <a:solidFill>
                   <a:srgbClr val="000000"/>
                 </a:solidFill>
               </a:rPr>
-              <a:t>Risque lié au sous-jacent : Le mécanisme de remboursement est lié à l’évolution du &lt;SJR3&gt; &lt;SJR7&gt; et donc à l’évolution des marchés actions.</a:t>
+              <a:t>: Le mécanisme de remboursement est lié à l’évolution du &lt;SJR3&gt; &lt;SJR7&gt; et donc à l’évolution des marchés actions.</a:t>
             </a:r>
           </a:p>
           <a:p>
@@ -32140,12 +31548,52 @@
               <a:buChar char="•"/>
             </a:pPr>
             <a:r>
+              <a:rPr lang="fr-FR" sz="800" b="1" dirty="0">
+                <a:solidFill>
+                  <a:srgbClr val="000000"/>
+                </a:solidFill>
+              </a:rPr>
+              <a:t>Risque découlant de la nature du support </a:t>
+            </a:r>
+            <a:r>
               <a:rPr lang="fr-FR" sz="800" dirty="0">
                 <a:solidFill>
                   <a:srgbClr val="000000"/>
                 </a:solidFill>
               </a:rPr>
-              <a:t>Risque découlant de la nature du support : En cas de revente du produit avant l’échéance ou, selon le cas, à la date de remboursement anticipé automatique(1), alors que les conditions de remboursement anticipé automatique ne sont pas remplies, il est impossible de mesurer a priori le gain ou la perte possibles, le prix pratiqué dépendant alors des conditions de marché en vigueur. Si le cadre d’investissement du produit est un contrat d’assurance vie ou de capitalisation, le dénouement (notamment par rachat ou décès de l’assuré), l’arbitrage ou le rachat partiel de celui-ci peuvent entraîner le désinvestissement des unités de compte adossées aux titres avant leur dates d’échéance(1). Ainsi, le montant remboursé pourra être très différent (inférieur ou supérieur) du montant résultant de l’application de la formule annoncée. Il existe donc un risque de perte en capital partielle ou totale. Il est précisé que l’Assureur, d'une part, l'Emetteur et le Garant de la formule d'autre part sont des entités juridiques indépendantes.</a:t>
+              <a:t>: En cas de revente du produit avant l’échéance ou, selon le cas, à la date de remboursement anticipé automatique</a:t>
+            </a:r>
+            <a:r>
+              <a:rPr lang="fr-FR" sz="800" baseline="30000" dirty="0">
+                <a:solidFill>
+                  <a:srgbClr val="000000"/>
+                </a:solidFill>
+              </a:rPr>
+              <a:t>(1)</a:t>
+            </a:r>
+            <a:r>
+              <a:rPr lang="fr-FR" sz="800" dirty="0">
+                <a:solidFill>
+                  <a:srgbClr val="000000"/>
+                </a:solidFill>
+              </a:rPr>
+              <a:t>, alors que les conditions de remboursement anticipé automatique ne sont pas remplies, il est impossible de mesurer a priori le gain ou la perte possibles, le prix pratiqué dépendant alors des conditions de marché en vigueur. Si le cadre d’investissement du produit est un contrat d’assurance vie ou de capitalisation, le dénouement (notamment par rachat ou décès de l’assuré), l’arbitrage ou le rachat partiel de celui-ci peuvent entraîner le désinvestissement des unités de compte adossées aux titres avant leur dates d’échéance</a:t>
+            </a:r>
+            <a:r>
+              <a:rPr lang="fr-FR" sz="800" baseline="30000" dirty="0">
+                <a:solidFill>
+                  <a:srgbClr val="000000"/>
+                </a:solidFill>
+              </a:rPr>
+              <a:t>(1)</a:t>
+            </a:r>
+            <a:r>
+              <a:rPr lang="fr-FR" sz="800" dirty="0">
+                <a:solidFill>
+                  <a:srgbClr val="000000"/>
+                </a:solidFill>
+              </a:rPr>
+              <a:t>. Ainsi, le montant remboursé pourra être très différent (inférieur ou supérieur) du montant résultant de l’application de la formule annoncée. Il existe donc un risque de perte en capital partielle ou totale. Il est précisé que l’Assureur, d'une part, l'Emetteur et le Garant de la formule d'autre part sont des entités juridiques indépendantes.</a:t>
             </a:r>
           </a:p>
         </p:txBody>
@@ -32248,43 +31696,25 @@
           <a:p>
             <a:pPr marL="0" lvl="1" algn="just"/>
             <a:r>
-              <a:rPr lang="fr-FR" sz="650" baseline="30000" dirty="0">
+              <a:rPr lang="fr-FR" sz="650" dirty="0">
                 <a:solidFill>
                   <a:schemeClr val="tx2"/>
                 </a:solidFill>
                 <a:latin typeface="+mn-lt"/>
               </a:rPr>
-              <a:t>(1)</a:t>
-            </a:r>
-            <a:r>
-              <a:rPr lang="fr-FR" sz="650" dirty="0">
-                <a:solidFill>
-                  <a:schemeClr val="tx2"/>
-                </a:solidFill>
-                <a:latin typeface="+mn-lt"/>
-              </a:rPr>
-              <a:t> Veuillez vous référer au tableau récapitulant les principales caractéristiques financières en &lt;PAGE&gt; pour le détail des dates. </a:t>
+              <a:t>(1) Veuillez vous référer au tableau récapitulant les principales caractéristiques financières en &lt;PAGE&gt; pour le détail des dates. </a:t>
             </a:r>
           </a:p>
           <a:p>
             <a:pPr marL="0" lvl="1" algn="just"/>
             <a:r>
-              <a:rPr lang="fr-FR" sz="650" baseline="30000" dirty="0">
+              <a:rPr lang="fr-FR" sz="650" dirty="0">
                 <a:solidFill>
                   <a:schemeClr val="tx2"/>
                 </a:solidFill>
                 <a:latin typeface="+mn-lt"/>
               </a:rPr>
-              <a:t>(2)</a:t>
-            </a:r>
-            <a:r>
-              <a:rPr lang="fr-FR" sz="650" dirty="0">
-                <a:solidFill>
-                  <a:schemeClr val="tx2"/>
-                </a:solidFill>
-                <a:latin typeface="+mn-lt"/>
-              </a:rPr>
-              <a:t> En prenant comme hypothèse 1,00% de frais de gestion du contrat d’assurance vie ou de capitalisation. TRA nets hors autres frais, fiscalité et prélèvements sociaux applicables au cadre d’investissement, et hors défaut de paiement et/ou faillite de l’Émetteur et du Garant de la formule et hors mise en résolution du Garant de la formule. Les TRA sont calculés à partir du &lt;2PDC&gt; jusqu’à la date de remboursement anticipé automatique éventuel</a:t>
+              <a:t>(2) En prenant comme hypothèse 1,00% de frais de gestion du contrat d’assurance vie ou de capitalisation. TRA nets hors autres frais, fiscalité et prélèvements sociaux applicables au cadre d’investissement, et hors défaut de paiement et/ou faillite de l’Émetteur et du Garant de la formule et hors mise en résolution du Garant de la formule. Les TRA sont calculés à partir du &lt;2PDC&gt; jusqu’à la date de remboursement anticipé automatique éventuel</a:t>
             </a:r>
             <a:r>
               <a:rPr lang="fr-FR" sz="650" baseline="30000" dirty="0">
@@ -32596,7 +32026,7 @@
         <p:spPr>
           <a:xfrm>
             <a:off x="359839" y="960898"/>
-            <a:ext cx="6839998" cy="7076681"/>
+            <a:ext cx="6839998" cy="6985374"/>
           </a:xfrm>
           <a:prstGeom prst="rect">
             <a:avLst/>
@@ -32662,9 +32092,7 @@
               <a:t>, </a:t>
             </a:r>
             <a:r>
-              <a:rPr lang="fr-FR" sz="800" dirty="0">
-                <a:latin typeface="Proxima Nova Rg" panose="02000506030000020004" pitchFamily="2" charset="0"/>
-              </a:rPr>
+              <a:rPr lang="fr-FR" sz="800" dirty="0"/>
               <a:t>l’investisseur peut recevoir un coupon de &lt;CPN&gt; dès lors que &lt;SJR1&gt; clôture à un &lt;SJR3&gt; supérieur ou égal à &lt;ABAC2&gt;</a:t>
             </a:r>
             <a:r>
@@ -32675,7 +32103,7 @@
                 <a:ea typeface="SimSun" pitchFamily="2" charset="-122"/>
                 <a:cs typeface="Times New Roman" pitchFamily="18" charset="0"/>
               </a:rPr>
-              <a:t>. &lt;Mémoire3&gt;</a:t>
+              <a:t>.</a:t>
             </a:r>
           </a:p>
           <a:p>
@@ -32694,84 +32122,10 @@
                 <a:solidFill>
                   <a:srgbClr val="000000"/>
                 </a:solidFill>
-              </a:rPr>
-              <a:t>A l’issue &lt;DU&gt; &lt;F0&gt; &lt;1PR&gt; à &lt;ADPR&gt;, si à l’une des dates de constatation &lt;F1&gt; correspondantes</a:t>
-            </a:r>
-            <a:r>
-              <a:rPr lang="fr-FR" sz="800" baseline="30000" dirty="0">
-                <a:solidFill>
-                  <a:srgbClr val="000000"/>
-                </a:solidFill>
-              </a:rPr>
-              <a:t>(1)</a:t>
-            </a:r>
-            <a:r>
-              <a:rPr lang="fr-FR" sz="800" dirty="0">
-                <a:solidFill>
-                  <a:srgbClr val="000000"/>
-                </a:solidFill>
-              </a:rPr>
-              <a:t> ,&lt;SJR1&gt; clôture à un &lt;SJR3&gt; supérieur ou égal à &lt;ABAC&gt;, </a:t>
-            </a:r>
-            <a:r>
-              <a:rPr lang="fr-FR" sz="800" b="1" dirty="0">
-                <a:solidFill>
-                  <a:srgbClr val="000000"/>
-                </a:solidFill>
-              </a:rPr>
-              <a:t>un mécanisme de remboursement anticipé est automatiquement activé </a:t>
-            </a:r>
-            <a:r>
-              <a:rPr lang="fr-FR" sz="800" dirty="0">
-                <a:solidFill>
-                  <a:srgbClr val="000000"/>
-                </a:solidFill>
-              </a:rPr>
-              <a:t>et l’investisseur récupère alors l’intégralité de son capital initial majorée du coupon de &lt;CPN&gt; &lt;Mémoire6&gt; (soit un Taux de Rendement Annuel net maximum de</a:t>
-            </a:r>
-            <a:r>
-              <a:rPr lang="fr-FR" sz="800" dirty="0">
-                <a:solidFill>
-                  <a:srgbClr val="000000"/>
-                </a:solidFill>
-                <a:highlight>
-                  <a:srgbClr val="00FFFF"/>
-                </a:highlight>
-              </a:rPr>
-              <a:t>&lt;TRA.MAX.P&gt;</a:t>
-            </a:r>
-            <a:r>
-              <a:rPr lang="fr-FR" sz="800" baseline="30000" dirty="0">
-                <a:solidFill>
-                  <a:srgbClr val="000000"/>
-                </a:solidFill>
-                <a:highlight>
-                  <a:srgbClr val="00FFFF"/>
-                </a:highlight>
                 <a:ea typeface="SimSun" pitchFamily="2" charset="-122"/>
                 <a:cs typeface="Times New Roman" pitchFamily="18" charset="0"/>
               </a:rPr>
-              <a:t>(</a:t>
-            </a:r>
-            <a:r>
-              <a:rPr lang="fr-FR" sz="800" baseline="30000" dirty="0">
-                <a:solidFill>
-                  <a:srgbClr val="000000"/>
-                </a:solidFill>
-                <a:ea typeface="SimSun" pitchFamily="2" charset="-122"/>
-                <a:cs typeface="Times New Roman" pitchFamily="18" charset="0"/>
-              </a:rPr>
-              <a:t>2)</a:t>
-            </a:r>
-            <a:r>
-              <a:rPr lang="fr-FR" sz="800" dirty="0">
-                <a:solidFill>
-                  <a:srgbClr val="000000"/>
-                </a:solidFill>
-                <a:ea typeface="SimSun" pitchFamily="2" charset="-122"/>
-                <a:cs typeface="Times New Roman" pitchFamily="18" charset="0"/>
-              </a:rPr>
-              <a:t>).</a:t>
+              <a:t>&lt;Mémoire3&gt;</a:t>
             </a:r>
           </a:p>
           <a:p>
@@ -32791,18 +32145,95 @@
                   <a:srgbClr val="000000"/>
                 </a:solidFill>
               </a:rPr>
-              <a:t>Sinon, si le mécanisme de remboursement anticipé n’a pas été activé au préalable, et si à la date de constatation finale &lt;SJR1&gt; clôture à un &lt;SJR3&gt; supérieur ou égal à &lt;PDI&gt; de son &lt;NDR&gt;, l’investisseur récupère alors l’intégralité de son capital initialement investi (soit un Taux de Rendement Annuel net maximum de </a:t>
+              <a:t>De la fin &lt;DU&gt; &lt;F0&gt; &lt;1PR&gt; jusqu'à la fin &lt;DU&gt; &lt;F0&gt; &lt;ADPR&gt;, si à l’une des dates de constatation &lt;F1&gt; correspondantes</a:t>
+            </a:r>
+            <a:r>
+              <a:rPr lang="fr-FR" sz="800" baseline="30000" dirty="0">
+                <a:solidFill>
+                  <a:srgbClr val="000000"/>
+                </a:solidFill>
+              </a:rPr>
+              <a:t>(1)</a:t>
             </a:r>
             <a:r>
               <a:rPr lang="fr-FR" sz="800" dirty="0">
                 <a:solidFill>
                   <a:srgbClr val="000000"/>
                 </a:solidFill>
-                <a:highlight>
-                  <a:srgbClr val="00FFFF"/>
-                </a:highlight>
-              </a:rPr>
-              <a:t>&lt;TRA.TOUT.P&gt;</a:t>
+              </a:rPr>
+              <a:t> &lt;SJR1&gt; clôture à un &lt;SJR3&gt; supérieur ou égal à &lt;ABAC&gt;, </a:t>
+            </a:r>
+            <a:r>
+              <a:rPr lang="fr-FR" sz="800" b="1" dirty="0">
+                <a:solidFill>
+                  <a:srgbClr val="000000"/>
+                </a:solidFill>
+              </a:rPr>
+              <a:t>un mécanisme de remboursement anticipé est automatiquement activé </a:t>
+            </a:r>
+            <a:r>
+              <a:rPr lang="fr-FR" sz="800" dirty="0">
+                <a:solidFill>
+                  <a:srgbClr val="000000"/>
+                </a:solidFill>
+              </a:rPr>
+              <a:t>et l’investisseur récupère alors l’intégralité de son capital initial majorée du coupon de &lt;CPN&gt; &lt;Mémoire6&gt; (soit un taux de rendement annuel net maximum de &lt;TRA.MRA.MAX.P&gt;</a:t>
+            </a:r>
+            <a:r>
+              <a:rPr lang="fr-FR" sz="800" baseline="30000" dirty="0">
+                <a:solidFill>
+                  <a:srgbClr val="000000"/>
+                </a:solidFill>
+                <a:ea typeface="SimSun" pitchFamily="2" charset="-122"/>
+                <a:cs typeface="Times New Roman" pitchFamily="18" charset="0"/>
+              </a:rPr>
+              <a:t>(2)</a:t>
+            </a:r>
+            <a:r>
+              <a:rPr lang="fr-FR" sz="800" dirty="0">
+                <a:solidFill>
+                  <a:srgbClr val="000000"/>
+                </a:solidFill>
+                <a:ea typeface="SimSun" pitchFamily="2" charset="-122"/>
+                <a:cs typeface="Times New Roman" pitchFamily="18" charset="0"/>
+              </a:rPr>
+              <a:t>).</a:t>
+            </a:r>
+          </a:p>
+          <a:p>
+            <a:pPr marL="171450" indent="-171450" algn="just">
+              <a:lnSpc>
+                <a:spcPct val="95000"/>
+              </a:lnSpc>
+              <a:spcAft>
+                <a:spcPts val="200"/>
+              </a:spcAft>
+              <a:buFont typeface="Arial" panose="020B0604020202020204" pitchFamily="34" charset="0"/>
+              <a:buChar char="•"/>
+            </a:pPr>
+            <a:r>
+              <a:rPr lang="fr-FR" sz="800" dirty="0">
+                <a:solidFill>
+                  <a:srgbClr val="000000"/>
+                </a:solidFill>
+              </a:rPr>
+              <a:t>À la date de constatation finale</a:t>
+            </a:r>
+            <a:r>
+              <a:rPr lang="fr-FR" sz="800" baseline="30000" dirty="0">
+                <a:solidFill>
+                  <a:srgbClr val="000000"/>
+                </a:solidFill>
+              </a:rPr>
+              <a:t>(1)</a:t>
+            </a:r>
+            <a:r>
+              <a:rPr lang="fr-FR" sz="800" dirty="0">
+                <a:solidFill>
+                  <a:srgbClr val="000000"/>
+                </a:solidFill>
+              </a:rPr>
+              <a:t>, si le mécanisme de remboursement anticipé n’a pas été activé au préalable, et si &lt;SJR1&gt; clôture à un &lt;SJR3&gt; supérieur ou égal à &lt;PDI&gt; de son &lt;NDR&gt;, l’investisseur récupère alors l’intégralité de son capital initial (soit un taux de rendement annuel net maximum de &lt;TRA.TOUT.P&gt;</a:t>
             </a:r>
             <a:r>
               <a:rPr lang="fr-FR" sz="800" baseline="30000" dirty="0">
@@ -32952,7 +32383,7 @@
                   <a:srgbClr val="000000"/>
                 </a:solidFill>
               </a:rPr>
-              <a:t>, il est impossible de mesurer a priori le gain ou la perte possible, le prix pratiqué dépendant alors des paramètres de marché du jour. La perte en capital peut être partielle ou totale. Si le cadre d’investissement du produit est un contrat d’assurance vie ou de capitalisation, le dénouement ou le rachat partiel de celui-ci peut entraîner le désinvestissement des unités de compte adossées aux titres de créance avant leur date de remboursement final</a:t>
+              <a:t>, il est impossible de mesurer a priori le gain ou la perte possible, le prix pratiqué dépendant alors des paramètres de marché du jour. La perte en capital peut être partielle ou totale. Dans le cadre d’un contrat d’assurance vie ou de capitalisation, le dénouement ou le rachat partiel de celui-ci peut entraîner le désinvestissement des unités de compte adossées aux titres de créance avant leur date de remboursement final</a:t>
             </a:r>
             <a:r>
               <a:rPr lang="fr-FR" sz="800" baseline="30000" dirty="0">
@@ -33054,16 +32485,13 @@
                   <a:srgbClr val="000000"/>
                 </a:solidFill>
               </a:rPr>
-              <a:t>L’investisseur ne connaît pas à l’avance la durée exacte de son investissement qui peut varier de </a:t>
-            </a:r>
-            <a:r>
-              <a:rPr lang="fr-FR" sz="800" b="1" dirty="0">
-                <a:solidFill>
-                  <a:srgbClr val="000000"/>
-                </a:solidFill>
-              </a:rPr>
-              <a:t>&lt;1PR&gt; à &lt;DPRR&gt; &lt;F0&gt;&lt;F0s&gt;.</a:t>
-            </a:r>
+              <a:t>L’investisseur ne connaît pas à l’avance la durée exacte de son investissement qui peut varier de &lt;DUREE&gt;.</a:t>
+            </a:r>
+            <a:endParaRPr lang="fr-FR" sz="800" b="1" dirty="0">
+              <a:solidFill>
+                <a:srgbClr val="000000"/>
+              </a:solidFill>
+            </a:endParaRPr>
           </a:p>
           <a:p>
             <a:pPr marL="171450" indent="-171450" algn="just">
@@ -33093,7 +32521,7 @@
                   <a:srgbClr val="000000"/>
                 </a:solidFill>
               </a:rPr>
-              <a:t>mécanisme de plafonnement des gains à &lt;CPN&gt; par &lt;F0&gt; </a:t>
+              <a:t>mécanisme de plafonnement des gains à &lt;CPN&gt; &lt;environ&gt; par &lt;F0&gt; </a:t>
             </a:r>
             <a:r>
               <a:rPr lang="fr-FR" sz="800" dirty="0">
@@ -33101,26 +32529,15 @@
                   <a:srgbClr val="000000"/>
                 </a:solidFill>
               </a:rPr>
-              <a:t>(soit un Taux de Rendement Annuel net maximum de de de </a:t>
-            </a:r>
-            <a:r>
-              <a:rPr lang="fr-FR" sz="800" dirty="0">
+              <a:t>(soit un taux de rendement annuel net maximum de &lt;TRA.TOUT.P&gt;</a:t>
+            </a:r>
+            <a:r>
+              <a:rPr lang="fr-FR" sz="800" baseline="30000" dirty="0">
                 <a:solidFill>
                   <a:srgbClr val="000000"/>
                 </a:solidFill>
-                <a:highlight>
-                  <a:srgbClr val="00FFFF"/>
-                </a:highlight>
-              </a:rPr>
-              <a:t>&lt;TRA.TOUT.P&gt;</a:t>
-            </a:r>
-            <a:r>
-              <a:rPr lang="fr-FR" sz="800" baseline="30000" dirty="0">
-                <a:solidFill>
-                  <a:srgbClr val="000000"/>
-                </a:solidFill>
-              </a:rPr>
-              <a:t>( </a:t>
+              </a:rPr>
+              <a:t>(</a:t>
             </a:r>
             <a:r>
               <a:rPr lang="fr-FR" sz="800" baseline="30000" dirty="0">
@@ -33171,7 +32588,7 @@
                   <a:srgbClr val="000000"/>
                 </a:solidFill>
               </a:rPr>
-              <a:t>Le rendement de « &lt;NOM&gt; » est très sensible à une faible variation du &lt;SJR3&gt; de clôture &lt;SJR7&gt; autour du seuil de </a:t>
+              <a:t>Le rendement de « &lt;NOM&gt; » est très sensible à une faible variation du &lt;SJR3&gt; de clôture &lt;SJR7&gt; autour des seuils de </a:t>
             </a:r>
             <a:r>
               <a:rPr lang="fr-FR" sz="800" dirty="0">
@@ -33181,7 +32598,7 @@
                 <a:effectLst/>
                 <a:ea typeface="Calibri" panose="020F0502020204030204" pitchFamily="34" charset="0"/>
               </a:rPr>
-              <a:t>&lt;ABAC2&gt; de son &lt;NDR&gt; </a:t>
+              <a:t>&lt;ABAC2&gt; et &lt;ABAC&gt; &lt;DESONNDR&gt; </a:t>
             </a:r>
             <a:r>
               <a:rPr lang="fr-FR" sz="800" dirty="0">
@@ -33195,17 +32612,10 @@
                 <a:effectLst/>
                 <a:ea typeface="Calibri" panose="020F0502020204030204" pitchFamily="34" charset="0"/>
               </a:rPr>
-              <a:t>(1</a:t>
-            </a:r>
-            <a:r>
-              <a:rPr lang="fr-FR" sz="800" b="1" baseline="30000" dirty="0">
-                <a:effectLst/>
-                <a:ea typeface="Calibri" panose="020F0502020204030204" pitchFamily="34" charset="0"/>
-              </a:rPr>
-              <a:t>)</a:t>
-            </a:r>
-            <a:r>
-              <a:rPr lang="fr-FR" sz="800" b="1" dirty="0">
+              <a:t>(1)</a:t>
+            </a:r>
+            <a:r>
+              <a:rPr lang="fr-FR" sz="800" dirty="0">
                 <a:effectLst/>
                 <a:ea typeface="Calibri" panose="020F0502020204030204" pitchFamily="34" charset="0"/>
               </a:rPr>
@@ -33232,23 +32642,7 @@
                   <a:srgbClr val="000000"/>
                 </a:solidFill>
               </a:rPr>
-              <a:t>&lt;</a:t>
-            </a:r>
-            <a:r>
-              <a:rPr lang="fr-FR" sz="800" dirty="0" err="1">
-                <a:solidFill>
-                  <a:srgbClr val="000000"/>
-                </a:solidFill>
-              </a:rPr>
-              <a:t>inconv</a:t>
-            </a:r>
-            <a:r>
-              <a:rPr lang="fr-FR" sz="800" dirty="0">
-                <a:solidFill>
-                  <a:srgbClr val="000000"/>
-                </a:solidFill>
-              </a:rPr>
-              <a:t>&gt;.</a:t>
+              <a:t>&lt;inconvénient&gt;</a:t>
             </a:r>
             <a:endParaRPr lang="fr-FR" sz="800" dirty="0">
               <a:solidFill>
@@ -33293,34 +32687,8 @@
                   <a:srgbClr val="000000"/>
                 </a:solidFill>
               </a:rPr>
-              <a:t>Conformément à l’articule 14 du Règlement délégué n°2019/979, les investisseurs sont invités à lire attentivement la section « Facteurs de Risques » du Prospectus de Base et des Conditions définitives, disponible sur le site </a:t>
-            </a:r>
-            <a:r>
-              <a:rPr lang="fr-FR" sz="800" i="1" dirty="0">
-                <a:solidFill>
-                  <a:srgbClr val="000000"/>
-                </a:solidFill>
-                <a:hlinkClick r:id="rId2"/>
-              </a:rPr>
-              <a:t>https://derivative.credit-suisse.com/countryselect/fr</a:t>
-            </a:r>
-            <a:endParaRPr lang="fr-FR" sz="800" i="1" dirty="0">
-              <a:solidFill>
-                <a:srgbClr val="000000"/>
-              </a:solidFill>
-            </a:endParaRPr>
-          </a:p>
-          <a:p>
-            <a:pPr algn="just">
-              <a:lnSpc>
-                <a:spcPct val="95000"/>
-              </a:lnSpc>
-            </a:pPr>
-            <a:endParaRPr lang="fr-FR" sz="800" i="1" dirty="0">
-              <a:solidFill>
-                <a:srgbClr val="000000"/>
-              </a:solidFill>
-            </a:endParaRPr>
+              <a:t>Les investisseurs sont invités à lire attentivement la section « Facteurs de Risques » du Prospectus de base. </a:t>
+            </a:r>
           </a:p>
           <a:p>
             <a:pPr algn="just">
@@ -33370,8 +32738,13 @@
                   <a:srgbClr val="000000"/>
                 </a:solidFill>
               </a:rPr>
-              <a:t>en cas d’insolvabilité de l’Emetteur, les investisseurs pourraient perdre l’ensemble ou une partie du capital investi indépendamment de tout autre facteur favorable pouvant impacter la valeur du produit, tel que la performance des actifs sous-jacents. </a:t>
-            </a:r>
+              <a:t>L’investisseur supporte le risque de défaut de paiement et de faillite de l’Émetteur ainsi que le risque de défaut de paiement, de faillite et de mise en résolution du Garant de la formule. Conformément à la règlementation relative au mécanisme de renflouement interne des institutions financières (bail-in), en cas de défaillance probable ou certaine du Garant de la formule, l’investisseur est susceptible de ne pas recouvrer, le cas échéant, la totalité ou partie du montant qui est dû par le Garant de la formule au titre de la Garantie ou l’Investisseur peut être susceptible de recevoir, le cas échéant, tout autre instrument financier émis par le Garant de la formule (ou toute autre entité) en remplacement du montant qui est dû au titre des titres de créance émis par l’Émetteur.</a:t>
+            </a:r>
+            <a:endParaRPr lang="fr-FR" sz="800" b="1" dirty="0">
+              <a:solidFill>
+                <a:srgbClr val="000000"/>
+              </a:solidFill>
+            </a:endParaRPr>
           </a:p>
           <a:p>
             <a:pPr marL="171450" indent="-171450" algn="just">
@@ -33390,7 +32763,7 @@
                   <a:srgbClr val="000000"/>
                 </a:solidFill>
               </a:rPr>
-              <a:t>Risque de taux </a:t>
+              <a:t>Risque de marché : </a:t>
             </a:r>
             <a:r>
               <a:rPr lang="fr-FR" sz="800" dirty="0">
@@ -33398,7 +32771,7 @@
                   <a:srgbClr val="000000"/>
                 </a:solidFill>
               </a:rPr>
-              <a:t>: toute modification des taux d’intérêt peut affecter négativement la valeur du produit. </a:t>
+              <a:t>Le produit peut connaître à tout moment d’importantes fluctuations de cours (en raison notamment de l’évolution du prix, du (ou des) instrument(s) sous-jacent(s) et des taux d’intérêt), pouvant aboutir dans certains cas à la perte totale du montant investi.</a:t>
             </a:r>
           </a:p>
           <a:p>
@@ -33418,7 +32791,7 @@
                   <a:srgbClr val="000000"/>
                 </a:solidFill>
               </a:rPr>
-              <a:t>Risque de liquidité </a:t>
+              <a:t>Risque de liquidité : </a:t>
             </a:r>
             <a:r>
               <a:rPr lang="fr-FR" sz="800" dirty="0">
@@ -33426,7 +32799,7 @@
                   <a:srgbClr val="000000"/>
                 </a:solidFill>
               </a:rPr>
-              <a:t>: Même si un marché secondaire existe, il peut ne pas fournir suffisamment de liquidités pour permettre aux investisseurs de vendre ou négocier le produit facilement. L’absence de liquidité peut avoir un effet négatif sur la valeur du produit dans la mesure où les investisseurs ne pourront pas nécessairement vendre le produit aisément ou à des prix permettant aux investisseurs de réaliser le rendement escompté. En conséquence, les investisseurs pourraient perdre une partie ou la totalité de leur investissement. </a:t>
+              <a:t>Certaines conditions exceptionnelles de marché peuvent avoir un effet défavorable sur la liquidité du produit, voire même rendre le produit totalement illiquide, ce qui peut rendre impossible la vente du produit et entraîner la perte totale ou partielle du montant investi.</a:t>
             </a:r>
           </a:p>
           <a:p>
@@ -33446,7 +32819,7 @@
                   <a:srgbClr val="000000"/>
                 </a:solidFill>
               </a:rPr>
-              <a:t>Risque de conflits d’intérêts potentiels </a:t>
+              <a:t>Risque de perte en capital : </a:t>
             </a:r>
             <a:r>
               <a:rPr lang="fr-FR" sz="800" dirty="0">
@@ -33454,23 +32827,7 @@
                   <a:srgbClr val="000000"/>
                 </a:solidFill>
               </a:rPr>
-              <a:t>: L’émetteur et l’agent de calcul de ce produit appartiennent au Groupe </a:t>
-            </a:r>
-            <a:r>
-              <a:rPr lang="fr-FR" sz="800" dirty="0" err="1">
-                <a:solidFill>
-                  <a:srgbClr val="000000"/>
-                </a:solidFill>
-              </a:rPr>
-              <a:t>Credit</a:t>
-            </a:r>
-            <a:r>
-              <a:rPr lang="fr-FR" sz="800" dirty="0">
-                <a:solidFill>
-                  <a:srgbClr val="000000"/>
-                </a:solidFill>
-              </a:rPr>
-              <a:t> Suisse. Les conflits d’intérêts qui peuvent être engendrés seront gérés conformément à la réglementation applicable. </a:t>
+              <a:t>Le produit présente un risque de perte en capital. La valeur de remboursement du produit peut être inférieure au montant de l’investissement initial. Dans le pire des scénarios, les investisseurs peuvent perdre jusqu’à la totalité de leur investissement.</a:t>
             </a:r>
           </a:p>
           <a:p>
@@ -33485,12 +32842,20 @@
               <a:buChar char="•"/>
             </a:pPr>
             <a:r>
+              <a:rPr lang="fr-FR" sz="800" b="1" dirty="0">
+                <a:solidFill>
+                  <a:srgbClr val="000000"/>
+                </a:solidFill>
+              </a:rPr>
+              <a:t>Risque lié au sous-jacent </a:t>
+            </a:r>
+            <a:r>
               <a:rPr lang="fr-FR" sz="800" dirty="0">
                 <a:solidFill>
                   <a:srgbClr val="000000"/>
                 </a:solidFill>
               </a:rPr>
-              <a:t>Exposition à la performance de l’indice sous-jacent. La performance des actions composants l’indice dépend de facteurs macroéconomiques liés aux actions contenues dans l’indice, dont certains niveaux d’intérêt et de prix sur les marchés de capitaux, des variations de change, des facteurs politiques et des facteurs propres aux entreprises, tels que la situation financière, la situation commerciale, la situation en matière de risque, la structure de l’actionnariat et la politique en matière de distributions. En outre, le sponsor de l’indice peut modifier les composants dudit indice ou apporter d’autres changements d’ordre méthodologique susceptibles de changer le niveau d’un ou plusieurs composants. Ces modifications peuvent avoir un impact négatif sur le niveau dudit indice, et nuire ainsi à la valeur et au rendement du produit. &lt;SI INDICE&gt;</a:t>
+              <a:t>: Le mécanisme de remboursement est lié à l’évolution du &lt;SJR3&gt; &lt;SJR7&gt; et donc à l’évolution des marchés actions.</a:t>
             </a:r>
           </a:p>
           <a:p>
@@ -33505,20 +32870,28 @@
               <a:buChar char="•"/>
             </a:pPr>
             <a:r>
+              <a:rPr lang="fr-FR" sz="800" b="1" dirty="0">
+                <a:solidFill>
+                  <a:srgbClr val="000000"/>
+                </a:solidFill>
+              </a:rPr>
+              <a:t>Risque découlant de la nature du support </a:t>
+            </a:r>
+            <a:r>
               <a:rPr lang="fr-FR" sz="800" dirty="0">
                 <a:solidFill>
                   <a:srgbClr val="000000"/>
                 </a:solidFill>
               </a:rPr>
-              <a:t>Risques liés aux indices « </a:t>
-            </a:r>
-            <a:r>
-              <a:rPr lang="fr-FR" sz="800" dirty="0" err="1">
+              <a:t>: En cas de revente du produit avant l’échéance ou, selon le cas, à la date de remboursement anticipé automatique</a:t>
+            </a:r>
+            <a:r>
+              <a:rPr lang="fr-FR" sz="800" baseline="30000" dirty="0">
                 <a:solidFill>
                   <a:srgbClr val="000000"/>
                 </a:solidFill>
               </a:rPr>
-              <a:t>Decrement</a:t>
+              <a:t>(1)</a:t>
             </a:r>
             <a:r>
               <a:rPr lang="fr-FR" sz="800" dirty="0">
@@ -33526,7 +32899,23 @@
                   <a:srgbClr val="000000"/>
                 </a:solidFill>
               </a:rPr>
-              <a:t> » en points d’indice : Un montant prédéterminé (dividende synthétique) étant périodiquement déduit du niveau de l’indice sous-jacent, celui-ci sous-performa l’indice correspondant dividendes réinvestis sans retranchement. En outre, l’indice sous-jacent aura une performance différente de celle de l’indice correspondant dividendes non-réinvestis, de sorte que si le niveau de dividende synthétique est supérieur au niveau de dividende réalisé, l’indice sous-jacent sous performera l’indice correspondant dividendes non réinvestis. Enfin, le dividende synthétique prélevé étant exprimé en points d'indice, le rendement du dividende synthétique augmentera dans uns scénario de marché négatif. Ainsi, la sous-performance de l’indice sera accélérée en cas de baisse du niveau de l’indice. SI INDICE DECREMENT</a:t>
+              <a:t>, alors que les conditions de remboursement anticipé automatique ne sont pas remplies, il est impossible de mesurer a priori le gain ou la perte possibles, le prix pratiqué dépendant alors des conditions de marché en vigueur. Si le cadre d’investissement du produit est un contrat d’assurance vie ou de capitalisation, le dénouement (notamment par rachat ou décès de l’assuré), l’arbitrage ou le rachat partiel de celui-ci peuvent entraîner le désinvestissement des unités de compte adossées aux titres avant leur dates d’échéance</a:t>
+            </a:r>
+            <a:r>
+              <a:rPr lang="fr-FR" sz="800" baseline="30000" dirty="0">
+                <a:solidFill>
+                  <a:srgbClr val="000000"/>
+                </a:solidFill>
+              </a:rPr>
+              <a:t>(1)</a:t>
+            </a:r>
+            <a:r>
+              <a:rPr lang="fr-FR" sz="800" dirty="0">
+                <a:solidFill>
+                  <a:srgbClr val="000000"/>
+                </a:solidFill>
+              </a:rPr>
+              <a:t>. Ainsi, le montant remboursé pourra être très différent (inférieur ou supérieur) du montant résultant de l’application de la formule annoncée. Il existe donc un risque de perte en capital partielle ou totale. Il est précisé que l’Assureur, d'une part, l'Emetteur et le Garant de la formule d'autre part sont des entités juridiques indépendantes.</a:t>
             </a:r>
           </a:p>
         </p:txBody>
@@ -33629,43 +33018,25 @@
           <a:p>
             <a:pPr marL="0" lvl="1" algn="just"/>
             <a:r>
-              <a:rPr lang="fr-FR" sz="650" baseline="30000" dirty="0">
+              <a:rPr lang="fr-FR" sz="650" dirty="0">
                 <a:solidFill>
                   <a:schemeClr val="tx2"/>
                 </a:solidFill>
                 <a:latin typeface="+mn-lt"/>
               </a:rPr>
-              <a:t>(1)</a:t>
-            </a:r>
-            <a:r>
-              <a:rPr lang="fr-FR" sz="650" dirty="0">
-                <a:solidFill>
-                  <a:schemeClr val="tx2"/>
-                </a:solidFill>
-                <a:latin typeface="+mn-lt"/>
-              </a:rPr>
-              <a:t> Veuillez vous référer au tableau récapitulant les principales caractéristiques financières en &lt;PAGE&gt; pour le détail des dates. </a:t>
+              <a:t>(1) Veuillez vous référer au tableau récapitulant les principales caractéristiques financières en &lt;PAGE&gt; pour le détail des dates. </a:t>
             </a:r>
           </a:p>
           <a:p>
             <a:pPr marL="0" lvl="1" algn="just"/>
             <a:r>
-              <a:rPr lang="fr-FR" sz="650" baseline="30000" dirty="0">
+              <a:rPr lang="fr-FR" sz="650" dirty="0">
                 <a:solidFill>
                   <a:schemeClr val="tx2"/>
                 </a:solidFill>
                 <a:latin typeface="+mn-lt"/>
               </a:rPr>
-              <a:t>(2)</a:t>
-            </a:r>
-            <a:r>
-              <a:rPr lang="fr-FR" sz="650" dirty="0">
-                <a:solidFill>
-                  <a:schemeClr val="tx2"/>
-                </a:solidFill>
-                <a:latin typeface="+mn-lt"/>
-              </a:rPr>
-              <a:t> En prenant comme hypothèse 1,00% de frais de gestion du contrat d’assurance vie ou de capitalisation. TRA nets hors autres frais, fiscalité et prélèvements sociaux applicables au cadre d’investissement, et hors défaut de paiement et/ou faillite de l’Émetteur et du Garant de la formule et hors mise en résolution du Garant de la formule. Les TRA sont calculés à partir du &lt;2PDC&gt; jusqu’à la date de remboursement anticipé automatique éventuel</a:t>
+              <a:t>(2) En prenant comme hypothèse 1,00% de frais de gestion du contrat d’assurance vie ou de capitalisation. TRA nets hors autres frais, fiscalité et prélèvements sociaux applicables au cadre d’investissement, et hors défaut de paiement et/ou faillite de l’Émetteur et du Garant de la formule et hors mise en résolution du Garant de la formule. Les TRA sont calculés à partir du &lt;2PDC&gt; jusqu’à la date de remboursement anticipé automatique éventuel</a:t>
             </a:r>
             <a:r>
               <a:rPr lang="fr-FR" sz="650" baseline="30000" dirty="0">
@@ -33707,46 +33078,19 @@
           <a:p>
             <a:pPr marL="0" lvl="1" algn="just"/>
             <a:r>
-              <a:rPr lang="fr-FR" sz="650" baseline="30000" dirty="0">
+              <a:rPr lang="fr-FR" sz="650" dirty="0">
                 <a:solidFill>
                   <a:schemeClr val="tx2"/>
                 </a:solidFill>
                 <a:latin typeface="+mn-lt"/>
               </a:rPr>
-              <a:t>(3</a:t>
-            </a:r>
-            <a:r>
-              <a:rPr lang="fr-FR" sz="650" baseline="30000" dirty="0">
+              <a:t>(3) Hors prise en compte des dividendes éventuels détachés par </a:t>
+            </a:r>
+            <a:r>
+              <a:rPr lang="it-IT" sz="650" dirty="0">
                 <a:solidFill>
                   <a:schemeClr val="tx2"/>
                 </a:solidFill>
-                <a:highlight>
-                  <a:srgbClr val="FFFF00"/>
-                </a:highlight>
-                <a:latin typeface="+mn-lt"/>
-              </a:rPr>
-              <a:t>) </a:t>
-            </a:r>
-            <a:r>
-              <a:rPr lang="fr-FR" sz="650" dirty="0">
-                <a:solidFill>
-                  <a:schemeClr val="tx2"/>
-                </a:solidFill>
-                <a:highlight>
-                  <a:srgbClr val="FFFF00"/>
-                </a:highlight>
-                <a:latin typeface="+mn-lt"/>
-              </a:rPr>
-              <a:t>Hors prise en compte des dividendes éventuels détachés par </a:t>
-            </a:r>
-            <a:r>
-              <a:rPr lang="it-IT" sz="650" dirty="0">
-                <a:solidFill>
-                  <a:schemeClr val="tx2"/>
-                </a:solidFill>
-                <a:highlight>
-                  <a:srgbClr val="FFFF00"/>
-                </a:highlight>
                 <a:latin typeface="+mn-lt"/>
               </a:rPr>
               <a:t>&lt;SJR1&gt;</a:t>
@@ -33755,9 +33099,6 @@
               <a:solidFill>
                 <a:schemeClr val="tx2"/>
               </a:solidFill>
-              <a:highlight>
-                <a:srgbClr val="FFFF00"/>
-              </a:highlight>
               <a:latin typeface="+mn-lt"/>
             </a:endParaRPr>
           </a:p>
@@ -34237,7 +33578,19 @@
               <a:rPr lang="fr-FR" sz="800" b="0" dirty="0">
                 <a:latin typeface="+mn-lt"/>
               </a:rPr>
-              <a:t>Dès la première date de constatation du mécanisme de remboursement anticipé automatique, &lt;SJR1&gt; clôture à un &lt;SJR3&gt; supérieur ou égal à &lt;ABAC&gt;</a:t>
+              <a:t>Dès la première date de constatation du mécanisme de remboursement anticipé automatique</a:t>
+            </a:r>
+            <a:r>
+              <a:rPr lang="fr-FR" sz="800" b="0" baseline="30000" dirty="0">
+                <a:latin typeface="+mn-lt"/>
+              </a:rPr>
+              <a:t>(1)</a:t>
+            </a:r>
+            <a:r>
+              <a:rPr lang="fr-FR" sz="800" b="0" dirty="0">
+                <a:latin typeface="+mn-lt"/>
+              </a:rPr>
+              <a:t>, &lt;SJR1&gt; clôture à un &lt;SJR3&gt; supérieur ou égal à &lt;ABAC&gt;</a:t>
             </a:r>
           </a:p>
         </p:txBody>
@@ -34258,7 +33611,7 @@
         </p:nvSpPr>
         <p:spPr>
           <a:xfrm>
-            <a:off x="458459" y="9282268"/>
+            <a:off x="458455" y="9369983"/>
             <a:ext cx="6739266" cy="396000"/>
           </a:xfrm>
           <a:prstGeom prst="rect">
@@ -34550,11 +33903,11 @@
               <a:rPr lang="fr-FR" sz="800" dirty="0">
                 <a:latin typeface="+mn-lt"/>
               </a:rPr>
-              <a:t>du &lt;F0&gt;&lt;F0s&gt; &lt;1PR&gt; à &lt;ADPR&gt;</a:t>
+              <a:t>&lt;PERIODE_DE_REMBOURSEMENT2&gt;</a:t>
             </a:r>
             <a:r>
               <a:rPr lang="fr-FR" sz="800" dirty="0"/>
-              <a:t>, &lt;SJR1&gt; clôture à un &lt;SJR3&gt; strictement inférieur à &lt;ABAC&gt;. Le mécanisme de remboursement anticipé automatique n’est donc pas activé et le produit continue.</a:t>
+              <a:t>,  &lt;SJR1&gt; clôture à un &lt;SJR3&gt; strictement inférieur à &lt;ABAC&gt;. Le mécanisme de remboursement anticipé automatique n’est donc pas activé et le produit continue.</a:t>
             </a:r>
           </a:p>
           <a:p>
@@ -34605,7 +33958,7 @@
             </a:pPr>
             <a:r>
               <a:rPr lang="fr-FR" sz="800" dirty="0"/>
-              <a:t>Le Taux de Rendement Annuel net est alors similaire à celui d’un investissement direct dans &lt;SJR1&gt;</a:t>
+              <a:t>Le taux de rendement annuel net est alors similaire à celui d’un investissement direct dans &lt;SJR1&gt;</a:t>
             </a:r>
             <a:r>
               <a:rPr lang="fr-FR" sz="800" baseline="30000" dirty="0"/>
@@ -34713,7 +34066,7 @@
               <a:rPr lang="fr-FR" sz="800" dirty="0">
                 <a:latin typeface="+mn-lt"/>
               </a:rPr>
-              <a:t> des &lt;F0&gt;&lt;F0s&gt; &lt;1PR&gt; à &lt;ADPR&gt;, &lt;SJR1&gt; clôture à </a:t>
+              <a:t> &lt;PERIODE_DE_REMBOURSEMENT2&gt;, &lt;SJR1&gt; clôture à </a:t>
             </a:r>
             <a:r>
               <a:rPr lang="fr-FR" sz="800" dirty="0">
@@ -34776,7 +34129,7 @@
                 </a:solidFill>
                 <a:latin typeface="+mn-lt"/>
               </a:rPr>
-              <a:t>Ce qui correspond à un Taux de Rendement Annuel net de                    &lt;BALISECMTRA&gt;</a:t>
+              <a:t>Ce qui correspond à un taux de rendement annuel net de                    &lt;BALISECMTRA&gt;</a:t>
             </a:r>
             <a:r>
               <a:rPr lang="fr-FR" sz="800" baseline="30000" dirty="0">
@@ -34794,7 +34147,7 @@
                 </a:solidFill>
                 <a:latin typeface="+mn-lt"/>
               </a:rPr>
-              <a:t>, contre un Taux de Rendement Annuel net de &lt;TRA.M.SJ&gt;</a:t>
+              <a:t>, contre un taux de rendement annuel net de &lt;TRA.M.SJ&gt;</a:t>
             </a:r>
             <a:r>
               <a:rPr lang="fr-FR" sz="800" baseline="30000" dirty="0">
@@ -34895,7 +34248,7 @@
         <p:spPr>
           <a:xfrm>
             <a:off x="4008562" y="7334571"/>
-            <a:ext cx="3239378" cy="1308050"/>
+            <a:ext cx="3239378" cy="1431161"/>
           </a:xfrm>
           <a:prstGeom prst="rect">
             <a:avLst/>
@@ -34966,7 +34319,7 @@
                 </a:solidFill>
                 <a:latin typeface="Proxima Nova Rg" panose="02000506030000020004" pitchFamily="2" charset="0"/>
               </a:rPr>
-              <a:t>un &lt;SJR3&gt; supérieur à &lt;ABAC&gt; &lt;ABAC&gt; </a:t>
+              <a:t>un &lt;SJR3&gt; supérieur à &lt;ABAC&gt; </a:t>
             </a:r>
             <a:r>
               <a:rPr lang="fr-FR" sz="800" dirty="0">
@@ -34974,7 +34327,7 @@
                   <a:schemeClr val="tx2"/>
                 </a:solidFill>
               </a:rPr>
-              <a:t>(&lt;NSF&gt; dans cet exemple). Le produit est automatiquement remboursé par anticipation. Il verse alors l’intégralité du capital initial majorée d’un &lt;GC&gt; de &lt;CPN&gt; par &lt;F0&gt; &lt;F2&gt; depuis le &lt;DDCI&gt;, soit un gain de &lt;CPR1&gt; dans notre exemple.</a:t>
+              <a:t>(&lt;NSF&gt; dans cet exemple). Le produit est automatiquement remboursé par anticipation. Il verse alors l’intégralité du capital initial majorée d’un &lt;GC&gt; de &lt;CPN&gt; &lt;environ&gt; par &lt;F0&gt; &lt;F2&gt; depuis le &lt;DDCI&gt;&lt;exclus&gt;, soit un gain de &lt;CPR1&gt; dans notre exemple.</a:t>
             </a:r>
           </a:p>
           <a:p>
@@ -34985,7 +34338,7 @@
             </a:pPr>
             <a:r>
               <a:rPr lang="fr-FR" sz="800" dirty="0"/>
-              <a:t>Ce qui correspond à un Taux de Rendement Annuel net de &lt;TRA.F.A&gt;</a:t>
+              <a:t>Ce qui correspond à un taux de rendement annuel net de &lt;TRA.F.A&gt;</a:t>
             </a:r>
             <a:r>
               <a:rPr lang="fr-FR" sz="800" baseline="30000" dirty="0"/>
@@ -34993,7 +34346,7 @@
             </a:r>
             <a:r>
               <a:rPr lang="fr-FR" sz="800" dirty="0"/>
-              <a:t>, contre un Taux de Rendement Annuel net de &lt;TRA.F.SJ&gt;</a:t>
+              <a:t>, contre un taux de rendement annuel net de &lt;TRA.F.SJ&gt;</a:t>
             </a:r>
             <a:r>
               <a:rPr lang="fr-FR" sz="800" baseline="30000" dirty="0"/>
@@ -35021,7 +34374,7 @@
                   <a:schemeClr val="tx2"/>
                 </a:solidFill>
               </a:rPr>
-              <a:t>mécanisme de plafonnement des gains à &lt;CPN&gt; par &lt;F0&gt; &lt;F2&gt; depuis le &lt;DDCI&gt;.</a:t>
+              <a:t>mécanisme de plafonnement des gains à &lt;CPN&gt; &lt;environ&gt; par &lt;F0&gt; &lt;F2&gt; depuis le &lt;DDCI&gt;&lt;exclus&gt;.</a:t>
             </a:r>
           </a:p>
         </p:txBody>
@@ -35879,15 +35232,12 @@
 </file>
 
 <file path=customXml/item1.xml><?xml version="1.0" encoding="utf-8"?>
-<p:properties xmlns:p="http://schemas.microsoft.com/office/2006/metadata/properties" xmlns:xsi="http://www.w3.org/2001/XMLSchema-instance" xmlns:pc="http://schemas.microsoft.com/office/infopath/2007/PartnerControls">
-  <documentManagement>
-    <_Flow_SignoffStatus xmlns="ef624bc2-1644-4d69-8362-5c28ca496374" xsi:nil="true"/>
-    <TaxCatchAll xmlns="514a554b-82b0-4359-b247-fc84018a95f0" xsi:nil="true"/>
-    <lcf76f155ced4ddcb4097134ff3c332f xmlns="ef624bc2-1644-4d69-8362-5c28ca496374">
-      <Terms xmlns="http://schemas.microsoft.com/office/infopath/2007/PartnerControls"/>
-    </lcf76f155ced4ddcb4097134ff3c332f>
-  </documentManagement>
-</p:properties>
+<?mso-contentType ?>
+<FormTemplates xmlns="http://schemas.microsoft.com/sharepoint/v3/contenttype/forms">
+  <Display>DocumentLibraryForm</Display>
+  <Edit>DocumentLibraryForm</Edit>
+  <New>DocumentLibraryForm</New>
+</FormTemplates>
 </file>
 
 <file path=customXml/item2.xml><?xml version="1.0" encoding="utf-8"?>
@@ -36140,27 +35490,21 @@
 </file>
 
 <file path=customXml/item3.xml><?xml version="1.0" encoding="utf-8"?>
-<?mso-contentType ?>
-<FormTemplates xmlns="http://schemas.microsoft.com/sharepoint/v3/contenttype/forms">
-  <Display>DocumentLibraryForm</Display>
-  <Edit>DocumentLibraryForm</Edit>
-  <New>DocumentLibraryForm</New>
-</FormTemplates>
+<p:properties xmlns:p="http://schemas.microsoft.com/office/2006/metadata/properties" xmlns:xsi="http://www.w3.org/2001/XMLSchema-instance" xmlns:pc="http://schemas.microsoft.com/office/infopath/2007/PartnerControls">
+  <documentManagement>
+    <_Flow_SignoffStatus xmlns="ef624bc2-1644-4d69-8362-5c28ca496374" xsi:nil="true"/>
+    <TaxCatchAll xmlns="514a554b-82b0-4359-b247-fc84018a95f0" xsi:nil="true"/>
+    <lcf76f155ced4ddcb4097134ff3c332f xmlns="ef624bc2-1644-4d69-8362-5c28ca496374">
+      <Terms xmlns="http://schemas.microsoft.com/office/infopath/2007/PartnerControls"/>
+    </lcf76f155ced4ddcb4097134ff3c332f>
+  </documentManagement>
+</p:properties>
 </file>
 
 <file path=customXml/itemProps1.xml><?xml version="1.0" encoding="utf-8"?>
-<ds:datastoreItem xmlns:ds="http://schemas.openxmlformats.org/officeDocument/2006/customXml" ds:itemID="{25DE574B-2CD2-4078-9BEA-2A14717D9698}">
+<ds:datastoreItem xmlns:ds="http://schemas.openxmlformats.org/officeDocument/2006/customXml" ds:itemID="{B00FC41E-FBDE-42E2-B58A-20EBD240A376}">
   <ds:schemaRefs>
-    <ds:schemaRef ds:uri="514a554b-82b0-4359-b247-fc84018a95f0"/>
-    <ds:schemaRef ds:uri="ef624bc2-1644-4d69-8362-5c28ca496374"/>
-    <ds:schemaRef ds:uri="http://purl.org/dc/dcmitype/"/>
-    <ds:schemaRef ds:uri="http://purl.org/dc/elements/1.1/"/>
-    <ds:schemaRef ds:uri="http://purl.org/dc/terms/"/>
-    <ds:schemaRef ds:uri="http://schemas.microsoft.com/office/2006/documentManagement/types"/>
-    <ds:schemaRef ds:uri="http://schemas.microsoft.com/office/2006/metadata/properties"/>
-    <ds:schemaRef ds:uri="http://schemas.microsoft.com/office/infopath/2007/PartnerControls"/>
-    <ds:schemaRef ds:uri="http://schemas.openxmlformats.org/package/2006/metadata/core-properties"/>
-    <ds:schemaRef ds:uri="http://www.w3.org/XML/1998/namespace"/>
+    <ds:schemaRef ds:uri="http://schemas.microsoft.com/sharepoint/v3/contenttype/forms"/>
   </ds:schemaRefs>
 </ds:datastoreItem>
 </file>
@@ -36185,9 +35529,18 @@
 </file>
 
 <file path=customXml/itemProps3.xml><?xml version="1.0" encoding="utf-8"?>
-<ds:datastoreItem xmlns:ds="http://schemas.openxmlformats.org/officeDocument/2006/customXml" ds:itemID="{B00FC41E-FBDE-42E2-B58A-20EBD240A376}">
+<ds:datastoreItem xmlns:ds="http://schemas.openxmlformats.org/officeDocument/2006/customXml" ds:itemID="{25DE574B-2CD2-4078-9BEA-2A14717D9698}">
   <ds:schemaRefs>
-    <ds:schemaRef ds:uri="http://schemas.microsoft.com/sharepoint/v3/contenttype/forms"/>
+    <ds:schemaRef ds:uri="514a554b-82b0-4359-b247-fc84018a95f0"/>
+    <ds:schemaRef ds:uri="ef624bc2-1644-4d69-8362-5c28ca496374"/>
+    <ds:schemaRef ds:uri="http://purl.org/dc/dcmitype/"/>
+    <ds:schemaRef ds:uri="http://purl.org/dc/elements/1.1/"/>
+    <ds:schemaRef ds:uri="http://purl.org/dc/terms/"/>
+    <ds:schemaRef ds:uri="http://schemas.microsoft.com/office/2006/documentManagement/types"/>
+    <ds:schemaRef ds:uri="http://schemas.microsoft.com/office/2006/metadata/properties"/>
+    <ds:schemaRef ds:uri="http://schemas.microsoft.com/office/infopath/2007/PartnerControls"/>
+    <ds:schemaRef ds:uri="http://schemas.openxmlformats.org/package/2006/metadata/core-properties"/>
+    <ds:schemaRef ds:uri="http://www.w3.org/XML/1998/namespace"/>
   </ds:schemaRefs>
 </ds:datastoreItem>
 </file>
--- a/Templates/Société Générale.pptx
+++ b/Templates/Société Générale.pptx
@@ -238,7 +238,7 @@
           <a:p>
             <a:fld id="{515CCE07-1711-4DC7-A7D8-7ED312C82FB8}" type="datetimeFigureOut">
               <a:rPr lang="fr-FR" smtClean="0"/>
-              <a:t>15/07/2022</a:t>
+              <a:t>19/07/2022</a:t>
             </a:fld>
             <a:endParaRPr lang="fr-FR"/>
           </a:p>
@@ -403,7 +403,7 @@
           <a:p>
             <a:fld id="{014ABEAC-8B63-4BD1-9569-A14EB8752A94}" type="datetimeFigureOut">
               <a:rPr lang="fr-FR" smtClean="0"/>
-              <a:t>15/07/2022</a:t>
+              <a:t>19/07/2022</a:t>
             </a:fld>
             <a:endParaRPr lang="fr-FR"/>
           </a:p>
@@ -6175,7 +6175,7 @@
           <p:nvPr>
             <p:extLst>
               <p:ext uri="{D42A27DB-BD31-4B8C-83A1-F6EECF244321}">
-                <p14:modId xmlns:p14="http://schemas.microsoft.com/office/powerpoint/2010/main" val="2500621677"/>
+                <p14:modId xmlns:p14="http://schemas.microsoft.com/office/powerpoint/2010/main" val="447881017"/>
               </p:ext>
             </p:extLst>
           </p:nvPr>
@@ -9804,7 +9804,7 @@
                         <a:defRPr/>
                       </a:pPr>
                       <a:r>
-                        <a:rPr lang="fr-FR" sz="700" b="0" i="0" kern="1200" dirty="0">
+                        <a:rPr lang="fr-FR" sz="700" b="0" i="0" kern="1200">
                           <a:solidFill>
                             <a:schemeClr val="tx1"/>
                           </a:solidFill>
@@ -9812,21 +9812,10 @@
                           <a:ea typeface="+mn-ea"/>
                           <a:cs typeface="+mn-cs"/>
                         </a:rPr>
-                        <a:t>&lt;</a:t>
+                        <a:t>&lt;Datesremb3</a:t>
                       </a:r>
                       <a:r>
-                        <a:rPr lang="fr-FR" sz="700" b="0" i="0" kern="1200" baseline="0" dirty="0" err="1">
-                          <a:solidFill>
-                            <a:schemeClr val="tx1"/>
-                          </a:solidFill>
-                          <a:latin typeface="+mn-lt"/>
-                          <a:ea typeface="+mn-ea"/>
-                          <a:cs typeface="+mn-cs"/>
-                        </a:rPr>
-                        <a:t>dates_paiement_autocall</a:t>
-                      </a:r>
-                      <a:r>
-                        <a:rPr lang="fr-FR" sz="700" b="0" i="0" kern="1200" baseline="0" dirty="0">
+                        <a:rPr lang="fr-FR" sz="700" b="0" i="0" kern="1200" baseline="0">
                           <a:solidFill>
                             <a:schemeClr val="tx1"/>
                           </a:solidFill>
@@ -9836,6 +9825,14 @@
                         </a:rPr>
                         <a:t>&gt;</a:t>
                       </a:r>
+                      <a:endParaRPr lang="fr-FR" sz="700" b="0" i="0" kern="1200" baseline="0" dirty="0">
+                        <a:solidFill>
+                          <a:schemeClr val="tx1"/>
+                        </a:solidFill>
+                        <a:latin typeface="+mn-lt"/>
+                        <a:ea typeface="+mn-ea"/>
+                        <a:cs typeface="+mn-cs"/>
+                      </a:endParaRPr>
                     </a:p>
                   </a:txBody>
                   <a:tcPr marL="72000" marR="72000" marT="46800" marB="46800" anchor="ctr" horzOverflow="overflow">
@@ -13251,7 +13248,7 @@
           <p:nvPr>
             <p:extLst>
               <p:ext uri="{D42A27DB-BD31-4B8C-83A1-F6EECF244321}">
-                <p14:modId xmlns:p14="http://schemas.microsoft.com/office/powerpoint/2010/main" val="3003689998"/>
+                <p14:modId xmlns:p14="http://schemas.microsoft.com/office/powerpoint/2010/main" val="3496801389"/>
               </p:ext>
             </p:extLst>
           </p:nvPr>
@@ -17109,21 +17106,10 @@
                           <a:ea typeface="+mn-ea"/>
                           <a:cs typeface="+mn-cs"/>
                         </a:rPr>
-                        <a:t>&lt;</a:t>
+                        <a:t>&lt;Datesremb3</a:t>
                       </a:r>
                       <a:r>
-                        <a:rPr lang="fr-FR" sz="700" b="0" i="0" kern="1200" dirty="0" err="1">
-                          <a:solidFill>
-                            <a:schemeClr val="tx1"/>
-                          </a:solidFill>
-                          <a:latin typeface="+mn-lt"/>
-                          <a:ea typeface="+mn-ea"/>
-                          <a:cs typeface="+mn-cs"/>
-                        </a:rPr>
-                        <a:t>dates_last_remboursement_rappel</a:t>
-                      </a:r>
-                      <a:r>
-                        <a:rPr lang="fr-FR" sz="700" b="0" i="0" kern="1200" dirty="0">
+                        <a:rPr lang="fr-FR" sz="700" b="0" i="0" kern="1200" baseline="0" dirty="0">
                           <a:solidFill>
                             <a:schemeClr val="tx1"/>
                           </a:solidFill>
@@ -35241,6 +35227,18 @@
 </file>
 
 <file path=customXml/item2.xml><?xml version="1.0" encoding="utf-8"?>
+<p:properties xmlns:p="http://schemas.microsoft.com/office/2006/metadata/properties" xmlns:xsi="http://www.w3.org/2001/XMLSchema-instance" xmlns:pc="http://schemas.microsoft.com/office/infopath/2007/PartnerControls">
+  <documentManagement>
+    <_Flow_SignoffStatus xmlns="ef624bc2-1644-4d69-8362-5c28ca496374" xsi:nil="true"/>
+    <TaxCatchAll xmlns="514a554b-82b0-4359-b247-fc84018a95f0" xsi:nil="true"/>
+    <lcf76f155ced4ddcb4097134ff3c332f xmlns="ef624bc2-1644-4d69-8362-5c28ca496374">
+      <Terms xmlns="http://schemas.microsoft.com/office/infopath/2007/PartnerControls"/>
+    </lcf76f155ced4ddcb4097134ff3c332f>
+  </documentManagement>
+</p:properties>
+</file>
+
+<file path=customXml/item3.xml><?xml version="1.0" encoding="utf-8"?>
 <ct:contentTypeSchema xmlns:ct="http://schemas.microsoft.com/office/2006/metadata/contentType" xmlns:ma="http://schemas.microsoft.com/office/2006/metadata/properties/metaAttributes" ct:_="" ma:_="" ma:contentTypeName="Document" ma:contentTypeID="0x0101005DDE610BC516E448BB8152259F39635A" ma:contentTypeVersion="17" ma:contentTypeDescription="Crée un document." ma:contentTypeScope="" ma:versionID="bfb75e103009df80b8e5001438c41194">
   <xsd:schema xmlns:xsd="http://www.w3.org/2001/XMLSchema" xmlns:xs="http://www.w3.org/2001/XMLSchema" xmlns:p="http://schemas.microsoft.com/office/2006/metadata/properties" xmlns:ns2="ef624bc2-1644-4d69-8362-5c28ca496374" xmlns:ns3="514a554b-82b0-4359-b247-fc84018a95f0" targetNamespace="http://schemas.microsoft.com/office/2006/metadata/properties" ma:root="true" ma:fieldsID="2ae3df86d13efbb4a35042af2564d386" ns2:_="" ns3:_="">
     <xsd:import namespace="ef624bc2-1644-4d69-8362-5c28ca496374"/>
@@ -35489,18 +35487,6 @@
 </ct:contentTypeSchema>
 </file>
 
-<file path=customXml/item3.xml><?xml version="1.0" encoding="utf-8"?>
-<p:properties xmlns:p="http://schemas.microsoft.com/office/2006/metadata/properties" xmlns:xsi="http://www.w3.org/2001/XMLSchema-instance" xmlns:pc="http://schemas.microsoft.com/office/infopath/2007/PartnerControls">
-  <documentManagement>
-    <_Flow_SignoffStatus xmlns="ef624bc2-1644-4d69-8362-5c28ca496374" xsi:nil="true"/>
-    <TaxCatchAll xmlns="514a554b-82b0-4359-b247-fc84018a95f0" xsi:nil="true"/>
-    <lcf76f155ced4ddcb4097134ff3c332f xmlns="ef624bc2-1644-4d69-8362-5c28ca496374">
-      <Terms xmlns="http://schemas.microsoft.com/office/infopath/2007/PartnerControls"/>
-    </lcf76f155ced4ddcb4097134ff3c332f>
-  </documentManagement>
-</p:properties>
-</file>
-
 <file path=customXml/itemProps1.xml><?xml version="1.0" encoding="utf-8"?>
 <ds:datastoreItem xmlns:ds="http://schemas.openxmlformats.org/officeDocument/2006/customXml" ds:itemID="{B00FC41E-FBDE-42E2-B58A-20EBD240A376}">
   <ds:schemaRefs>
@@ -35510,6 +35496,23 @@
 </file>
 
 <file path=customXml/itemProps2.xml><?xml version="1.0" encoding="utf-8"?>
+<ds:datastoreItem xmlns:ds="http://schemas.openxmlformats.org/officeDocument/2006/customXml" ds:itemID="{25DE574B-2CD2-4078-9BEA-2A14717D9698}">
+  <ds:schemaRefs>
+    <ds:schemaRef ds:uri="514a554b-82b0-4359-b247-fc84018a95f0"/>
+    <ds:schemaRef ds:uri="ef624bc2-1644-4d69-8362-5c28ca496374"/>
+    <ds:schemaRef ds:uri="http://purl.org/dc/dcmitype/"/>
+    <ds:schemaRef ds:uri="http://purl.org/dc/elements/1.1/"/>
+    <ds:schemaRef ds:uri="http://purl.org/dc/terms/"/>
+    <ds:schemaRef ds:uri="http://schemas.microsoft.com/office/2006/documentManagement/types"/>
+    <ds:schemaRef ds:uri="http://schemas.microsoft.com/office/2006/metadata/properties"/>
+    <ds:schemaRef ds:uri="http://schemas.microsoft.com/office/infopath/2007/PartnerControls"/>
+    <ds:schemaRef ds:uri="http://schemas.openxmlformats.org/package/2006/metadata/core-properties"/>
+    <ds:schemaRef ds:uri="http://www.w3.org/XML/1998/namespace"/>
+  </ds:schemaRefs>
+</ds:datastoreItem>
+</file>
+
+<file path=customXml/itemProps3.xml><?xml version="1.0" encoding="utf-8"?>
 <ds:datastoreItem xmlns:ds="http://schemas.openxmlformats.org/officeDocument/2006/customXml" ds:itemID="{1952AB1B-D807-48E4-B821-205D428E3F5C}">
   <ds:schemaRefs>
     <ds:schemaRef ds:uri="http://schemas.microsoft.com/office/2006/metadata/contentType"/>
@@ -35526,21 +35529,4 @@
     <ds:schemaRef ds:uri="http://schemas.microsoft.com/internal/obd"/>
   </ds:schemaRefs>
 </ds:datastoreItem>
-</file>
-
-<file path=customXml/itemProps3.xml><?xml version="1.0" encoding="utf-8"?>
-<ds:datastoreItem xmlns:ds="http://schemas.openxmlformats.org/officeDocument/2006/customXml" ds:itemID="{25DE574B-2CD2-4078-9BEA-2A14717D9698}">
-  <ds:schemaRefs>
-    <ds:schemaRef ds:uri="514a554b-82b0-4359-b247-fc84018a95f0"/>
-    <ds:schemaRef ds:uri="ef624bc2-1644-4d69-8362-5c28ca496374"/>
-    <ds:schemaRef ds:uri="http://purl.org/dc/dcmitype/"/>
-    <ds:schemaRef ds:uri="http://purl.org/dc/elements/1.1/"/>
-    <ds:schemaRef ds:uri="http://purl.org/dc/terms/"/>
-    <ds:schemaRef ds:uri="http://schemas.microsoft.com/office/2006/documentManagement/types"/>
-    <ds:schemaRef ds:uri="http://schemas.microsoft.com/office/2006/metadata/properties"/>
-    <ds:schemaRef ds:uri="http://schemas.microsoft.com/office/infopath/2007/PartnerControls"/>
-    <ds:schemaRef ds:uri="http://schemas.openxmlformats.org/package/2006/metadata/core-properties"/>
-    <ds:schemaRef ds:uri="http://www.w3.org/XML/1998/namespace"/>
-  </ds:schemaRefs>
-</ds:datastoreItem>
 </file>